--- a/Contents/Soft Copies/System Architecture.pptx
+++ b/Contents/Soft Copies/System Architecture.pptx
@@ -2,14 +2,16 @@
 <file path=ppt/presentation.xml><?xml version="1.0" encoding="utf-8"?>
 <p:presentation xmlns:a="http://schemas.openxmlformats.org/drawingml/2006/main" xmlns:r="http://schemas.openxmlformats.org/officeDocument/2006/relationships" xmlns:p="http://schemas.openxmlformats.org/presentationml/2006/main" saveSubsetFonts="1">
   <p:sldMasterIdLst>
-    <p:sldMasterId id="2147483672" r:id="rId1"/>
+    <p:sldMasterId id="2147483684" r:id="rId1"/>
+    <p:sldMasterId id="2147483696" r:id="rId2"/>
   </p:sldMasterIdLst>
   <p:sldIdLst>
-    <p:sldId id="256" r:id="rId2"/>
-    <p:sldId id="258" r:id="rId3"/>
-    <p:sldId id="257" r:id="rId4"/>
+    <p:sldId id="256" r:id="rId3"/>
+    <p:sldId id="259" r:id="rId4"/>
+    <p:sldId id="258" r:id="rId5"/>
+    <p:sldId id="257" r:id="rId6"/>
   </p:sldIdLst>
-  <p:sldSz cx="6858000" cy="9906000" type="A4"/>
+  <p:sldSz cx="17610138" cy="9906000"/>
   <p:notesSz cx="6858000" cy="9144000"/>
   <p:defaultTextStyle>
     <a:defPPr>
@@ -143,15 +145,15 @@
         </p:nvSpPr>
         <p:spPr>
           <a:xfrm>
-            <a:off x="514350" y="1621191"/>
-            <a:ext cx="5829300" cy="3448756"/>
+            <a:off x="2201267" y="1621191"/>
+            <a:ext cx="13207604" cy="3448756"/>
           </a:xfrm>
         </p:spPr>
         <p:txBody>
           <a:bodyPr anchor="b"/>
           <a:lstStyle>
             <a:lvl1pPr algn="ctr">
-              <a:defRPr sz="4500"/>
+              <a:defRPr sz="8666"/>
             </a:lvl1pPr>
           </a:lstStyle>
           <a:p>
@@ -175,8 +177,8 @@
         </p:nvSpPr>
         <p:spPr>
           <a:xfrm>
-            <a:off x="857250" y="5202944"/>
-            <a:ext cx="5143500" cy="2391656"/>
+            <a:off x="2201267" y="5202944"/>
+            <a:ext cx="13207604" cy="2391656"/>
           </a:xfrm>
         </p:spPr>
         <p:txBody>
@@ -184,39 +186,39 @@
           <a:lstStyle>
             <a:lvl1pPr marL="0" indent="0" algn="ctr">
               <a:buNone/>
-              <a:defRPr sz="1800"/>
+              <a:defRPr sz="3467"/>
             </a:lvl1pPr>
-            <a:lvl2pPr marL="342900" indent="0" algn="ctr">
-              <a:buNone/>
-              <a:defRPr sz="1500"/>
+            <a:lvl2pPr marL="660380" indent="0" algn="ctr">
+              <a:buNone/>
+              <a:defRPr sz="2889"/>
             </a:lvl2pPr>
-            <a:lvl3pPr marL="685800" indent="0" algn="ctr">
-              <a:buNone/>
-              <a:defRPr sz="1350"/>
+            <a:lvl3pPr marL="1320759" indent="0" algn="ctr">
+              <a:buNone/>
+              <a:defRPr sz="2600"/>
             </a:lvl3pPr>
-            <a:lvl4pPr marL="1028700" indent="0" algn="ctr">
-              <a:buNone/>
-              <a:defRPr sz="1200"/>
+            <a:lvl4pPr marL="1981139" indent="0" algn="ctr">
+              <a:buNone/>
+              <a:defRPr sz="2311"/>
             </a:lvl4pPr>
-            <a:lvl5pPr marL="1371600" indent="0" algn="ctr">
-              <a:buNone/>
-              <a:defRPr sz="1200"/>
+            <a:lvl5pPr marL="2641519" indent="0" algn="ctr">
+              <a:buNone/>
+              <a:defRPr sz="2311"/>
             </a:lvl5pPr>
-            <a:lvl6pPr marL="1714500" indent="0" algn="ctr">
-              <a:buNone/>
-              <a:defRPr sz="1200"/>
+            <a:lvl6pPr marL="3301898" indent="0" algn="ctr">
+              <a:buNone/>
+              <a:defRPr sz="2311"/>
             </a:lvl6pPr>
-            <a:lvl7pPr marL="2057400" indent="0" algn="ctr">
-              <a:buNone/>
-              <a:defRPr sz="1200"/>
+            <a:lvl7pPr marL="3962278" indent="0" algn="ctr">
+              <a:buNone/>
+              <a:defRPr sz="2311"/>
             </a:lvl7pPr>
-            <a:lvl8pPr marL="2400300" indent="0" algn="ctr">
-              <a:buNone/>
-              <a:defRPr sz="1200"/>
+            <a:lvl8pPr marL="4622658" indent="0" algn="ctr">
+              <a:buNone/>
+              <a:defRPr sz="2311"/>
             </a:lvl8pPr>
-            <a:lvl9pPr marL="2743200" indent="0" algn="ctr">
-              <a:buNone/>
-              <a:defRPr sz="1200"/>
+            <a:lvl9pPr marL="5283037" indent="0" algn="ctr">
+              <a:buNone/>
+              <a:defRPr sz="2311"/>
             </a:lvl9pPr>
           </a:lstStyle>
           <a:p>
@@ -245,7 +247,7 @@
           <a:p>
             <a:fld id="{257A217A-5BE8-433A-B016-8BAC81D03FDC}" type="datetimeFigureOut">
               <a:rPr lang="en-GB" smtClean="0"/>
-              <a:t>10/10/2019</a:t>
+              <a:t>12/11/2019</a:t>
             </a:fld>
             <a:endParaRPr lang="en-GB"/>
           </a:p>
@@ -296,7 +298,7 @@
     </p:spTree>
     <p:extLst>
       <p:ext uri="{BB962C8B-B14F-4D97-AF65-F5344CB8AC3E}">
-        <p14:creationId xmlns:p14="http://schemas.microsoft.com/office/powerpoint/2010/main" val="395933203"/>
+        <p14:creationId xmlns:p14="http://schemas.microsoft.com/office/powerpoint/2010/main" val="1487736647"/>
       </p:ext>
     </p:extLst>
   </p:cSld>
@@ -415,7 +417,7 @@
           <a:p>
             <a:fld id="{257A217A-5BE8-433A-B016-8BAC81D03FDC}" type="datetimeFigureOut">
               <a:rPr lang="en-GB" smtClean="0"/>
-              <a:t>10/10/2019</a:t>
+              <a:t>12/11/2019</a:t>
             </a:fld>
             <a:endParaRPr lang="en-GB"/>
           </a:p>
@@ -466,7 +468,7 @@
     </p:spTree>
     <p:extLst>
       <p:ext uri="{BB962C8B-B14F-4D97-AF65-F5344CB8AC3E}">
-        <p14:creationId xmlns:p14="http://schemas.microsoft.com/office/powerpoint/2010/main" val="3244721130"/>
+        <p14:creationId xmlns:p14="http://schemas.microsoft.com/office/powerpoint/2010/main" val="350420251"/>
       </p:ext>
     </p:extLst>
   </p:cSld>
@@ -505,8 +507,8 @@
         </p:nvSpPr>
         <p:spPr>
           <a:xfrm>
-            <a:off x="4907757" y="527403"/>
-            <a:ext cx="1478756" cy="8394877"/>
+            <a:off x="12602255" y="527403"/>
+            <a:ext cx="3797186" cy="8394877"/>
           </a:xfrm>
         </p:spPr>
         <p:txBody>
@@ -533,8 +535,8 @@
         </p:nvSpPr>
         <p:spPr>
           <a:xfrm>
-            <a:off x="471488" y="527403"/>
-            <a:ext cx="4350544" cy="8394877"/>
+            <a:off x="1210697" y="527403"/>
+            <a:ext cx="11171431" cy="8394877"/>
           </a:xfrm>
         </p:spPr>
         <p:txBody>
@@ -595,7 +597,7 @@
           <a:p>
             <a:fld id="{257A217A-5BE8-433A-B016-8BAC81D03FDC}" type="datetimeFigureOut">
               <a:rPr lang="en-GB" smtClean="0"/>
-              <a:t>10/10/2019</a:t>
+              <a:t>12/11/2019</a:t>
             </a:fld>
             <a:endParaRPr lang="en-GB"/>
           </a:p>
@@ -646,13 +648,1714 @@
     </p:spTree>
     <p:extLst>
       <p:ext uri="{BB962C8B-B14F-4D97-AF65-F5344CB8AC3E}">
-        <p14:creationId xmlns:p14="http://schemas.microsoft.com/office/powerpoint/2010/main" val="2472014136"/>
+        <p14:creationId xmlns:p14="http://schemas.microsoft.com/office/powerpoint/2010/main" val="3603796898"/>
       </p:ext>
     </p:extLst>
   </p:cSld>
   <p:clrMapOvr>
     <a:masterClrMapping/>
   </p:clrMapOvr>
+</p:sldLayout>
+</file>
+
+<file path=ppt/slideLayouts/slideLayout12.xml><?xml version="1.0" encoding="utf-8"?>
+<p:sldLayout xmlns:a="http://schemas.openxmlformats.org/drawingml/2006/main" xmlns:r="http://schemas.openxmlformats.org/officeDocument/2006/relationships" xmlns:p="http://schemas.openxmlformats.org/presentationml/2006/main" type="title" preserve="1">
+  <p:cSld name="Title Slide">
+    <p:spTree>
+      <p:nvGrpSpPr>
+        <p:cNvPr id="1" name=""/>
+        <p:cNvGrpSpPr/>
+        <p:nvPr/>
+      </p:nvGrpSpPr>
+      <p:grpSpPr>
+        <a:xfrm>
+          <a:off x="0" y="0"/>
+          <a:ext cx="0" cy="0"/>
+          <a:chOff x="0" y="0"/>
+          <a:chExt cx="0" cy="0"/>
+        </a:xfrm>
+      </p:grpSpPr>
+      <p:sp>
+        <p:nvSpPr>
+          <p:cNvPr id="2" name="Title 1"/>
+          <p:cNvSpPr>
+            <a:spLocks noGrp="1"/>
+          </p:cNvSpPr>
+          <p:nvPr>
+            <p:ph type="ctrTitle"/>
+          </p:nvPr>
+        </p:nvSpPr>
+        <p:spPr>
+          <a:xfrm>
+            <a:off x="2201268" y="1621191"/>
+            <a:ext cx="13207604" cy="3448756"/>
+          </a:xfrm>
+        </p:spPr>
+        <p:txBody>
+          <a:bodyPr anchor="b"/>
+          <a:lstStyle>
+            <a:lvl1pPr algn="ctr">
+              <a:defRPr sz="8666"/>
+            </a:lvl1pPr>
+          </a:lstStyle>
+          <a:p>
+            <a:r>
+              <a:rPr lang="en-US" smtClean="0"/>
+              <a:t>Click to edit Master title style</a:t>
+            </a:r>
+            <a:endParaRPr lang="en-GB"/>
+          </a:p>
+        </p:txBody>
+      </p:sp>
+      <p:sp>
+        <p:nvSpPr>
+          <p:cNvPr id="3" name="Subtitle 2"/>
+          <p:cNvSpPr>
+            <a:spLocks noGrp="1"/>
+          </p:cNvSpPr>
+          <p:nvPr>
+            <p:ph type="subTitle" idx="1"/>
+          </p:nvPr>
+        </p:nvSpPr>
+        <p:spPr>
+          <a:xfrm>
+            <a:off x="2201268" y="5202944"/>
+            <a:ext cx="13207604" cy="2391656"/>
+          </a:xfrm>
+        </p:spPr>
+        <p:txBody>
+          <a:bodyPr/>
+          <a:lstStyle>
+            <a:lvl1pPr marL="0" indent="0" algn="ctr">
+              <a:buNone/>
+              <a:defRPr sz="3467"/>
+            </a:lvl1pPr>
+            <a:lvl2pPr marL="660367" indent="0" algn="ctr">
+              <a:buNone/>
+              <a:defRPr sz="2889"/>
+            </a:lvl2pPr>
+            <a:lvl3pPr marL="1320733" indent="0" algn="ctr">
+              <a:buNone/>
+              <a:defRPr sz="2598"/>
+            </a:lvl3pPr>
+            <a:lvl4pPr marL="1981099" indent="0" algn="ctr">
+              <a:buNone/>
+              <a:defRPr sz="2311"/>
+            </a:lvl4pPr>
+            <a:lvl5pPr marL="2641465" indent="0" algn="ctr">
+              <a:buNone/>
+              <a:defRPr sz="2311"/>
+            </a:lvl5pPr>
+            <a:lvl6pPr marL="3301832" indent="0" algn="ctr">
+              <a:buNone/>
+              <a:defRPr sz="2311"/>
+            </a:lvl6pPr>
+            <a:lvl7pPr marL="3962199" indent="0" algn="ctr">
+              <a:buNone/>
+              <a:defRPr sz="2311"/>
+            </a:lvl7pPr>
+            <a:lvl8pPr marL="4622562" indent="0" algn="ctr">
+              <a:buNone/>
+              <a:defRPr sz="2311"/>
+            </a:lvl8pPr>
+            <a:lvl9pPr marL="5282929" indent="0" algn="ctr">
+              <a:buNone/>
+              <a:defRPr sz="2311"/>
+            </a:lvl9pPr>
+          </a:lstStyle>
+          <a:p>
+            <a:r>
+              <a:rPr lang="en-US" smtClean="0"/>
+              <a:t>Click to edit Master subtitle style</a:t>
+            </a:r>
+            <a:endParaRPr lang="en-GB"/>
+          </a:p>
+        </p:txBody>
+      </p:sp>
+      <p:sp>
+        <p:nvSpPr>
+          <p:cNvPr id="4" name="Date Placeholder 3"/>
+          <p:cNvSpPr>
+            <a:spLocks noGrp="1"/>
+          </p:cNvSpPr>
+          <p:nvPr>
+            <p:ph type="dt" sz="half" idx="10"/>
+          </p:nvPr>
+        </p:nvSpPr>
+        <p:spPr/>
+        <p:txBody>
+          <a:bodyPr/>
+          <a:lstStyle/>
+          <a:p>
+            <a:fld id="{F9A7F862-8165-4259-9831-4EF921D9C164}" type="datetimeFigureOut">
+              <a:rPr lang="en-GB" smtClean="0"/>
+              <a:t>12/11/2019</a:t>
+            </a:fld>
+            <a:endParaRPr lang="en-GB"/>
+          </a:p>
+        </p:txBody>
+      </p:sp>
+      <p:sp>
+        <p:nvSpPr>
+          <p:cNvPr id="5" name="Footer Placeholder 4"/>
+          <p:cNvSpPr>
+            <a:spLocks noGrp="1"/>
+          </p:cNvSpPr>
+          <p:nvPr>
+            <p:ph type="ftr" sz="quarter" idx="11"/>
+          </p:nvPr>
+        </p:nvSpPr>
+        <p:spPr/>
+        <p:txBody>
+          <a:bodyPr/>
+          <a:lstStyle/>
+          <a:p>
+            <a:endParaRPr lang="en-GB"/>
+          </a:p>
+        </p:txBody>
+      </p:sp>
+      <p:sp>
+        <p:nvSpPr>
+          <p:cNvPr id="6" name="Slide Number Placeholder 5"/>
+          <p:cNvSpPr>
+            <a:spLocks noGrp="1"/>
+          </p:cNvSpPr>
+          <p:nvPr>
+            <p:ph type="sldNum" sz="quarter" idx="12"/>
+          </p:nvPr>
+        </p:nvSpPr>
+        <p:spPr/>
+        <p:txBody>
+          <a:bodyPr/>
+          <a:lstStyle/>
+          <a:p>
+            <a:fld id="{26407377-0CCB-4A22-B35B-EB0AFC537BBF}" type="slidenum">
+              <a:rPr lang="en-GB" smtClean="0"/>
+              <a:t>‹#›</a:t>
+            </a:fld>
+            <a:endParaRPr lang="en-GB"/>
+          </a:p>
+        </p:txBody>
+      </p:sp>
+    </p:spTree>
+    <p:extLst>
+      <p:ext uri="{BB962C8B-B14F-4D97-AF65-F5344CB8AC3E}">
+        <p14:creationId xmlns:p14="http://schemas.microsoft.com/office/powerpoint/2010/main" val="518908075"/>
+      </p:ext>
+    </p:extLst>
+  </p:cSld>
+  <p:clrMapOvr>
+    <a:masterClrMapping/>
+  </p:clrMapOvr>
+  <p:hf sldNum="0" hdr="0" ftr="0" dt="0"/>
+</p:sldLayout>
+</file>
+
+<file path=ppt/slideLayouts/slideLayout13.xml><?xml version="1.0" encoding="utf-8"?>
+<p:sldLayout xmlns:a="http://schemas.openxmlformats.org/drawingml/2006/main" xmlns:r="http://schemas.openxmlformats.org/officeDocument/2006/relationships" xmlns:p="http://schemas.openxmlformats.org/presentationml/2006/main" type="obj" preserve="1">
+  <p:cSld name="Title and Content">
+    <p:spTree>
+      <p:nvGrpSpPr>
+        <p:cNvPr id="1" name=""/>
+        <p:cNvGrpSpPr/>
+        <p:nvPr/>
+      </p:nvGrpSpPr>
+      <p:grpSpPr>
+        <a:xfrm>
+          <a:off x="0" y="0"/>
+          <a:ext cx="0" cy="0"/>
+          <a:chOff x="0" y="0"/>
+          <a:chExt cx="0" cy="0"/>
+        </a:xfrm>
+      </p:grpSpPr>
+      <p:sp>
+        <p:nvSpPr>
+          <p:cNvPr id="2" name="Title 1"/>
+          <p:cNvSpPr>
+            <a:spLocks noGrp="1"/>
+          </p:cNvSpPr>
+          <p:nvPr>
+            <p:ph type="title"/>
+          </p:nvPr>
+        </p:nvSpPr>
+        <p:spPr/>
+        <p:txBody>
+          <a:bodyPr/>
+          <a:lstStyle/>
+          <a:p>
+            <a:r>
+              <a:rPr lang="en-US" smtClean="0"/>
+              <a:t>Click to edit Master title style</a:t>
+            </a:r>
+            <a:endParaRPr lang="en-GB"/>
+          </a:p>
+        </p:txBody>
+      </p:sp>
+      <p:sp>
+        <p:nvSpPr>
+          <p:cNvPr id="3" name="Content Placeholder 2"/>
+          <p:cNvSpPr>
+            <a:spLocks noGrp="1"/>
+          </p:cNvSpPr>
+          <p:nvPr>
+            <p:ph idx="1"/>
+          </p:nvPr>
+        </p:nvSpPr>
+        <p:spPr/>
+        <p:txBody>
+          <a:bodyPr/>
+          <a:lstStyle/>
+          <a:p>
+            <a:pPr lvl="0"/>
+            <a:r>
+              <a:rPr lang="en-US" smtClean="0"/>
+              <a:t>Edit Master text styles</a:t>
+            </a:r>
+          </a:p>
+          <a:p>
+            <a:pPr lvl="1"/>
+            <a:r>
+              <a:rPr lang="en-US" smtClean="0"/>
+              <a:t>Second level</a:t>
+            </a:r>
+          </a:p>
+          <a:p>
+            <a:pPr lvl="2"/>
+            <a:r>
+              <a:rPr lang="en-US" smtClean="0"/>
+              <a:t>Third level</a:t>
+            </a:r>
+          </a:p>
+          <a:p>
+            <a:pPr lvl="3"/>
+            <a:r>
+              <a:rPr lang="en-US" smtClean="0"/>
+              <a:t>Fourth level</a:t>
+            </a:r>
+          </a:p>
+          <a:p>
+            <a:pPr lvl="4"/>
+            <a:r>
+              <a:rPr lang="en-US" smtClean="0"/>
+              <a:t>Fifth level</a:t>
+            </a:r>
+            <a:endParaRPr lang="en-GB"/>
+          </a:p>
+        </p:txBody>
+      </p:sp>
+      <p:sp>
+        <p:nvSpPr>
+          <p:cNvPr id="4" name="Date Placeholder 3"/>
+          <p:cNvSpPr>
+            <a:spLocks noGrp="1"/>
+          </p:cNvSpPr>
+          <p:nvPr>
+            <p:ph type="dt" sz="half" idx="10"/>
+          </p:nvPr>
+        </p:nvSpPr>
+        <p:spPr/>
+        <p:txBody>
+          <a:bodyPr/>
+          <a:lstStyle/>
+          <a:p>
+            <a:endParaRPr lang="en-US" altLang="en-US"/>
+          </a:p>
+        </p:txBody>
+      </p:sp>
+      <p:sp>
+        <p:nvSpPr>
+          <p:cNvPr id="5" name="Footer Placeholder 4"/>
+          <p:cNvSpPr>
+            <a:spLocks noGrp="1"/>
+          </p:cNvSpPr>
+          <p:nvPr>
+            <p:ph type="ftr" sz="quarter" idx="11"/>
+          </p:nvPr>
+        </p:nvSpPr>
+        <p:spPr/>
+        <p:txBody>
+          <a:bodyPr/>
+          <a:lstStyle/>
+          <a:p>
+            <a:endParaRPr lang="en-US" altLang="en-US"/>
+          </a:p>
+        </p:txBody>
+      </p:sp>
+      <p:sp>
+        <p:nvSpPr>
+          <p:cNvPr id="6" name="Slide Number Placeholder 5"/>
+          <p:cNvSpPr>
+            <a:spLocks noGrp="1"/>
+          </p:cNvSpPr>
+          <p:nvPr>
+            <p:ph type="sldNum" sz="quarter" idx="12"/>
+          </p:nvPr>
+        </p:nvSpPr>
+        <p:spPr/>
+        <p:txBody>
+          <a:bodyPr/>
+          <a:lstStyle/>
+          <a:p>
+            <a:fld id="{FC48E0B1-C9B5-4259-8CDD-9853CB417A8A}" type="slidenum">
+              <a:rPr lang="en-US" altLang="en-US" smtClean="0"/>
+              <a:pPr/>
+              <a:t>‹#›</a:t>
+            </a:fld>
+            <a:endParaRPr lang="en-US" altLang="en-US"/>
+          </a:p>
+        </p:txBody>
+      </p:sp>
+    </p:spTree>
+    <p:extLst>
+      <p:ext uri="{BB962C8B-B14F-4D97-AF65-F5344CB8AC3E}">
+        <p14:creationId xmlns:p14="http://schemas.microsoft.com/office/powerpoint/2010/main" val="1197533219"/>
+      </p:ext>
+    </p:extLst>
+  </p:cSld>
+  <p:clrMapOvr>
+    <a:masterClrMapping/>
+  </p:clrMapOvr>
+</p:sldLayout>
+</file>
+
+<file path=ppt/slideLayouts/slideLayout14.xml><?xml version="1.0" encoding="utf-8"?>
+<p:sldLayout xmlns:a="http://schemas.openxmlformats.org/drawingml/2006/main" xmlns:r="http://schemas.openxmlformats.org/officeDocument/2006/relationships" xmlns:p="http://schemas.openxmlformats.org/presentationml/2006/main" type="secHead" preserve="1">
+  <p:cSld name="Section Header">
+    <p:spTree>
+      <p:nvGrpSpPr>
+        <p:cNvPr id="1" name=""/>
+        <p:cNvGrpSpPr/>
+        <p:nvPr/>
+      </p:nvGrpSpPr>
+      <p:grpSpPr>
+        <a:xfrm>
+          <a:off x="0" y="0"/>
+          <a:ext cx="0" cy="0"/>
+          <a:chOff x="0" y="0"/>
+          <a:chExt cx="0" cy="0"/>
+        </a:xfrm>
+      </p:grpSpPr>
+      <p:sp>
+        <p:nvSpPr>
+          <p:cNvPr id="2" name="Title 1"/>
+          <p:cNvSpPr>
+            <a:spLocks noGrp="1"/>
+          </p:cNvSpPr>
+          <p:nvPr>
+            <p:ph type="title"/>
+          </p:nvPr>
+        </p:nvSpPr>
+        <p:spPr>
+          <a:xfrm>
+            <a:off x="1201525" y="2469625"/>
+            <a:ext cx="15188744" cy="4120620"/>
+          </a:xfrm>
+        </p:spPr>
+        <p:txBody>
+          <a:bodyPr anchor="b"/>
+          <a:lstStyle>
+            <a:lvl1pPr>
+              <a:defRPr sz="8666"/>
+            </a:lvl1pPr>
+          </a:lstStyle>
+          <a:p>
+            <a:r>
+              <a:rPr lang="en-US" smtClean="0"/>
+              <a:t>Click to edit Master title style</a:t>
+            </a:r>
+            <a:endParaRPr lang="en-GB"/>
+          </a:p>
+        </p:txBody>
+      </p:sp>
+      <p:sp>
+        <p:nvSpPr>
+          <p:cNvPr id="3" name="Text Placeholder 2"/>
+          <p:cNvSpPr>
+            <a:spLocks noGrp="1"/>
+          </p:cNvSpPr>
+          <p:nvPr>
+            <p:ph type="body" idx="1"/>
+          </p:nvPr>
+        </p:nvSpPr>
+        <p:spPr>
+          <a:xfrm>
+            <a:off x="1201525" y="6629228"/>
+            <a:ext cx="15188744" cy="2166937"/>
+          </a:xfrm>
+        </p:spPr>
+        <p:txBody>
+          <a:bodyPr/>
+          <a:lstStyle>
+            <a:lvl1pPr marL="0" indent="0">
+              <a:buNone/>
+              <a:defRPr sz="3467">
+                <a:solidFill>
+                  <a:schemeClr val="tx1">
+                    <a:tint val="75000"/>
+                  </a:schemeClr>
+                </a:solidFill>
+              </a:defRPr>
+            </a:lvl1pPr>
+            <a:lvl2pPr marL="660367" indent="0">
+              <a:buNone/>
+              <a:defRPr sz="2889">
+                <a:solidFill>
+                  <a:schemeClr val="tx1">
+                    <a:tint val="75000"/>
+                  </a:schemeClr>
+                </a:solidFill>
+              </a:defRPr>
+            </a:lvl2pPr>
+            <a:lvl3pPr marL="1320733" indent="0">
+              <a:buNone/>
+              <a:defRPr sz="2598">
+                <a:solidFill>
+                  <a:schemeClr val="tx1">
+                    <a:tint val="75000"/>
+                  </a:schemeClr>
+                </a:solidFill>
+              </a:defRPr>
+            </a:lvl3pPr>
+            <a:lvl4pPr marL="1981099" indent="0">
+              <a:buNone/>
+              <a:defRPr sz="2311">
+                <a:solidFill>
+                  <a:schemeClr val="tx1">
+                    <a:tint val="75000"/>
+                  </a:schemeClr>
+                </a:solidFill>
+              </a:defRPr>
+            </a:lvl4pPr>
+            <a:lvl5pPr marL="2641465" indent="0">
+              <a:buNone/>
+              <a:defRPr sz="2311">
+                <a:solidFill>
+                  <a:schemeClr val="tx1">
+                    <a:tint val="75000"/>
+                  </a:schemeClr>
+                </a:solidFill>
+              </a:defRPr>
+            </a:lvl5pPr>
+            <a:lvl6pPr marL="3301832" indent="0">
+              <a:buNone/>
+              <a:defRPr sz="2311">
+                <a:solidFill>
+                  <a:schemeClr val="tx1">
+                    <a:tint val="75000"/>
+                  </a:schemeClr>
+                </a:solidFill>
+              </a:defRPr>
+            </a:lvl6pPr>
+            <a:lvl7pPr marL="3962199" indent="0">
+              <a:buNone/>
+              <a:defRPr sz="2311">
+                <a:solidFill>
+                  <a:schemeClr val="tx1">
+                    <a:tint val="75000"/>
+                  </a:schemeClr>
+                </a:solidFill>
+              </a:defRPr>
+            </a:lvl7pPr>
+            <a:lvl8pPr marL="4622562" indent="0">
+              <a:buNone/>
+              <a:defRPr sz="2311">
+                <a:solidFill>
+                  <a:schemeClr val="tx1">
+                    <a:tint val="75000"/>
+                  </a:schemeClr>
+                </a:solidFill>
+              </a:defRPr>
+            </a:lvl8pPr>
+            <a:lvl9pPr marL="5282929" indent="0">
+              <a:buNone/>
+              <a:defRPr sz="2311">
+                <a:solidFill>
+                  <a:schemeClr val="tx1">
+                    <a:tint val="75000"/>
+                  </a:schemeClr>
+                </a:solidFill>
+              </a:defRPr>
+            </a:lvl9pPr>
+          </a:lstStyle>
+          <a:p>
+            <a:pPr lvl="0"/>
+            <a:r>
+              <a:rPr lang="en-US" smtClean="0"/>
+              <a:t>Edit Master text styles</a:t>
+            </a:r>
+          </a:p>
+        </p:txBody>
+      </p:sp>
+      <p:sp>
+        <p:nvSpPr>
+          <p:cNvPr id="4" name="Date Placeholder 3"/>
+          <p:cNvSpPr>
+            <a:spLocks noGrp="1"/>
+          </p:cNvSpPr>
+          <p:nvPr>
+            <p:ph type="dt" sz="half" idx="10"/>
+          </p:nvPr>
+        </p:nvSpPr>
+        <p:spPr/>
+        <p:txBody>
+          <a:bodyPr/>
+          <a:lstStyle/>
+          <a:p>
+            <a:fld id="{F9A7F862-8165-4259-9831-4EF921D9C164}" type="datetimeFigureOut">
+              <a:rPr lang="en-GB" smtClean="0"/>
+              <a:t>12/11/2019</a:t>
+            </a:fld>
+            <a:endParaRPr lang="en-GB"/>
+          </a:p>
+        </p:txBody>
+      </p:sp>
+      <p:sp>
+        <p:nvSpPr>
+          <p:cNvPr id="5" name="Footer Placeholder 4"/>
+          <p:cNvSpPr>
+            <a:spLocks noGrp="1"/>
+          </p:cNvSpPr>
+          <p:nvPr>
+            <p:ph type="ftr" sz="quarter" idx="11"/>
+          </p:nvPr>
+        </p:nvSpPr>
+        <p:spPr/>
+        <p:txBody>
+          <a:bodyPr/>
+          <a:lstStyle/>
+          <a:p>
+            <a:endParaRPr lang="en-GB"/>
+          </a:p>
+        </p:txBody>
+      </p:sp>
+      <p:sp>
+        <p:nvSpPr>
+          <p:cNvPr id="6" name="Slide Number Placeholder 5"/>
+          <p:cNvSpPr>
+            <a:spLocks noGrp="1"/>
+          </p:cNvSpPr>
+          <p:nvPr>
+            <p:ph type="sldNum" sz="quarter" idx="12"/>
+          </p:nvPr>
+        </p:nvSpPr>
+        <p:spPr/>
+        <p:txBody>
+          <a:bodyPr/>
+          <a:lstStyle/>
+          <a:p>
+            <a:fld id="{26407377-0CCB-4A22-B35B-EB0AFC537BBF}" type="slidenum">
+              <a:rPr lang="en-GB" smtClean="0"/>
+              <a:t>‹#›</a:t>
+            </a:fld>
+            <a:endParaRPr lang="en-GB"/>
+          </a:p>
+        </p:txBody>
+      </p:sp>
+    </p:spTree>
+    <p:extLst>
+      <p:ext uri="{BB962C8B-B14F-4D97-AF65-F5344CB8AC3E}">
+        <p14:creationId xmlns:p14="http://schemas.microsoft.com/office/powerpoint/2010/main" val="2042942353"/>
+      </p:ext>
+    </p:extLst>
+  </p:cSld>
+  <p:clrMapOvr>
+    <a:masterClrMapping/>
+  </p:clrMapOvr>
+  <p:hf sldNum="0" hdr="0" ftr="0" dt="0"/>
+</p:sldLayout>
+</file>
+
+<file path=ppt/slideLayouts/slideLayout15.xml><?xml version="1.0" encoding="utf-8"?>
+<p:sldLayout xmlns:a="http://schemas.openxmlformats.org/drawingml/2006/main" xmlns:r="http://schemas.openxmlformats.org/officeDocument/2006/relationships" xmlns:p="http://schemas.openxmlformats.org/presentationml/2006/main" type="twoObj" preserve="1">
+  <p:cSld name="Two Content">
+    <p:spTree>
+      <p:nvGrpSpPr>
+        <p:cNvPr id="1" name=""/>
+        <p:cNvGrpSpPr/>
+        <p:nvPr/>
+      </p:nvGrpSpPr>
+      <p:grpSpPr>
+        <a:xfrm>
+          <a:off x="0" y="0"/>
+          <a:ext cx="0" cy="0"/>
+          <a:chOff x="0" y="0"/>
+          <a:chExt cx="0" cy="0"/>
+        </a:xfrm>
+      </p:grpSpPr>
+      <p:sp>
+        <p:nvSpPr>
+          <p:cNvPr id="2" name="Title 1"/>
+          <p:cNvSpPr>
+            <a:spLocks noGrp="1"/>
+          </p:cNvSpPr>
+          <p:nvPr>
+            <p:ph type="title"/>
+          </p:nvPr>
+        </p:nvSpPr>
+        <p:spPr/>
+        <p:txBody>
+          <a:bodyPr/>
+          <a:lstStyle/>
+          <a:p>
+            <a:r>
+              <a:rPr lang="en-US" smtClean="0"/>
+              <a:t>Click to edit Master title style</a:t>
+            </a:r>
+            <a:endParaRPr lang="en-GB"/>
+          </a:p>
+        </p:txBody>
+      </p:sp>
+      <p:sp>
+        <p:nvSpPr>
+          <p:cNvPr id="3" name="Content Placeholder 2"/>
+          <p:cNvSpPr>
+            <a:spLocks noGrp="1"/>
+          </p:cNvSpPr>
+          <p:nvPr>
+            <p:ph sz="half" idx="1"/>
+          </p:nvPr>
+        </p:nvSpPr>
+        <p:spPr>
+          <a:xfrm>
+            <a:off x="1210698" y="2637014"/>
+            <a:ext cx="7484309" cy="6285266"/>
+          </a:xfrm>
+        </p:spPr>
+        <p:txBody>
+          <a:bodyPr/>
+          <a:lstStyle/>
+          <a:p>
+            <a:pPr lvl="0"/>
+            <a:r>
+              <a:rPr lang="en-US" smtClean="0"/>
+              <a:t>Edit Master text styles</a:t>
+            </a:r>
+          </a:p>
+          <a:p>
+            <a:pPr lvl="1"/>
+            <a:r>
+              <a:rPr lang="en-US" smtClean="0"/>
+              <a:t>Second level</a:t>
+            </a:r>
+          </a:p>
+          <a:p>
+            <a:pPr lvl="2"/>
+            <a:r>
+              <a:rPr lang="en-US" smtClean="0"/>
+              <a:t>Third level</a:t>
+            </a:r>
+          </a:p>
+          <a:p>
+            <a:pPr lvl="3"/>
+            <a:r>
+              <a:rPr lang="en-US" smtClean="0"/>
+              <a:t>Fourth level</a:t>
+            </a:r>
+          </a:p>
+          <a:p>
+            <a:pPr lvl="4"/>
+            <a:r>
+              <a:rPr lang="en-US" smtClean="0"/>
+              <a:t>Fifth level</a:t>
+            </a:r>
+            <a:endParaRPr lang="en-GB"/>
+          </a:p>
+        </p:txBody>
+      </p:sp>
+      <p:sp>
+        <p:nvSpPr>
+          <p:cNvPr id="4" name="Content Placeholder 3"/>
+          <p:cNvSpPr>
+            <a:spLocks noGrp="1"/>
+          </p:cNvSpPr>
+          <p:nvPr>
+            <p:ph sz="half" idx="2"/>
+          </p:nvPr>
+        </p:nvSpPr>
+        <p:spPr>
+          <a:xfrm>
+            <a:off x="8915132" y="2637014"/>
+            <a:ext cx="7484309" cy="6285266"/>
+          </a:xfrm>
+        </p:spPr>
+        <p:txBody>
+          <a:bodyPr/>
+          <a:lstStyle/>
+          <a:p>
+            <a:pPr lvl="0"/>
+            <a:r>
+              <a:rPr lang="en-US" smtClean="0"/>
+              <a:t>Edit Master text styles</a:t>
+            </a:r>
+          </a:p>
+          <a:p>
+            <a:pPr lvl="1"/>
+            <a:r>
+              <a:rPr lang="en-US" smtClean="0"/>
+              <a:t>Second level</a:t>
+            </a:r>
+          </a:p>
+          <a:p>
+            <a:pPr lvl="2"/>
+            <a:r>
+              <a:rPr lang="en-US" smtClean="0"/>
+              <a:t>Third level</a:t>
+            </a:r>
+          </a:p>
+          <a:p>
+            <a:pPr lvl="3"/>
+            <a:r>
+              <a:rPr lang="en-US" smtClean="0"/>
+              <a:t>Fourth level</a:t>
+            </a:r>
+          </a:p>
+          <a:p>
+            <a:pPr lvl="4"/>
+            <a:r>
+              <a:rPr lang="en-US" smtClean="0"/>
+              <a:t>Fifth level</a:t>
+            </a:r>
+            <a:endParaRPr lang="en-GB"/>
+          </a:p>
+        </p:txBody>
+      </p:sp>
+      <p:sp>
+        <p:nvSpPr>
+          <p:cNvPr id="5" name="Date Placeholder 4"/>
+          <p:cNvSpPr>
+            <a:spLocks noGrp="1"/>
+          </p:cNvSpPr>
+          <p:nvPr>
+            <p:ph type="dt" sz="half" idx="10"/>
+          </p:nvPr>
+        </p:nvSpPr>
+        <p:spPr/>
+        <p:txBody>
+          <a:bodyPr/>
+          <a:lstStyle/>
+          <a:p>
+            <a:fld id="{F9A7F862-8165-4259-9831-4EF921D9C164}" type="datetimeFigureOut">
+              <a:rPr lang="en-GB" smtClean="0"/>
+              <a:t>12/11/2019</a:t>
+            </a:fld>
+            <a:endParaRPr lang="en-GB"/>
+          </a:p>
+        </p:txBody>
+      </p:sp>
+      <p:sp>
+        <p:nvSpPr>
+          <p:cNvPr id="6" name="Footer Placeholder 5"/>
+          <p:cNvSpPr>
+            <a:spLocks noGrp="1"/>
+          </p:cNvSpPr>
+          <p:nvPr>
+            <p:ph type="ftr" sz="quarter" idx="11"/>
+          </p:nvPr>
+        </p:nvSpPr>
+        <p:spPr/>
+        <p:txBody>
+          <a:bodyPr/>
+          <a:lstStyle/>
+          <a:p>
+            <a:endParaRPr lang="en-GB"/>
+          </a:p>
+        </p:txBody>
+      </p:sp>
+      <p:sp>
+        <p:nvSpPr>
+          <p:cNvPr id="7" name="Slide Number Placeholder 6"/>
+          <p:cNvSpPr>
+            <a:spLocks noGrp="1"/>
+          </p:cNvSpPr>
+          <p:nvPr>
+            <p:ph type="sldNum" sz="quarter" idx="12"/>
+          </p:nvPr>
+        </p:nvSpPr>
+        <p:spPr/>
+        <p:txBody>
+          <a:bodyPr/>
+          <a:lstStyle/>
+          <a:p>
+            <a:fld id="{26407377-0CCB-4A22-B35B-EB0AFC537BBF}" type="slidenum">
+              <a:rPr lang="en-GB" smtClean="0"/>
+              <a:t>‹#›</a:t>
+            </a:fld>
+            <a:endParaRPr lang="en-GB"/>
+          </a:p>
+        </p:txBody>
+      </p:sp>
+    </p:spTree>
+    <p:extLst>
+      <p:ext uri="{BB962C8B-B14F-4D97-AF65-F5344CB8AC3E}">
+        <p14:creationId xmlns:p14="http://schemas.microsoft.com/office/powerpoint/2010/main" val="1641964379"/>
+      </p:ext>
+    </p:extLst>
+  </p:cSld>
+  <p:clrMapOvr>
+    <a:masterClrMapping/>
+  </p:clrMapOvr>
+  <p:hf sldNum="0" hdr="0" ftr="0" dt="0"/>
+</p:sldLayout>
+</file>
+
+<file path=ppt/slideLayouts/slideLayout16.xml><?xml version="1.0" encoding="utf-8"?>
+<p:sldLayout xmlns:a="http://schemas.openxmlformats.org/drawingml/2006/main" xmlns:r="http://schemas.openxmlformats.org/officeDocument/2006/relationships" xmlns:p="http://schemas.openxmlformats.org/presentationml/2006/main" type="twoTxTwoObj" preserve="1">
+  <p:cSld name="Comparison">
+    <p:spTree>
+      <p:nvGrpSpPr>
+        <p:cNvPr id="1" name=""/>
+        <p:cNvGrpSpPr/>
+        <p:nvPr/>
+      </p:nvGrpSpPr>
+      <p:grpSpPr>
+        <a:xfrm>
+          <a:off x="0" y="0"/>
+          <a:ext cx="0" cy="0"/>
+          <a:chOff x="0" y="0"/>
+          <a:chExt cx="0" cy="0"/>
+        </a:xfrm>
+      </p:grpSpPr>
+      <p:sp>
+        <p:nvSpPr>
+          <p:cNvPr id="2" name="Title 1"/>
+          <p:cNvSpPr>
+            <a:spLocks noGrp="1"/>
+          </p:cNvSpPr>
+          <p:nvPr>
+            <p:ph type="title"/>
+          </p:nvPr>
+        </p:nvSpPr>
+        <p:spPr>
+          <a:xfrm>
+            <a:off x="1212991" y="527406"/>
+            <a:ext cx="15188744" cy="1914702"/>
+          </a:xfrm>
+        </p:spPr>
+        <p:txBody>
+          <a:bodyPr/>
+          <a:lstStyle/>
+          <a:p>
+            <a:r>
+              <a:rPr lang="en-US" smtClean="0"/>
+              <a:t>Click to edit Master title style</a:t>
+            </a:r>
+            <a:endParaRPr lang="en-GB"/>
+          </a:p>
+        </p:txBody>
+      </p:sp>
+      <p:sp>
+        <p:nvSpPr>
+          <p:cNvPr id="3" name="Text Placeholder 2"/>
+          <p:cNvSpPr>
+            <a:spLocks noGrp="1"/>
+          </p:cNvSpPr>
+          <p:nvPr>
+            <p:ph type="body" idx="1"/>
+          </p:nvPr>
+        </p:nvSpPr>
+        <p:spPr>
+          <a:xfrm>
+            <a:off x="1212990" y="2428347"/>
+            <a:ext cx="7449915" cy="1190095"/>
+          </a:xfrm>
+        </p:spPr>
+        <p:txBody>
+          <a:bodyPr anchor="b"/>
+          <a:lstStyle>
+            <a:lvl1pPr marL="0" indent="0">
+              <a:buNone/>
+              <a:defRPr sz="3467" b="1"/>
+            </a:lvl1pPr>
+            <a:lvl2pPr marL="660367" indent="0">
+              <a:buNone/>
+              <a:defRPr sz="2889" b="1"/>
+            </a:lvl2pPr>
+            <a:lvl3pPr marL="1320733" indent="0">
+              <a:buNone/>
+              <a:defRPr sz="2598" b="1"/>
+            </a:lvl3pPr>
+            <a:lvl4pPr marL="1981099" indent="0">
+              <a:buNone/>
+              <a:defRPr sz="2311" b="1"/>
+            </a:lvl4pPr>
+            <a:lvl5pPr marL="2641465" indent="0">
+              <a:buNone/>
+              <a:defRPr sz="2311" b="1"/>
+            </a:lvl5pPr>
+            <a:lvl6pPr marL="3301832" indent="0">
+              <a:buNone/>
+              <a:defRPr sz="2311" b="1"/>
+            </a:lvl6pPr>
+            <a:lvl7pPr marL="3962199" indent="0">
+              <a:buNone/>
+              <a:defRPr sz="2311" b="1"/>
+            </a:lvl7pPr>
+            <a:lvl8pPr marL="4622562" indent="0">
+              <a:buNone/>
+              <a:defRPr sz="2311" b="1"/>
+            </a:lvl8pPr>
+            <a:lvl9pPr marL="5282929" indent="0">
+              <a:buNone/>
+              <a:defRPr sz="2311" b="1"/>
+            </a:lvl9pPr>
+          </a:lstStyle>
+          <a:p>
+            <a:pPr lvl="0"/>
+            <a:r>
+              <a:rPr lang="en-US" smtClean="0"/>
+              <a:t>Edit Master text styles</a:t>
+            </a:r>
+          </a:p>
+        </p:txBody>
+      </p:sp>
+      <p:sp>
+        <p:nvSpPr>
+          <p:cNvPr id="4" name="Content Placeholder 3"/>
+          <p:cNvSpPr>
+            <a:spLocks noGrp="1"/>
+          </p:cNvSpPr>
+          <p:nvPr>
+            <p:ph sz="half" idx="2"/>
+          </p:nvPr>
+        </p:nvSpPr>
+        <p:spPr>
+          <a:xfrm>
+            <a:off x="1212990" y="3618442"/>
+            <a:ext cx="7449915" cy="5322183"/>
+          </a:xfrm>
+        </p:spPr>
+        <p:txBody>
+          <a:bodyPr/>
+          <a:lstStyle/>
+          <a:p>
+            <a:pPr lvl="0"/>
+            <a:r>
+              <a:rPr lang="en-US" smtClean="0"/>
+              <a:t>Edit Master text styles</a:t>
+            </a:r>
+          </a:p>
+          <a:p>
+            <a:pPr lvl="1"/>
+            <a:r>
+              <a:rPr lang="en-US" smtClean="0"/>
+              <a:t>Second level</a:t>
+            </a:r>
+          </a:p>
+          <a:p>
+            <a:pPr lvl="2"/>
+            <a:r>
+              <a:rPr lang="en-US" smtClean="0"/>
+              <a:t>Third level</a:t>
+            </a:r>
+          </a:p>
+          <a:p>
+            <a:pPr lvl="3"/>
+            <a:r>
+              <a:rPr lang="en-US" smtClean="0"/>
+              <a:t>Fourth level</a:t>
+            </a:r>
+          </a:p>
+          <a:p>
+            <a:pPr lvl="4"/>
+            <a:r>
+              <a:rPr lang="en-US" smtClean="0"/>
+              <a:t>Fifth level</a:t>
+            </a:r>
+            <a:endParaRPr lang="en-GB"/>
+          </a:p>
+        </p:txBody>
+      </p:sp>
+      <p:sp>
+        <p:nvSpPr>
+          <p:cNvPr id="5" name="Text Placeholder 4"/>
+          <p:cNvSpPr>
+            <a:spLocks noGrp="1"/>
+          </p:cNvSpPr>
+          <p:nvPr>
+            <p:ph type="body" sz="quarter" idx="3"/>
+          </p:nvPr>
+        </p:nvSpPr>
+        <p:spPr>
+          <a:xfrm>
+            <a:off x="8915133" y="2428347"/>
+            <a:ext cx="7486602" cy="1190095"/>
+          </a:xfrm>
+        </p:spPr>
+        <p:txBody>
+          <a:bodyPr anchor="b"/>
+          <a:lstStyle>
+            <a:lvl1pPr marL="0" indent="0">
+              <a:buNone/>
+              <a:defRPr sz="3467" b="1"/>
+            </a:lvl1pPr>
+            <a:lvl2pPr marL="660367" indent="0">
+              <a:buNone/>
+              <a:defRPr sz="2889" b="1"/>
+            </a:lvl2pPr>
+            <a:lvl3pPr marL="1320733" indent="0">
+              <a:buNone/>
+              <a:defRPr sz="2598" b="1"/>
+            </a:lvl3pPr>
+            <a:lvl4pPr marL="1981099" indent="0">
+              <a:buNone/>
+              <a:defRPr sz="2311" b="1"/>
+            </a:lvl4pPr>
+            <a:lvl5pPr marL="2641465" indent="0">
+              <a:buNone/>
+              <a:defRPr sz="2311" b="1"/>
+            </a:lvl5pPr>
+            <a:lvl6pPr marL="3301832" indent="0">
+              <a:buNone/>
+              <a:defRPr sz="2311" b="1"/>
+            </a:lvl6pPr>
+            <a:lvl7pPr marL="3962199" indent="0">
+              <a:buNone/>
+              <a:defRPr sz="2311" b="1"/>
+            </a:lvl7pPr>
+            <a:lvl8pPr marL="4622562" indent="0">
+              <a:buNone/>
+              <a:defRPr sz="2311" b="1"/>
+            </a:lvl8pPr>
+            <a:lvl9pPr marL="5282929" indent="0">
+              <a:buNone/>
+              <a:defRPr sz="2311" b="1"/>
+            </a:lvl9pPr>
+          </a:lstStyle>
+          <a:p>
+            <a:pPr lvl="0"/>
+            <a:r>
+              <a:rPr lang="en-US" smtClean="0"/>
+              <a:t>Edit Master text styles</a:t>
+            </a:r>
+          </a:p>
+        </p:txBody>
+      </p:sp>
+      <p:sp>
+        <p:nvSpPr>
+          <p:cNvPr id="6" name="Content Placeholder 5"/>
+          <p:cNvSpPr>
+            <a:spLocks noGrp="1"/>
+          </p:cNvSpPr>
+          <p:nvPr>
+            <p:ph sz="quarter" idx="4"/>
+          </p:nvPr>
+        </p:nvSpPr>
+        <p:spPr>
+          <a:xfrm>
+            <a:off x="8915133" y="3618442"/>
+            <a:ext cx="7486602" cy="5322183"/>
+          </a:xfrm>
+        </p:spPr>
+        <p:txBody>
+          <a:bodyPr/>
+          <a:lstStyle/>
+          <a:p>
+            <a:pPr lvl="0"/>
+            <a:r>
+              <a:rPr lang="en-US" smtClean="0"/>
+              <a:t>Edit Master text styles</a:t>
+            </a:r>
+          </a:p>
+          <a:p>
+            <a:pPr lvl="1"/>
+            <a:r>
+              <a:rPr lang="en-US" smtClean="0"/>
+              <a:t>Second level</a:t>
+            </a:r>
+          </a:p>
+          <a:p>
+            <a:pPr lvl="2"/>
+            <a:r>
+              <a:rPr lang="en-US" smtClean="0"/>
+              <a:t>Third level</a:t>
+            </a:r>
+          </a:p>
+          <a:p>
+            <a:pPr lvl="3"/>
+            <a:r>
+              <a:rPr lang="en-US" smtClean="0"/>
+              <a:t>Fourth level</a:t>
+            </a:r>
+          </a:p>
+          <a:p>
+            <a:pPr lvl="4"/>
+            <a:r>
+              <a:rPr lang="en-US" smtClean="0"/>
+              <a:t>Fifth level</a:t>
+            </a:r>
+            <a:endParaRPr lang="en-GB"/>
+          </a:p>
+        </p:txBody>
+      </p:sp>
+      <p:sp>
+        <p:nvSpPr>
+          <p:cNvPr id="7" name="Date Placeholder 6"/>
+          <p:cNvSpPr>
+            <a:spLocks noGrp="1"/>
+          </p:cNvSpPr>
+          <p:nvPr>
+            <p:ph type="dt" sz="half" idx="10"/>
+          </p:nvPr>
+        </p:nvSpPr>
+        <p:spPr/>
+        <p:txBody>
+          <a:bodyPr/>
+          <a:lstStyle/>
+          <a:p>
+            <a:fld id="{F9A7F862-8165-4259-9831-4EF921D9C164}" type="datetimeFigureOut">
+              <a:rPr lang="en-GB" smtClean="0"/>
+              <a:t>12/11/2019</a:t>
+            </a:fld>
+            <a:endParaRPr lang="en-GB"/>
+          </a:p>
+        </p:txBody>
+      </p:sp>
+      <p:sp>
+        <p:nvSpPr>
+          <p:cNvPr id="8" name="Footer Placeholder 7"/>
+          <p:cNvSpPr>
+            <a:spLocks noGrp="1"/>
+          </p:cNvSpPr>
+          <p:nvPr>
+            <p:ph type="ftr" sz="quarter" idx="11"/>
+          </p:nvPr>
+        </p:nvSpPr>
+        <p:spPr/>
+        <p:txBody>
+          <a:bodyPr/>
+          <a:lstStyle/>
+          <a:p>
+            <a:endParaRPr lang="en-GB"/>
+          </a:p>
+        </p:txBody>
+      </p:sp>
+      <p:sp>
+        <p:nvSpPr>
+          <p:cNvPr id="9" name="Slide Number Placeholder 8"/>
+          <p:cNvSpPr>
+            <a:spLocks noGrp="1"/>
+          </p:cNvSpPr>
+          <p:nvPr>
+            <p:ph type="sldNum" sz="quarter" idx="12"/>
+          </p:nvPr>
+        </p:nvSpPr>
+        <p:spPr/>
+        <p:txBody>
+          <a:bodyPr/>
+          <a:lstStyle/>
+          <a:p>
+            <a:fld id="{26407377-0CCB-4A22-B35B-EB0AFC537BBF}" type="slidenum">
+              <a:rPr lang="en-GB" smtClean="0"/>
+              <a:t>‹#›</a:t>
+            </a:fld>
+            <a:endParaRPr lang="en-GB"/>
+          </a:p>
+        </p:txBody>
+      </p:sp>
+    </p:spTree>
+    <p:extLst>
+      <p:ext uri="{BB962C8B-B14F-4D97-AF65-F5344CB8AC3E}">
+        <p14:creationId xmlns:p14="http://schemas.microsoft.com/office/powerpoint/2010/main" val="4231032539"/>
+      </p:ext>
+    </p:extLst>
+  </p:cSld>
+  <p:clrMapOvr>
+    <a:masterClrMapping/>
+  </p:clrMapOvr>
+  <p:hf sldNum="0" hdr="0" ftr="0" dt="0"/>
+</p:sldLayout>
+</file>
+
+<file path=ppt/slideLayouts/slideLayout17.xml><?xml version="1.0" encoding="utf-8"?>
+<p:sldLayout xmlns:a="http://schemas.openxmlformats.org/drawingml/2006/main" xmlns:r="http://schemas.openxmlformats.org/officeDocument/2006/relationships" xmlns:p="http://schemas.openxmlformats.org/presentationml/2006/main" type="titleOnly" preserve="1">
+  <p:cSld name="Title Only">
+    <p:spTree>
+      <p:nvGrpSpPr>
+        <p:cNvPr id="1" name=""/>
+        <p:cNvGrpSpPr/>
+        <p:nvPr/>
+      </p:nvGrpSpPr>
+      <p:grpSpPr>
+        <a:xfrm>
+          <a:off x="0" y="0"/>
+          <a:ext cx="0" cy="0"/>
+          <a:chOff x="0" y="0"/>
+          <a:chExt cx="0" cy="0"/>
+        </a:xfrm>
+      </p:grpSpPr>
+      <p:sp>
+        <p:nvSpPr>
+          <p:cNvPr id="2" name="Title 1"/>
+          <p:cNvSpPr>
+            <a:spLocks noGrp="1"/>
+          </p:cNvSpPr>
+          <p:nvPr>
+            <p:ph type="title"/>
+          </p:nvPr>
+        </p:nvSpPr>
+        <p:spPr/>
+        <p:txBody>
+          <a:bodyPr/>
+          <a:lstStyle/>
+          <a:p>
+            <a:r>
+              <a:rPr lang="en-US" smtClean="0"/>
+              <a:t>Click to edit Master title style</a:t>
+            </a:r>
+            <a:endParaRPr lang="en-GB"/>
+          </a:p>
+        </p:txBody>
+      </p:sp>
+      <p:sp>
+        <p:nvSpPr>
+          <p:cNvPr id="3" name="Date Placeholder 2"/>
+          <p:cNvSpPr>
+            <a:spLocks noGrp="1"/>
+          </p:cNvSpPr>
+          <p:nvPr>
+            <p:ph type="dt" sz="half" idx="10"/>
+          </p:nvPr>
+        </p:nvSpPr>
+        <p:spPr/>
+        <p:txBody>
+          <a:bodyPr/>
+          <a:lstStyle/>
+          <a:p>
+            <a:fld id="{F9A7F862-8165-4259-9831-4EF921D9C164}" type="datetimeFigureOut">
+              <a:rPr lang="en-GB" smtClean="0"/>
+              <a:t>12/11/2019</a:t>
+            </a:fld>
+            <a:endParaRPr lang="en-GB"/>
+          </a:p>
+        </p:txBody>
+      </p:sp>
+      <p:sp>
+        <p:nvSpPr>
+          <p:cNvPr id="4" name="Footer Placeholder 3"/>
+          <p:cNvSpPr>
+            <a:spLocks noGrp="1"/>
+          </p:cNvSpPr>
+          <p:nvPr>
+            <p:ph type="ftr" sz="quarter" idx="11"/>
+          </p:nvPr>
+        </p:nvSpPr>
+        <p:spPr/>
+        <p:txBody>
+          <a:bodyPr/>
+          <a:lstStyle/>
+          <a:p>
+            <a:endParaRPr lang="en-GB"/>
+          </a:p>
+        </p:txBody>
+      </p:sp>
+      <p:sp>
+        <p:nvSpPr>
+          <p:cNvPr id="5" name="Slide Number Placeholder 4"/>
+          <p:cNvSpPr>
+            <a:spLocks noGrp="1"/>
+          </p:cNvSpPr>
+          <p:nvPr>
+            <p:ph type="sldNum" sz="quarter" idx="12"/>
+          </p:nvPr>
+        </p:nvSpPr>
+        <p:spPr/>
+        <p:txBody>
+          <a:bodyPr/>
+          <a:lstStyle/>
+          <a:p>
+            <a:fld id="{26407377-0CCB-4A22-B35B-EB0AFC537BBF}" type="slidenum">
+              <a:rPr lang="en-GB" smtClean="0"/>
+              <a:t>‹#›</a:t>
+            </a:fld>
+            <a:endParaRPr lang="en-GB"/>
+          </a:p>
+        </p:txBody>
+      </p:sp>
+    </p:spTree>
+    <p:extLst>
+      <p:ext uri="{BB962C8B-B14F-4D97-AF65-F5344CB8AC3E}">
+        <p14:creationId xmlns:p14="http://schemas.microsoft.com/office/powerpoint/2010/main" val="1734407071"/>
+      </p:ext>
+    </p:extLst>
+  </p:cSld>
+  <p:clrMapOvr>
+    <a:masterClrMapping/>
+  </p:clrMapOvr>
+  <p:hf sldNum="0" hdr="0" ftr="0" dt="0"/>
+</p:sldLayout>
+</file>
+
+<file path=ppt/slideLayouts/slideLayout18.xml><?xml version="1.0" encoding="utf-8"?>
+<p:sldLayout xmlns:a="http://schemas.openxmlformats.org/drawingml/2006/main" xmlns:r="http://schemas.openxmlformats.org/officeDocument/2006/relationships" xmlns:p="http://schemas.openxmlformats.org/presentationml/2006/main" type="blank" preserve="1">
+  <p:cSld name="Blank">
+    <p:spTree>
+      <p:nvGrpSpPr>
+        <p:cNvPr id="1" name=""/>
+        <p:cNvGrpSpPr/>
+        <p:nvPr/>
+      </p:nvGrpSpPr>
+      <p:grpSpPr>
+        <a:xfrm>
+          <a:off x="0" y="0"/>
+          <a:ext cx="0" cy="0"/>
+          <a:chOff x="0" y="0"/>
+          <a:chExt cx="0" cy="0"/>
+        </a:xfrm>
+      </p:grpSpPr>
+      <p:sp>
+        <p:nvSpPr>
+          <p:cNvPr id="2" name="Date Placeholder 1"/>
+          <p:cNvSpPr>
+            <a:spLocks noGrp="1"/>
+          </p:cNvSpPr>
+          <p:nvPr>
+            <p:ph type="dt" sz="half" idx="10"/>
+          </p:nvPr>
+        </p:nvSpPr>
+        <p:spPr/>
+        <p:txBody>
+          <a:bodyPr/>
+          <a:lstStyle/>
+          <a:p>
+            <a:fld id="{F9A7F862-8165-4259-9831-4EF921D9C164}" type="datetimeFigureOut">
+              <a:rPr lang="en-GB" smtClean="0"/>
+              <a:t>12/11/2019</a:t>
+            </a:fld>
+            <a:endParaRPr lang="en-GB"/>
+          </a:p>
+        </p:txBody>
+      </p:sp>
+      <p:sp>
+        <p:nvSpPr>
+          <p:cNvPr id="3" name="Footer Placeholder 2"/>
+          <p:cNvSpPr>
+            <a:spLocks noGrp="1"/>
+          </p:cNvSpPr>
+          <p:nvPr>
+            <p:ph type="ftr" sz="quarter" idx="11"/>
+          </p:nvPr>
+        </p:nvSpPr>
+        <p:spPr/>
+        <p:txBody>
+          <a:bodyPr/>
+          <a:lstStyle/>
+          <a:p>
+            <a:endParaRPr lang="en-GB"/>
+          </a:p>
+        </p:txBody>
+      </p:sp>
+      <p:sp>
+        <p:nvSpPr>
+          <p:cNvPr id="4" name="Slide Number Placeholder 3"/>
+          <p:cNvSpPr>
+            <a:spLocks noGrp="1"/>
+          </p:cNvSpPr>
+          <p:nvPr>
+            <p:ph type="sldNum" sz="quarter" idx="12"/>
+          </p:nvPr>
+        </p:nvSpPr>
+        <p:spPr/>
+        <p:txBody>
+          <a:bodyPr/>
+          <a:lstStyle/>
+          <a:p>
+            <a:fld id="{26407377-0CCB-4A22-B35B-EB0AFC537BBF}" type="slidenum">
+              <a:rPr lang="en-GB" smtClean="0"/>
+              <a:t>‹#›</a:t>
+            </a:fld>
+            <a:endParaRPr lang="en-GB"/>
+          </a:p>
+        </p:txBody>
+      </p:sp>
+    </p:spTree>
+    <p:extLst>
+      <p:ext uri="{BB962C8B-B14F-4D97-AF65-F5344CB8AC3E}">
+        <p14:creationId xmlns:p14="http://schemas.microsoft.com/office/powerpoint/2010/main" val="3909409273"/>
+      </p:ext>
+    </p:extLst>
+  </p:cSld>
+  <p:clrMapOvr>
+    <a:masterClrMapping/>
+  </p:clrMapOvr>
+  <p:hf sldNum="0" hdr="0" ftr="0" dt="0"/>
+</p:sldLayout>
+</file>
+
+<file path=ppt/slideLayouts/slideLayout19.xml><?xml version="1.0" encoding="utf-8"?>
+<p:sldLayout xmlns:a="http://schemas.openxmlformats.org/drawingml/2006/main" xmlns:r="http://schemas.openxmlformats.org/officeDocument/2006/relationships" xmlns:p="http://schemas.openxmlformats.org/presentationml/2006/main" type="objTx" preserve="1">
+  <p:cSld name="Content with Caption">
+    <p:spTree>
+      <p:nvGrpSpPr>
+        <p:cNvPr id="1" name=""/>
+        <p:cNvGrpSpPr/>
+        <p:nvPr/>
+      </p:nvGrpSpPr>
+      <p:grpSpPr>
+        <a:xfrm>
+          <a:off x="0" y="0"/>
+          <a:ext cx="0" cy="0"/>
+          <a:chOff x="0" y="0"/>
+          <a:chExt cx="0" cy="0"/>
+        </a:xfrm>
+      </p:grpSpPr>
+      <p:sp>
+        <p:nvSpPr>
+          <p:cNvPr id="2" name="Title 1"/>
+          <p:cNvSpPr>
+            <a:spLocks noGrp="1"/>
+          </p:cNvSpPr>
+          <p:nvPr>
+            <p:ph type="title"/>
+          </p:nvPr>
+        </p:nvSpPr>
+        <p:spPr>
+          <a:xfrm>
+            <a:off x="1212993" y="660400"/>
+            <a:ext cx="5679727" cy="2311400"/>
+          </a:xfrm>
+        </p:spPr>
+        <p:txBody>
+          <a:bodyPr anchor="b"/>
+          <a:lstStyle>
+            <a:lvl1pPr>
+              <a:defRPr sz="4622"/>
+            </a:lvl1pPr>
+          </a:lstStyle>
+          <a:p>
+            <a:r>
+              <a:rPr lang="en-US" smtClean="0"/>
+              <a:t>Click to edit Master title style</a:t>
+            </a:r>
+            <a:endParaRPr lang="en-GB"/>
+          </a:p>
+        </p:txBody>
+      </p:sp>
+      <p:sp>
+        <p:nvSpPr>
+          <p:cNvPr id="3" name="Content Placeholder 2"/>
+          <p:cNvSpPr>
+            <a:spLocks noGrp="1"/>
+          </p:cNvSpPr>
+          <p:nvPr>
+            <p:ph idx="1"/>
+          </p:nvPr>
+        </p:nvSpPr>
+        <p:spPr>
+          <a:xfrm>
+            <a:off x="7486603" y="1426284"/>
+            <a:ext cx="8915132" cy="7039681"/>
+          </a:xfrm>
+        </p:spPr>
+        <p:txBody>
+          <a:bodyPr/>
+          <a:lstStyle>
+            <a:lvl1pPr>
+              <a:defRPr sz="4622"/>
+            </a:lvl1pPr>
+            <a:lvl2pPr>
+              <a:defRPr sz="4044"/>
+            </a:lvl2pPr>
+            <a:lvl3pPr>
+              <a:defRPr sz="3467"/>
+            </a:lvl3pPr>
+            <a:lvl4pPr>
+              <a:defRPr sz="2889"/>
+            </a:lvl4pPr>
+            <a:lvl5pPr>
+              <a:defRPr sz="2889"/>
+            </a:lvl5pPr>
+            <a:lvl6pPr>
+              <a:defRPr sz="2889"/>
+            </a:lvl6pPr>
+            <a:lvl7pPr>
+              <a:defRPr sz="2889"/>
+            </a:lvl7pPr>
+            <a:lvl8pPr>
+              <a:defRPr sz="2889"/>
+            </a:lvl8pPr>
+            <a:lvl9pPr>
+              <a:defRPr sz="2889"/>
+            </a:lvl9pPr>
+          </a:lstStyle>
+          <a:p>
+            <a:pPr lvl="0"/>
+            <a:r>
+              <a:rPr lang="en-US" smtClean="0"/>
+              <a:t>Edit Master text styles</a:t>
+            </a:r>
+          </a:p>
+          <a:p>
+            <a:pPr lvl="1"/>
+            <a:r>
+              <a:rPr lang="en-US" smtClean="0"/>
+              <a:t>Second level</a:t>
+            </a:r>
+          </a:p>
+          <a:p>
+            <a:pPr lvl="2"/>
+            <a:r>
+              <a:rPr lang="en-US" smtClean="0"/>
+              <a:t>Third level</a:t>
+            </a:r>
+          </a:p>
+          <a:p>
+            <a:pPr lvl="3"/>
+            <a:r>
+              <a:rPr lang="en-US" smtClean="0"/>
+              <a:t>Fourth level</a:t>
+            </a:r>
+          </a:p>
+          <a:p>
+            <a:pPr lvl="4"/>
+            <a:r>
+              <a:rPr lang="en-US" smtClean="0"/>
+              <a:t>Fifth level</a:t>
+            </a:r>
+            <a:endParaRPr lang="en-GB"/>
+          </a:p>
+        </p:txBody>
+      </p:sp>
+      <p:sp>
+        <p:nvSpPr>
+          <p:cNvPr id="4" name="Text Placeholder 3"/>
+          <p:cNvSpPr>
+            <a:spLocks noGrp="1"/>
+          </p:cNvSpPr>
+          <p:nvPr>
+            <p:ph type="body" sz="half" idx="2"/>
+          </p:nvPr>
+        </p:nvSpPr>
+        <p:spPr>
+          <a:xfrm>
+            <a:off x="1212993" y="2971800"/>
+            <a:ext cx="5679727" cy="5505627"/>
+          </a:xfrm>
+        </p:spPr>
+        <p:txBody>
+          <a:bodyPr/>
+          <a:lstStyle>
+            <a:lvl1pPr marL="0" indent="0">
+              <a:buNone/>
+              <a:defRPr sz="2311"/>
+            </a:lvl1pPr>
+            <a:lvl2pPr marL="660367" indent="0">
+              <a:buNone/>
+              <a:defRPr sz="2022"/>
+            </a:lvl2pPr>
+            <a:lvl3pPr marL="1320733" indent="0">
+              <a:buNone/>
+              <a:defRPr sz="1733"/>
+            </a:lvl3pPr>
+            <a:lvl4pPr marL="1981099" indent="0">
+              <a:buNone/>
+              <a:defRPr sz="1444"/>
+            </a:lvl4pPr>
+            <a:lvl5pPr marL="2641465" indent="0">
+              <a:buNone/>
+              <a:defRPr sz="1444"/>
+            </a:lvl5pPr>
+            <a:lvl6pPr marL="3301832" indent="0">
+              <a:buNone/>
+              <a:defRPr sz="1444"/>
+            </a:lvl6pPr>
+            <a:lvl7pPr marL="3962199" indent="0">
+              <a:buNone/>
+              <a:defRPr sz="1444"/>
+            </a:lvl7pPr>
+            <a:lvl8pPr marL="4622562" indent="0">
+              <a:buNone/>
+              <a:defRPr sz="1444"/>
+            </a:lvl8pPr>
+            <a:lvl9pPr marL="5282929" indent="0">
+              <a:buNone/>
+              <a:defRPr sz="1444"/>
+            </a:lvl9pPr>
+          </a:lstStyle>
+          <a:p>
+            <a:pPr lvl="0"/>
+            <a:r>
+              <a:rPr lang="en-US" smtClean="0"/>
+              <a:t>Edit Master text styles</a:t>
+            </a:r>
+          </a:p>
+        </p:txBody>
+      </p:sp>
+      <p:sp>
+        <p:nvSpPr>
+          <p:cNvPr id="5" name="Date Placeholder 4"/>
+          <p:cNvSpPr>
+            <a:spLocks noGrp="1"/>
+          </p:cNvSpPr>
+          <p:nvPr>
+            <p:ph type="dt" sz="half" idx="10"/>
+          </p:nvPr>
+        </p:nvSpPr>
+        <p:spPr/>
+        <p:txBody>
+          <a:bodyPr/>
+          <a:lstStyle/>
+          <a:p>
+            <a:fld id="{F9A7F862-8165-4259-9831-4EF921D9C164}" type="datetimeFigureOut">
+              <a:rPr lang="en-GB" smtClean="0"/>
+              <a:t>12/11/2019</a:t>
+            </a:fld>
+            <a:endParaRPr lang="en-GB"/>
+          </a:p>
+        </p:txBody>
+      </p:sp>
+      <p:sp>
+        <p:nvSpPr>
+          <p:cNvPr id="6" name="Footer Placeholder 5"/>
+          <p:cNvSpPr>
+            <a:spLocks noGrp="1"/>
+          </p:cNvSpPr>
+          <p:nvPr>
+            <p:ph type="ftr" sz="quarter" idx="11"/>
+          </p:nvPr>
+        </p:nvSpPr>
+        <p:spPr/>
+        <p:txBody>
+          <a:bodyPr/>
+          <a:lstStyle/>
+          <a:p>
+            <a:endParaRPr lang="en-GB"/>
+          </a:p>
+        </p:txBody>
+      </p:sp>
+      <p:sp>
+        <p:nvSpPr>
+          <p:cNvPr id="7" name="Slide Number Placeholder 6"/>
+          <p:cNvSpPr>
+            <a:spLocks noGrp="1"/>
+          </p:cNvSpPr>
+          <p:nvPr>
+            <p:ph type="sldNum" sz="quarter" idx="12"/>
+          </p:nvPr>
+        </p:nvSpPr>
+        <p:spPr/>
+        <p:txBody>
+          <a:bodyPr/>
+          <a:lstStyle/>
+          <a:p>
+            <a:fld id="{26407377-0CCB-4A22-B35B-EB0AFC537BBF}" type="slidenum">
+              <a:rPr lang="en-GB" smtClean="0"/>
+              <a:t>‹#›</a:t>
+            </a:fld>
+            <a:endParaRPr lang="en-GB"/>
+          </a:p>
+        </p:txBody>
+      </p:sp>
+    </p:spTree>
+    <p:extLst>
+      <p:ext uri="{BB962C8B-B14F-4D97-AF65-F5344CB8AC3E}">
+        <p14:creationId xmlns:p14="http://schemas.microsoft.com/office/powerpoint/2010/main" val="4008962217"/>
+      </p:ext>
+    </p:extLst>
+  </p:cSld>
+  <p:clrMapOvr>
+    <a:masterClrMapping/>
+  </p:clrMapOvr>
+  <p:hf sldNum="0" hdr="0" ftr="0" dt="0"/>
 </p:sldLayout>
 </file>
 
@@ -765,7 +2468,7 @@
           <a:p>
             <a:fld id="{257A217A-5BE8-433A-B016-8BAC81D03FDC}" type="datetimeFigureOut">
               <a:rPr lang="en-GB" smtClean="0"/>
-              <a:t>10/10/2019</a:t>
+              <a:t>12/11/2019</a:t>
             </a:fld>
             <a:endParaRPr lang="en-GB"/>
           </a:p>
@@ -816,13 +2519,619 @@
     </p:spTree>
     <p:extLst>
       <p:ext uri="{BB962C8B-B14F-4D97-AF65-F5344CB8AC3E}">
-        <p14:creationId xmlns:p14="http://schemas.microsoft.com/office/powerpoint/2010/main" val="2833169346"/>
+        <p14:creationId xmlns:p14="http://schemas.microsoft.com/office/powerpoint/2010/main" val="2284350475"/>
       </p:ext>
     </p:extLst>
   </p:cSld>
   <p:clrMapOvr>
     <a:masterClrMapping/>
   </p:clrMapOvr>
+</p:sldLayout>
+</file>
+
+<file path=ppt/slideLayouts/slideLayout20.xml><?xml version="1.0" encoding="utf-8"?>
+<p:sldLayout xmlns:a="http://schemas.openxmlformats.org/drawingml/2006/main" xmlns:r="http://schemas.openxmlformats.org/officeDocument/2006/relationships" xmlns:p="http://schemas.openxmlformats.org/presentationml/2006/main" type="picTx" preserve="1">
+  <p:cSld name="Picture with Caption">
+    <p:spTree>
+      <p:nvGrpSpPr>
+        <p:cNvPr id="1" name=""/>
+        <p:cNvGrpSpPr/>
+        <p:nvPr/>
+      </p:nvGrpSpPr>
+      <p:grpSpPr>
+        <a:xfrm>
+          <a:off x="0" y="0"/>
+          <a:ext cx="0" cy="0"/>
+          <a:chOff x="0" y="0"/>
+          <a:chExt cx="0" cy="0"/>
+        </a:xfrm>
+      </p:grpSpPr>
+      <p:sp>
+        <p:nvSpPr>
+          <p:cNvPr id="2" name="Title 1"/>
+          <p:cNvSpPr>
+            <a:spLocks noGrp="1"/>
+          </p:cNvSpPr>
+          <p:nvPr>
+            <p:ph type="title"/>
+          </p:nvPr>
+        </p:nvSpPr>
+        <p:spPr>
+          <a:xfrm>
+            <a:off x="1212993" y="660400"/>
+            <a:ext cx="5679727" cy="2311400"/>
+          </a:xfrm>
+        </p:spPr>
+        <p:txBody>
+          <a:bodyPr anchor="b"/>
+          <a:lstStyle>
+            <a:lvl1pPr>
+              <a:defRPr sz="4622"/>
+            </a:lvl1pPr>
+          </a:lstStyle>
+          <a:p>
+            <a:r>
+              <a:rPr lang="en-US" smtClean="0"/>
+              <a:t>Click to edit Master title style</a:t>
+            </a:r>
+            <a:endParaRPr lang="en-GB"/>
+          </a:p>
+        </p:txBody>
+      </p:sp>
+      <p:sp>
+        <p:nvSpPr>
+          <p:cNvPr id="3" name="Picture Placeholder 2"/>
+          <p:cNvSpPr>
+            <a:spLocks noGrp="1"/>
+          </p:cNvSpPr>
+          <p:nvPr>
+            <p:ph type="pic" idx="1"/>
+          </p:nvPr>
+        </p:nvSpPr>
+        <p:spPr>
+          <a:xfrm>
+            <a:off x="7486603" y="1426284"/>
+            <a:ext cx="8915132" cy="7039681"/>
+          </a:xfrm>
+        </p:spPr>
+        <p:txBody>
+          <a:bodyPr/>
+          <a:lstStyle>
+            <a:lvl1pPr marL="0" indent="0">
+              <a:buNone/>
+              <a:defRPr sz="4622"/>
+            </a:lvl1pPr>
+            <a:lvl2pPr marL="660367" indent="0">
+              <a:buNone/>
+              <a:defRPr sz="4044"/>
+            </a:lvl2pPr>
+            <a:lvl3pPr marL="1320733" indent="0">
+              <a:buNone/>
+              <a:defRPr sz="3467"/>
+            </a:lvl3pPr>
+            <a:lvl4pPr marL="1981099" indent="0">
+              <a:buNone/>
+              <a:defRPr sz="2889"/>
+            </a:lvl4pPr>
+            <a:lvl5pPr marL="2641465" indent="0">
+              <a:buNone/>
+              <a:defRPr sz="2889"/>
+            </a:lvl5pPr>
+            <a:lvl6pPr marL="3301832" indent="0">
+              <a:buNone/>
+              <a:defRPr sz="2889"/>
+            </a:lvl6pPr>
+            <a:lvl7pPr marL="3962199" indent="0">
+              <a:buNone/>
+              <a:defRPr sz="2889"/>
+            </a:lvl7pPr>
+            <a:lvl8pPr marL="4622562" indent="0">
+              <a:buNone/>
+              <a:defRPr sz="2889"/>
+            </a:lvl8pPr>
+            <a:lvl9pPr marL="5282929" indent="0">
+              <a:buNone/>
+              <a:defRPr sz="2889"/>
+            </a:lvl9pPr>
+          </a:lstStyle>
+          <a:p>
+            <a:endParaRPr lang="en-GB"/>
+          </a:p>
+        </p:txBody>
+      </p:sp>
+      <p:sp>
+        <p:nvSpPr>
+          <p:cNvPr id="4" name="Text Placeholder 3"/>
+          <p:cNvSpPr>
+            <a:spLocks noGrp="1"/>
+          </p:cNvSpPr>
+          <p:nvPr>
+            <p:ph type="body" sz="half" idx="2"/>
+          </p:nvPr>
+        </p:nvSpPr>
+        <p:spPr>
+          <a:xfrm>
+            <a:off x="1212993" y="2971800"/>
+            <a:ext cx="5679727" cy="5505627"/>
+          </a:xfrm>
+        </p:spPr>
+        <p:txBody>
+          <a:bodyPr/>
+          <a:lstStyle>
+            <a:lvl1pPr marL="0" indent="0">
+              <a:buNone/>
+              <a:defRPr sz="2311"/>
+            </a:lvl1pPr>
+            <a:lvl2pPr marL="660367" indent="0">
+              <a:buNone/>
+              <a:defRPr sz="2022"/>
+            </a:lvl2pPr>
+            <a:lvl3pPr marL="1320733" indent="0">
+              <a:buNone/>
+              <a:defRPr sz="1733"/>
+            </a:lvl3pPr>
+            <a:lvl4pPr marL="1981099" indent="0">
+              <a:buNone/>
+              <a:defRPr sz="1444"/>
+            </a:lvl4pPr>
+            <a:lvl5pPr marL="2641465" indent="0">
+              <a:buNone/>
+              <a:defRPr sz="1444"/>
+            </a:lvl5pPr>
+            <a:lvl6pPr marL="3301832" indent="0">
+              <a:buNone/>
+              <a:defRPr sz="1444"/>
+            </a:lvl6pPr>
+            <a:lvl7pPr marL="3962199" indent="0">
+              <a:buNone/>
+              <a:defRPr sz="1444"/>
+            </a:lvl7pPr>
+            <a:lvl8pPr marL="4622562" indent="0">
+              <a:buNone/>
+              <a:defRPr sz="1444"/>
+            </a:lvl8pPr>
+            <a:lvl9pPr marL="5282929" indent="0">
+              <a:buNone/>
+              <a:defRPr sz="1444"/>
+            </a:lvl9pPr>
+          </a:lstStyle>
+          <a:p>
+            <a:pPr lvl="0"/>
+            <a:r>
+              <a:rPr lang="en-US" smtClean="0"/>
+              <a:t>Edit Master text styles</a:t>
+            </a:r>
+          </a:p>
+        </p:txBody>
+      </p:sp>
+      <p:sp>
+        <p:nvSpPr>
+          <p:cNvPr id="5" name="Date Placeholder 4"/>
+          <p:cNvSpPr>
+            <a:spLocks noGrp="1"/>
+          </p:cNvSpPr>
+          <p:nvPr>
+            <p:ph type="dt" sz="half" idx="10"/>
+          </p:nvPr>
+        </p:nvSpPr>
+        <p:spPr/>
+        <p:txBody>
+          <a:bodyPr/>
+          <a:lstStyle/>
+          <a:p>
+            <a:fld id="{F9A7F862-8165-4259-9831-4EF921D9C164}" type="datetimeFigureOut">
+              <a:rPr lang="en-GB" smtClean="0"/>
+              <a:t>12/11/2019</a:t>
+            </a:fld>
+            <a:endParaRPr lang="en-GB"/>
+          </a:p>
+        </p:txBody>
+      </p:sp>
+      <p:sp>
+        <p:nvSpPr>
+          <p:cNvPr id="6" name="Footer Placeholder 5"/>
+          <p:cNvSpPr>
+            <a:spLocks noGrp="1"/>
+          </p:cNvSpPr>
+          <p:nvPr>
+            <p:ph type="ftr" sz="quarter" idx="11"/>
+          </p:nvPr>
+        </p:nvSpPr>
+        <p:spPr/>
+        <p:txBody>
+          <a:bodyPr/>
+          <a:lstStyle/>
+          <a:p>
+            <a:endParaRPr lang="en-GB"/>
+          </a:p>
+        </p:txBody>
+      </p:sp>
+      <p:sp>
+        <p:nvSpPr>
+          <p:cNvPr id="7" name="Slide Number Placeholder 6"/>
+          <p:cNvSpPr>
+            <a:spLocks noGrp="1"/>
+          </p:cNvSpPr>
+          <p:nvPr>
+            <p:ph type="sldNum" sz="quarter" idx="12"/>
+          </p:nvPr>
+        </p:nvSpPr>
+        <p:spPr/>
+        <p:txBody>
+          <a:bodyPr/>
+          <a:lstStyle/>
+          <a:p>
+            <a:fld id="{26407377-0CCB-4A22-B35B-EB0AFC537BBF}" type="slidenum">
+              <a:rPr lang="en-GB" smtClean="0"/>
+              <a:t>‹#›</a:t>
+            </a:fld>
+            <a:endParaRPr lang="en-GB"/>
+          </a:p>
+        </p:txBody>
+      </p:sp>
+    </p:spTree>
+    <p:extLst>
+      <p:ext uri="{BB962C8B-B14F-4D97-AF65-F5344CB8AC3E}">
+        <p14:creationId xmlns:p14="http://schemas.microsoft.com/office/powerpoint/2010/main" val="731026090"/>
+      </p:ext>
+    </p:extLst>
+  </p:cSld>
+  <p:clrMapOvr>
+    <a:masterClrMapping/>
+  </p:clrMapOvr>
+  <p:hf sldNum="0" hdr="0" ftr="0" dt="0"/>
+</p:sldLayout>
+</file>
+
+<file path=ppt/slideLayouts/slideLayout21.xml><?xml version="1.0" encoding="utf-8"?>
+<p:sldLayout xmlns:a="http://schemas.openxmlformats.org/drawingml/2006/main" xmlns:r="http://schemas.openxmlformats.org/officeDocument/2006/relationships" xmlns:p="http://schemas.openxmlformats.org/presentationml/2006/main" type="vertTx" preserve="1">
+  <p:cSld name="Title and Vertical Text">
+    <p:spTree>
+      <p:nvGrpSpPr>
+        <p:cNvPr id="1" name=""/>
+        <p:cNvGrpSpPr/>
+        <p:nvPr/>
+      </p:nvGrpSpPr>
+      <p:grpSpPr>
+        <a:xfrm>
+          <a:off x="0" y="0"/>
+          <a:ext cx="0" cy="0"/>
+          <a:chOff x="0" y="0"/>
+          <a:chExt cx="0" cy="0"/>
+        </a:xfrm>
+      </p:grpSpPr>
+      <p:sp>
+        <p:nvSpPr>
+          <p:cNvPr id="2" name="Title 1"/>
+          <p:cNvSpPr>
+            <a:spLocks noGrp="1"/>
+          </p:cNvSpPr>
+          <p:nvPr>
+            <p:ph type="title"/>
+          </p:nvPr>
+        </p:nvSpPr>
+        <p:spPr/>
+        <p:txBody>
+          <a:bodyPr/>
+          <a:lstStyle/>
+          <a:p>
+            <a:r>
+              <a:rPr lang="en-US" smtClean="0"/>
+              <a:t>Click to edit Master title style</a:t>
+            </a:r>
+            <a:endParaRPr lang="en-GB"/>
+          </a:p>
+        </p:txBody>
+      </p:sp>
+      <p:sp>
+        <p:nvSpPr>
+          <p:cNvPr id="3" name="Vertical Text Placeholder 2"/>
+          <p:cNvSpPr>
+            <a:spLocks noGrp="1"/>
+          </p:cNvSpPr>
+          <p:nvPr>
+            <p:ph type="body" orient="vert" idx="1"/>
+          </p:nvPr>
+        </p:nvSpPr>
+        <p:spPr/>
+        <p:txBody>
+          <a:bodyPr vert="eaVert"/>
+          <a:lstStyle/>
+          <a:p>
+            <a:pPr lvl="0"/>
+            <a:r>
+              <a:rPr lang="en-US" smtClean="0"/>
+              <a:t>Edit Master text styles</a:t>
+            </a:r>
+          </a:p>
+          <a:p>
+            <a:pPr lvl="1"/>
+            <a:r>
+              <a:rPr lang="en-US" smtClean="0"/>
+              <a:t>Second level</a:t>
+            </a:r>
+          </a:p>
+          <a:p>
+            <a:pPr lvl="2"/>
+            <a:r>
+              <a:rPr lang="en-US" smtClean="0"/>
+              <a:t>Third level</a:t>
+            </a:r>
+          </a:p>
+          <a:p>
+            <a:pPr lvl="3"/>
+            <a:r>
+              <a:rPr lang="en-US" smtClean="0"/>
+              <a:t>Fourth level</a:t>
+            </a:r>
+          </a:p>
+          <a:p>
+            <a:pPr lvl="4"/>
+            <a:r>
+              <a:rPr lang="en-US" smtClean="0"/>
+              <a:t>Fifth level</a:t>
+            </a:r>
+            <a:endParaRPr lang="en-GB"/>
+          </a:p>
+        </p:txBody>
+      </p:sp>
+      <p:sp>
+        <p:nvSpPr>
+          <p:cNvPr id="4" name="Date Placeholder 3"/>
+          <p:cNvSpPr>
+            <a:spLocks noGrp="1"/>
+          </p:cNvSpPr>
+          <p:nvPr>
+            <p:ph type="dt" sz="half" idx="10"/>
+          </p:nvPr>
+        </p:nvSpPr>
+        <p:spPr/>
+        <p:txBody>
+          <a:bodyPr/>
+          <a:lstStyle/>
+          <a:p>
+            <a:fld id="{F9A7F862-8165-4259-9831-4EF921D9C164}" type="datetimeFigureOut">
+              <a:rPr lang="en-GB" smtClean="0"/>
+              <a:t>12/11/2019</a:t>
+            </a:fld>
+            <a:endParaRPr lang="en-GB"/>
+          </a:p>
+        </p:txBody>
+      </p:sp>
+      <p:sp>
+        <p:nvSpPr>
+          <p:cNvPr id="5" name="Footer Placeholder 4"/>
+          <p:cNvSpPr>
+            <a:spLocks noGrp="1"/>
+          </p:cNvSpPr>
+          <p:nvPr>
+            <p:ph type="ftr" sz="quarter" idx="11"/>
+          </p:nvPr>
+        </p:nvSpPr>
+        <p:spPr/>
+        <p:txBody>
+          <a:bodyPr/>
+          <a:lstStyle/>
+          <a:p>
+            <a:endParaRPr lang="en-GB"/>
+          </a:p>
+        </p:txBody>
+      </p:sp>
+      <p:sp>
+        <p:nvSpPr>
+          <p:cNvPr id="6" name="Slide Number Placeholder 5"/>
+          <p:cNvSpPr>
+            <a:spLocks noGrp="1"/>
+          </p:cNvSpPr>
+          <p:nvPr>
+            <p:ph type="sldNum" sz="quarter" idx="12"/>
+          </p:nvPr>
+        </p:nvSpPr>
+        <p:spPr/>
+        <p:txBody>
+          <a:bodyPr/>
+          <a:lstStyle/>
+          <a:p>
+            <a:fld id="{26407377-0CCB-4A22-B35B-EB0AFC537BBF}" type="slidenum">
+              <a:rPr lang="en-GB" smtClean="0"/>
+              <a:t>‹#›</a:t>
+            </a:fld>
+            <a:endParaRPr lang="en-GB"/>
+          </a:p>
+        </p:txBody>
+      </p:sp>
+    </p:spTree>
+    <p:extLst>
+      <p:ext uri="{BB962C8B-B14F-4D97-AF65-F5344CB8AC3E}">
+        <p14:creationId xmlns:p14="http://schemas.microsoft.com/office/powerpoint/2010/main" val="1144398382"/>
+      </p:ext>
+    </p:extLst>
+  </p:cSld>
+  <p:clrMapOvr>
+    <a:masterClrMapping/>
+  </p:clrMapOvr>
+  <p:hf sldNum="0" hdr="0" ftr="0" dt="0"/>
+</p:sldLayout>
+</file>
+
+<file path=ppt/slideLayouts/slideLayout22.xml><?xml version="1.0" encoding="utf-8"?>
+<p:sldLayout xmlns:a="http://schemas.openxmlformats.org/drawingml/2006/main" xmlns:r="http://schemas.openxmlformats.org/officeDocument/2006/relationships" xmlns:p="http://schemas.openxmlformats.org/presentationml/2006/main" type="vertTitleAndTx" preserve="1">
+  <p:cSld name="Vertical Title and Text">
+    <p:spTree>
+      <p:nvGrpSpPr>
+        <p:cNvPr id="1" name=""/>
+        <p:cNvGrpSpPr/>
+        <p:nvPr/>
+      </p:nvGrpSpPr>
+      <p:grpSpPr>
+        <a:xfrm>
+          <a:off x="0" y="0"/>
+          <a:ext cx="0" cy="0"/>
+          <a:chOff x="0" y="0"/>
+          <a:chExt cx="0" cy="0"/>
+        </a:xfrm>
+      </p:grpSpPr>
+      <p:sp>
+        <p:nvSpPr>
+          <p:cNvPr id="2" name="Vertical Title 1"/>
+          <p:cNvSpPr>
+            <a:spLocks noGrp="1"/>
+          </p:cNvSpPr>
+          <p:nvPr>
+            <p:ph type="title" orient="vert"/>
+          </p:nvPr>
+        </p:nvSpPr>
+        <p:spPr>
+          <a:xfrm>
+            <a:off x="12602255" y="527403"/>
+            <a:ext cx="3797186" cy="8394877"/>
+          </a:xfrm>
+        </p:spPr>
+        <p:txBody>
+          <a:bodyPr vert="eaVert"/>
+          <a:lstStyle/>
+          <a:p>
+            <a:r>
+              <a:rPr lang="en-US" smtClean="0"/>
+              <a:t>Click to edit Master title style</a:t>
+            </a:r>
+            <a:endParaRPr lang="en-GB"/>
+          </a:p>
+        </p:txBody>
+      </p:sp>
+      <p:sp>
+        <p:nvSpPr>
+          <p:cNvPr id="3" name="Vertical Text Placeholder 2"/>
+          <p:cNvSpPr>
+            <a:spLocks noGrp="1"/>
+          </p:cNvSpPr>
+          <p:nvPr>
+            <p:ph type="body" orient="vert" idx="1"/>
+          </p:nvPr>
+        </p:nvSpPr>
+        <p:spPr>
+          <a:xfrm>
+            <a:off x="1210699" y="527403"/>
+            <a:ext cx="11171431" cy="8394877"/>
+          </a:xfrm>
+        </p:spPr>
+        <p:txBody>
+          <a:bodyPr vert="eaVert"/>
+          <a:lstStyle/>
+          <a:p>
+            <a:pPr lvl="0"/>
+            <a:r>
+              <a:rPr lang="en-US" smtClean="0"/>
+              <a:t>Edit Master text styles</a:t>
+            </a:r>
+          </a:p>
+          <a:p>
+            <a:pPr lvl="1"/>
+            <a:r>
+              <a:rPr lang="en-US" smtClean="0"/>
+              <a:t>Second level</a:t>
+            </a:r>
+          </a:p>
+          <a:p>
+            <a:pPr lvl="2"/>
+            <a:r>
+              <a:rPr lang="en-US" smtClean="0"/>
+              <a:t>Third level</a:t>
+            </a:r>
+          </a:p>
+          <a:p>
+            <a:pPr lvl="3"/>
+            <a:r>
+              <a:rPr lang="en-US" smtClean="0"/>
+              <a:t>Fourth level</a:t>
+            </a:r>
+          </a:p>
+          <a:p>
+            <a:pPr lvl="4"/>
+            <a:r>
+              <a:rPr lang="en-US" smtClean="0"/>
+              <a:t>Fifth level</a:t>
+            </a:r>
+            <a:endParaRPr lang="en-GB"/>
+          </a:p>
+        </p:txBody>
+      </p:sp>
+      <p:sp>
+        <p:nvSpPr>
+          <p:cNvPr id="4" name="Date Placeholder 3"/>
+          <p:cNvSpPr>
+            <a:spLocks noGrp="1"/>
+          </p:cNvSpPr>
+          <p:nvPr>
+            <p:ph type="dt" sz="half" idx="10"/>
+          </p:nvPr>
+        </p:nvSpPr>
+        <p:spPr/>
+        <p:txBody>
+          <a:bodyPr/>
+          <a:lstStyle/>
+          <a:p>
+            <a:fld id="{F9A7F862-8165-4259-9831-4EF921D9C164}" type="datetimeFigureOut">
+              <a:rPr lang="en-GB" smtClean="0"/>
+              <a:t>12/11/2019</a:t>
+            </a:fld>
+            <a:endParaRPr lang="en-GB"/>
+          </a:p>
+        </p:txBody>
+      </p:sp>
+      <p:sp>
+        <p:nvSpPr>
+          <p:cNvPr id="5" name="Footer Placeholder 4"/>
+          <p:cNvSpPr>
+            <a:spLocks noGrp="1"/>
+          </p:cNvSpPr>
+          <p:nvPr>
+            <p:ph type="ftr" sz="quarter" idx="11"/>
+          </p:nvPr>
+        </p:nvSpPr>
+        <p:spPr/>
+        <p:txBody>
+          <a:bodyPr/>
+          <a:lstStyle/>
+          <a:p>
+            <a:endParaRPr lang="en-GB"/>
+          </a:p>
+        </p:txBody>
+      </p:sp>
+      <p:sp>
+        <p:nvSpPr>
+          <p:cNvPr id="6" name="Slide Number Placeholder 5"/>
+          <p:cNvSpPr>
+            <a:spLocks noGrp="1"/>
+          </p:cNvSpPr>
+          <p:nvPr>
+            <p:ph type="sldNum" sz="quarter" idx="12"/>
+          </p:nvPr>
+        </p:nvSpPr>
+        <p:spPr/>
+        <p:txBody>
+          <a:bodyPr/>
+          <a:lstStyle/>
+          <a:p>
+            <a:fld id="{26407377-0CCB-4A22-B35B-EB0AFC537BBF}" type="slidenum">
+              <a:rPr lang="en-GB" smtClean="0"/>
+              <a:t>‹#›</a:t>
+            </a:fld>
+            <a:endParaRPr lang="en-GB"/>
+          </a:p>
+        </p:txBody>
+      </p:sp>
+    </p:spTree>
+    <p:extLst>
+      <p:ext uri="{BB962C8B-B14F-4D97-AF65-F5344CB8AC3E}">
+        <p14:creationId xmlns:p14="http://schemas.microsoft.com/office/powerpoint/2010/main" val="3487863348"/>
+      </p:ext>
+    </p:extLst>
+  </p:cSld>
+  <p:clrMapOvr>
+    <a:masterClrMapping/>
+  </p:clrMapOvr>
+  <p:hf sldNum="0" hdr="0" ftr="0" dt="0"/>
 </p:sldLayout>
 </file>
 
@@ -855,15 +3164,15 @@
         </p:nvSpPr>
         <p:spPr>
           <a:xfrm>
-            <a:off x="467916" y="2469624"/>
-            <a:ext cx="5915025" cy="4120620"/>
+            <a:off x="1201525" y="2469622"/>
+            <a:ext cx="15188744" cy="4120620"/>
           </a:xfrm>
         </p:spPr>
         <p:txBody>
           <a:bodyPr anchor="b"/>
           <a:lstStyle>
             <a:lvl1pPr>
-              <a:defRPr sz="4500"/>
+              <a:defRPr sz="8666"/>
             </a:lvl1pPr>
           </a:lstStyle>
           <a:p>
@@ -887,8 +3196,8 @@
         </p:nvSpPr>
         <p:spPr>
           <a:xfrm>
-            <a:off x="467916" y="6629226"/>
-            <a:ext cx="5915025" cy="2166937"/>
+            <a:off x="1201525" y="6629225"/>
+            <a:ext cx="15188744" cy="2166937"/>
           </a:xfrm>
         </p:spPr>
         <p:txBody>
@@ -896,15 +3205,17 @@
           <a:lstStyle>
             <a:lvl1pPr marL="0" indent="0">
               <a:buNone/>
-              <a:defRPr sz="1800">
+              <a:defRPr sz="3467">
                 <a:solidFill>
-                  <a:schemeClr val="tx1"/>
+                  <a:schemeClr val="tx1">
+                    <a:tint val="75000"/>
+                  </a:schemeClr>
                 </a:solidFill>
               </a:defRPr>
             </a:lvl1pPr>
-            <a:lvl2pPr marL="342900" indent="0">
-              <a:buNone/>
-              <a:defRPr sz="1500">
+            <a:lvl2pPr marL="660380" indent="0">
+              <a:buNone/>
+              <a:defRPr sz="2889">
                 <a:solidFill>
                   <a:schemeClr val="tx1">
                     <a:tint val="75000"/>
@@ -912,9 +3223,9 @@
                 </a:solidFill>
               </a:defRPr>
             </a:lvl2pPr>
-            <a:lvl3pPr marL="685800" indent="0">
-              <a:buNone/>
-              <a:defRPr sz="1350">
+            <a:lvl3pPr marL="1320759" indent="0">
+              <a:buNone/>
+              <a:defRPr sz="2600">
                 <a:solidFill>
                   <a:schemeClr val="tx1">
                     <a:tint val="75000"/>
@@ -922,9 +3233,9 @@
                 </a:solidFill>
               </a:defRPr>
             </a:lvl3pPr>
-            <a:lvl4pPr marL="1028700" indent="0">
-              <a:buNone/>
-              <a:defRPr sz="1200">
+            <a:lvl4pPr marL="1981139" indent="0">
+              <a:buNone/>
+              <a:defRPr sz="2311">
                 <a:solidFill>
                   <a:schemeClr val="tx1">
                     <a:tint val="75000"/>
@@ -932,9 +3243,9 @@
                 </a:solidFill>
               </a:defRPr>
             </a:lvl4pPr>
-            <a:lvl5pPr marL="1371600" indent="0">
-              <a:buNone/>
-              <a:defRPr sz="1200">
+            <a:lvl5pPr marL="2641519" indent="0">
+              <a:buNone/>
+              <a:defRPr sz="2311">
                 <a:solidFill>
                   <a:schemeClr val="tx1">
                     <a:tint val="75000"/>
@@ -942,9 +3253,9 @@
                 </a:solidFill>
               </a:defRPr>
             </a:lvl5pPr>
-            <a:lvl6pPr marL="1714500" indent="0">
-              <a:buNone/>
-              <a:defRPr sz="1200">
+            <a:lvl6pPr marL="3301898" indent="0">
+              <a:buNone/>
+              <a:defRPr sz="2311">
                 <a:solidFill>
                   <a:schemeClr val="tx1">
                     <a:tint val="75000"/>
@@ -952,9 +3263,9 @@
                 </a:solidFill>
               </a:defRPr>
             </a:lvl6pPr>
-            <a:lvl7pPr marL="2057400" indent="0">
-              <a:buNone/>
-              <a:defRPr sz="1200">
+            <a:lvl7pPr marL="3962278" indent="0">
+              <a:buNone/>
+              <a:defRPr sz="2311">
                 <a:solidFill>
                   <a:schemeClr val="tx1">
                     <a:tint val="75000"/>
@@ -962,9 +3273,9 @@
                 </a:solidFill>
               </a:defRPr>
             </a:lvl7pPr>
-            <a:lvl8pPr marL="2400300" indent="0">
-              <a:buNone/>
-              <a:defRPr sz="1200">
+            <a:lvl8pPr marL="4622658" indent="0">
+              <a:buNone/>
+              <a:defRPr sz="2311">
                 <a:solidFill>
                   <a:schemeClr val="tx1">
                     <a:tint val="75000"/>
@@ -972,9 +3283,9 @@
                 </a:solidFill>
               </a:defRPr>
             </a:lvl8pPr>
-            <a:lvl9pPr marL="2743200" indent="0">
-              <a:buNone/>
-              <a:defRPr sz="1200">
+            <a:lvl9pPr marL="5283037" indent="0">
+              <a:buNone/>
+              <a:defRPr sz="2311">
                 <a:solidFill>
                   <a:schemeClr val="tx1">
                     <a:tint val="75000"/>
@@ -1009,7 +3320,7 @@
           <a:p>
             <a:fld id="{257A217A-5BE8-433A-B016-8BAC81D03FDC}" type="datetimeFigureOut">
               <a:rPr lang="en-GB" smtClean="0"/>
-              <a:t>10/10/2019</a:t>
+              <a:t>12/11/2019</a:t>
             </a:fld>
             <a:endParaRPr lang="en-GB"/>
           </a:p>
@@ -1060,7 +3371,7 @@
     </p:spTree>
     <p:extLst>
       <p:ext uri="{BB962C8B-B14F-4D97-AF65-F5344CB8AC3E}">
-        <p14:creationId xmlns:p14="http://schemas.microsoft.com/office/powerpoint/2010/main" val="248315562"/>
+        <p14:creationId xmlns:p14="http://schemas.microsoft.com/office/powerpoint/2010/main" val="2256090116"/>
       </p:ext>
     </p:extLst>
   </p:cSld>
@@ -1122,8 +3433,8 @@
         </p:nvSpPr>
         <p:spPr>
           <a:xfrm>
-            <a:off x="471488" y="2637014"/>
-            <a:ext cx="2914650" cy="6285266"/>
+            <a:off x="1210697" y="2637014"/>
+            <a:ext cx="7484309" cy="6285266"/>
           </a:xfrm>
         </p:spPr>
         <p:txBody>
@@ -1179,8 +3490,8 @@
         </p:nvSpPr>
         <p:spPr>
           <a:xfrm>
-            <a:off x="3471863" y="2637014"/>
-            <a:ext cx="2914650" cy="6285266"/>
+            <a:off x="8915132" y="2637014"/>
+            <a:ext cx="7484309" cy="6285266"/>
           </a:xfrm>
         </p:spPr>
         <p:txBody>
@@ -1241,7 +3552,7 @@
           <a:p>
             <a:fld id="{257A217A-5BE8-433A-B016-8BAC81D03FDC}" type="datetimeFigureOut">
               <a:rPr lang="en-GB" smtClean="0"/>
-              <a:t>10/10/2019</a:t>
+              <a:t>12/11/2019</a:t>
             </a:fld>
             <a:endParaRPr lang="en-GB"/>
           </a:p>
@@ -1292,7 +3603,7 @@
     </p:spTree>
     <p:extLst>
       <p:ext uri="{BB962C8B-B14F-4D97-AF65-F5344CB8AC3E}">
-        <p14:creationId xmlns:p14="http://schemas.microsoft.com/office/powerpoint/2010/main" val="286474663"/>
+        <p14:creationId xmlns:p14="http://schemas.microsoft.com/office/powerpoint/2010/main" val="924963434"/>
       </p:ext>
     </p:extLst>
   </p:cSld>
@@ -1331,8 +3642,8 @@
         </p:nvSpPr>
         <p:spPr>
           <a:xfrm>
-            <a:off x="472381" y="527405"/>
-            <a:ext cx="5915025" cy="1914702"/>
+            <a:off x="1212991" y="527404"/>
+            <a:ext cx="15188744" cy="1914702"/>
           </a:xfrm>
         </p:spPr>
         <p:txBody>
@@ -1359,8 +3670,8 @@
         </p:nvSpPr>
         <p:spPr>
           <a:xfrm>
-            <a:off x="472381" y="2428347"/>
-            <a:ext cx="2901255" cy="1190095"/>
+            <a:off x="1212991" y="2428347"/>
+            <a:ext cx="7449913" cy="1190095"/>
           </a:xfrm>
         </p:spPr>
         <p:txBody>
@@ -1368,39 +3679,39 @@
           <a:lstStyle>
             <a:lvl1pPr marL="0" indent="0">
               <a:buNone/>
-              <a:defRPr sz="1800" b="1"/>
+              <a:defRPr sz="3467" b="1"/>
             </a:lvl1pPr>
-            <a:lvl2pPr marL="342900" indent="0">
-              <a:buNone/>
-              <a:defRPr sz="1500" b="1"/>
+            <a:lvl2pPr marL="660380" indent="0">
+              <a:buNone/>
+              <a:defRPr sz="2889" b="1"/>
             </a:lvl2pPr>
-            <a:lvl3pPr marL="685800" indent="0">
-              <a:buNone/>
-              <a:defRPr sz="1350" b="1"/>
+            <a:lvl3pPr marL="1320759" indent="0">
+              <a:buNone/>
+              <a:defRPr sz="2600" b="1"/>
             </a:lvl3pPr>
-            <a:lvl4pPr marL="1028700" indent="0">
-              <a:buNone/>
-              <a:defRPr sz="1200" b="1"/>
+            <a:lvl4pPr marL="1981139" indent="0">
+              <a:buNone/>
+              <a:defRPr sz="2311" b="1"/>
             </a:lvl4pPr>
-            <a:lvl5pPr marL="1371600" indent="0">
-              <a:buNone/>
-              <a:defRPr sz="1200" b="1"/>
+            <a:lvl5pPr marL="2641519" indent="0">
+              <a:buNone/>
+              <a:defRPr sz="2311" b="1"/>
             </a:lvl5pPr>
-            <a:lvl6pPr marL="1714500" indent="0">
-              <a:buNone/>
-              <a:defRPr sz="1200" b="1"/>
+            <a:lvl6pPr marL="3301898" indent="0">
+              <a:buNone/>
+              <a:defRPr sz="2311" b="1"/>
             </a:lvl6pPr>
-            <a:lvl7pPr marL="2057400" indent="0">
-              <a:buNone/>
-              <a:defRPr sz="1200" b="1"/>
+            <a:lvl7pPr marL="3962278" indent="0">
+              <a:buNone/>
+              <a:defRPr sz="2311" b="1"/>
             </a:lvl7pPr>
-            <a:lvl8pPr marL="2400300" indent="0">
-              <a:buNone/>
-              <a:defRPr sz="1200" b="1"/>
+            <a:lvl8pPr marL="4622658" indent="0">
+              <a:buNone/>
+              <a:defRPr sz="2311" b="1"/>
             </a:lvl8pPr>
-            <a:lvl9pPr marL="2743200" indent="0">
-              <a:buNone/>
-              <a:defRPr sz="1200" b="1"/>
+            <a:lvl9pPr marL="5283037" indent="0">
+              <a:buNone/>
+              <a:defRPr sz="2311" b="1"/>
             </a:lvl9pPr>
           </a:lstStyle>
           <a:p>
@@ -1424,8 +3735,8 @@
         </p:nvSpPr>
         <p:spPr>
           <a:xfrm>
-            <a:off x="472381" y="3618442"/>
-            <a:ext cx="2901255" cy="5322183"/>
+            <a:off x="1212991" y="3618442"/>
+            <a:ext cx="7449913" cy="5322183"/>
           </a:xfrm>
         </p:spPr>
         <p:txBody>
@@ -1481,8 +3792,8 @@
         </p:nvSpPr>
         <p:spPr>
           <a:xfrm>
-            <a:off x="3471863" y="2428347"/>
-            <a:ext cx="2915543" cy="1190095"/>
+            <a:off x="8915133" y="2428347"/>
+            <a:ext cx="7486602" cy="1190095"/>
           </a:xfrm>
         </p:spPr>
         <p:txBody>
@@ -1490,39 +3801,39 @@
           <a:lstStyle>
             <a:lvl1pPr marL="0" indent="0">
               <a:buNone/>
-              <a:defRPr sz="1800" b="1"/>
+              <a:defRPr sz="3467" b="1"/>
             </a:lvl1pPr>
-            <a:lvl2pPr marL="342900" indent="0">
-              <a:buNone/>
-              <a:defRPr sz="1500" b="1"/>
+            <a:lvl2pPr marL="660380" indent="0">
+              <a:buNone/>
+              <a:defRPr sz="2889" b="1"/>
             </a:lvl2pPr>
-            <a:lvl3pPr marL="685800" indent="0">
-              <a:buNone/>
-              <a:defRPr sz="1350" b="1"/>
+            <a:lvl3pPr marL="1320759" indent="0">
+              <a:buNone/>
+              <a:defRPr sz="2600" b="1"/>
             </a:lvl3pPr>
-            <a:lvl4pPr marL="1028700" indent="0">
-              <a:buNone/>
-              <a:defRPr sz="1200" b="1"/>
+            <a:lvl4pPr marL="1981139" indent="0">
+              <a:buNone/>
+              <a:defRPr sz="2311" b="1"/>
             </a:lvl4pPr>
-            <a:lvl5pPr marL="1371600" indent="0">
-              <a:buNone/>
-              <a:defRPr sz="1200" b="1"/>
+            <a:lvl5pPr marL="2641519" indent="0">
+              <a:buNone/>
+              <a:defRPr sz="2311" b="1"/>
             </a:lvl5pPr>
-            <a:lvl6pPr marL="1714500" indent="0">
-              <a:buNone/>
-              <a:defRPr sz="1200" b="1"/>
+            <a:lvl6pPr marL="3301898" indent="0">
+              <a:buNone/>
+              <a:defRPr sz="2311" b="1"/>
             </a:lvl6pPr>
-            <a:lvl7pPr marL="2057400" indent="0">
-              <a:buNone/>
-              <a:defRPr sz="1200" b="1"/>
+            <a:lvl7pPr marL="3962278" indent="0">
+              <a:buNone/>
+              <a:defRPr sz="2311" b="1"/>
             </a:lvl7pPr>
-            <a:lvl8pPr marL="2400300" indent="0">
-              <a:buNone/>
-              <a:defRPr sz="1200" b="1"/>
+            <a:lvl8pPr marL="4622658" indent="0">
+              <a:buNone/>
+              <a:defRPr sz="2311" b="1"/>
             </a:lvl8pPr>
-            <a:lvl9pPr marL="2743200" indent="0">
-              <a:buNone/>
-              <a:defRPr sz="1200" b="1"/>
+            <a:lvl9pPr marL="5283037" indent="0">
+              <a:buNone/>
+              <a:defRPr sz="2311" b="1"/>
             </a:lvl9pPr>
           </a:lstStyle>
           <a:p>
@@ -1546,8 +3857,8 @@
         </p:nvSpPr>
         <p:spPr>
           <a:xfrm>
-            <a:off x="3471863" y="3618442"/>
-            <a:ext cx="2915543" cy="5322183"/>
+            <a:off x="8915133" y="3618442"/>
+            <a:ext cx="7486602" cy="5322183"/>
           </a:xfrm>
         </p:spPr>
         <p:txBody>
@@ -1608,7 +3919,7 @@
           <a:p>
             <a:fld id="{257A217A-5BE8-433A-B016-8BAC81D03FDC}" type="datetimeFigureOut">
               <a:rPr lang="en-GB" smtClean="0"/>
-              <a:t>10/10/2019</a:t>
+              <a:t>12/11/2019</a:t>
             </a:fld>
             <a:endParaRPr lang="en-GB"/>
           </a:p>
@@ -1659,7 +3970,7 @@
     </p:spTree>
     <p:extLst>
       <p:ext uri="{BB962C8B-B14F-4D97-AF65-F5344CB8AC3E}">
-        <p14:creationId xmlns:p14="http://schemas.microsoft.com/office/powerpoint/2010/main" val="2843157354"/>
+        <p14:creationId xmlns:p14="http://schemas.microsoft.com/office/powerpoint/2010/main" val="2098358142"/>
       </p:ext>
     </p:extLst>
   </p:cSld>
@@ -1726,7 +4037,7 @@
           <a:p>
             <a:fld id="{257A217A-5BE8-433A-B016-8BAC81D03FDC}" type="datetimeFigureOut">
               <a:rPr lang="en-GB" smtClean="0"/>
-              <a:t>10/10/2019</a:t>
+              <a:t>12/11/2019</a:t>
             </a:fld>
             <a:endParaRPr lang="en-GB"/>
           </a:p>
@@ -1777,7 +4088,7 @@
     </p:spTree>
     <p:extLst>
       <p:ext uri="{BB962C8B-B14F-4D97-AF65-F5344CB8AC3E}">
-        <p14:creationId xmlns:p14="http://schemas.microsoft.com/office/powerpoint/2010/main" val="3284325208"/>
+        <p14:creationId xmlns:p14="http://schemas.microsoft.com/office/powerpoint/2010/main" val="1354145793"/>
       </p:ext>
     </p:extLst>
   </p:cSld>
@@ -1821,7 +4132,7 @@
           <a:p>
             <a:fld id="{257A217A-5BE8-433A-B016-8BAC81D03FDC}" type="datetimeFigureOut">
               <a:rPr lang="en-GB" smtClean="0"/>
-              <a:t>10/10/2019</a:t>
+              <a:t>12/11/2019</a:t>
             </a:fld>
             <a:endParaRPr lang="en-GB"/>
           </a:p>
@@ -1872,7 +4183,7 @@
     </p:spTree>
     <p:extLst>
       <p:ext uri="{BB962C8B-B14F-4D97-AF65-F5344CB8AC3E}">
-        <p14:creationId xmlns:p14="http://schemas.microsoft.com/office/powerpoint/2010/main" val="2130982597"/>
+        <p14:creationId xmlns:p14="http://schemas.microsoft.com/office/powerpoint/2010/main" val="1585699297"/>
       </p:ext>
     </p:extLst>
   </p:cSld>
@@ -1911,15 +4222,15 @@
         </p:nvSpPr>
         <p:spPr>
           <a:xfrm>
-            <a:off x="472381" y="660400"/>
-            <a:ext cx="2211884" cy="2311400"/>
+            <a:off x="1212992" y="660400"/>
+            <a:ext cx="5679727" cy="2311400"/>
           </a:xfrm>
         </p:spPr>
         <p:txBody>
           <a:bodyPr anchor="b"/>
           <a:lstStyle>
             <a:lvl1pPr>
-              <a:defRPr sz="2400"/>
+              <a:defRPr sz="4622"/>
             </a:lvl1pPr>
           </a:lstStyle>
           <a:p>
@@ -1943,39 +4254,39 @@
         </p:nvSpPr>
         <p:spPr>
           <a:xfrm>
-            <a:off x="2915543" y="1426283"/>
-            <a:ext cx="3471863" cy="7039681"/>
+            <a:off x="7486603" y="1426281"/>
+            <a:ext cx="8915132" cy="7039681"/>
           </a:xfrm>
         </p:spPr>
         <p:txBody>
           <a:bodyPr/>
           <a:lstStyle>
             <a:lvl1pPr>
-              <a:defRPr sz="2400"/>
+              <a:defRPr sz="4622"/>
             </a:lvl1pPr>
             <a:lvl2pPr>
-              <a:defRPr sz="2100"/>
+              <a:defRPr sz="4044"/>
             </a:lvl2pPr>
             <a:lvl3pPr>
-              <a:defRPr sz="1800"/>
+              <a:defRPr sz="3467"/>
             </a:lvl3pPr>
             <a:lvl4pPr>
-              <a:defRPr sz="1500"/>
+              <a:defRPr sz="2889"/>
             </a:lvl4pPr>
             <a:lvl5pPr>
-              <a:defRPr sz="1500"/>
+              <a:defRPr sz="2889"/>
             </a:lvl5pPr>
             <a:lvl6pPr>
-              <a:defRPr sz="1500"/>
+              <a:defRPr sz="2889"/>
             </a:lvl6pPr>
             <a:lvl7pPr>
-              <a:defRPr sz="1500"/>
+              <a:defRPr sz="2889"/>
             </a:lvl7pPr>
             <a:lvl8pPr>
-              <a:defRPr sz="1500"/>
+              <a:defRPr sz="2889"/>
             </a:lvl8pPr>
             <a:lvl9pPr>
-              <a:defRPr sz="1500"/>
+              <a:defRPr sz="2889"/>
             </a:lvl9pPr>
           </a:lstStyle>
           <a:p>
@@ -2028,8 +4339,8 @@
         </p:nvSpPr>
         <p:spPr>
           <a:xfrm>
-            <a:off x="472381" y="2971800"/>
-            <a:ext cx="2211884" cy="5505627"/>
+            <a:off x="1212992" y="2971800"/>
+            <a:ext cx="5679727" cy="5505627"/>
           </a:xfrm>
         </p:spPr>
         <p:txBody>
@@ -2037,39 +4348,39 @@
           <a:lstStyle>
             <a:lvl1pPr marL="0" indent="0">
               <a:buNone/>
-              <a:defRPr sz="1200"/>
+              <a:defRPr sz="2311"/>
             </a:lvl1pPr>
-            <a:lvl2pPr marL="342900" indent="0">
-              <a:buNone/>
-              <a:defRPr sz="1050"/>
+            <a:lvl2pPr marL="660380" indent="0">
+              <a:buNone/>
+              <a:defRPr sz="2022"/>
             </a:lvl2pPr>
-            <a:lvl3pPr marL="685800" indent="0">
-              <a:buNone/>
-              <a:defRPr sz="900"/>
+            <a:lvl3pPr marL="1320759" indent="0">
+              <a:buNone/>
+              <a:defRPr sz="1733"/>
             </a:lvl3pPr>
-            <a:lvl4pPr marL="1028700" indent="0">
-              <a:buNone/>
-              <a:defRPr sz="750"/>
+            <a:lvl4pPr marL="1981139" indent="0">
+              <a:buNone/>
+              <a:defRPr sz="1444"/>
             </a:lvl4pPr>
-            <a:lvl5pPr marL="1371600" indent="0">
-              <a:buNone/>
-              <a:defRPr sz="750"/>
+            <a:lvl5pPr marL="2641519" indent="0">
+              <a:buNone/>
+              <a:defRPr sz="1444"/>
             </a:lvl5pPr>
-            <a:lvl6pPr marL="1714500" indent="0">
-              <a:buNone/>
-              <a:defRPr sz="750"/>
+            <a:lvl6pPr marL="3301898" indent="0">
+              <a:buNone/>
+              <a:defRPr sz="1444"/>
             </a:lvl6pPr>
-            <a:lvl7pPr marL="2057400" indent="0">
-              <a:buNone/>
-              <a:defRPr sz="750"/>
+            <a:lvl7pPr marL="3962278" indent="0">
+              <a:buNone/>
+              <a:defRPr sz="1444"/>
             </a:lvl7pPr>
-            <a:lvl8pPr marL="2400300" indent="0">
-              <a:buNone/>
-              <a:defRPr sz="750"/>
+            <a:lvl8pPr marL="4622658" indent="0">
+              <a:buNone/>
+              <a:defRPr sz="1444"/>
             </a:lvl8pPr>
-            <a:lvl9pPr marL="2743200" indent="0">
-              <a:buNone/>
-              <a:defRPr sz="750"/>
+            <a:lvl9pPr marL="5283037" indent="0">
+              <a:buNone/>
+              <a:defRPr sz="1444"/>
             </a:lvl9pPr>
           </a:lstStyle>
           <a:p>
@@ -2098,7 +4409,7 @@
           <a:p>
             <a:fld id="{257A217A-5BE8-433A-B016-8BAC81D03FDC}" type="datetimeFigureOut">
               <a:rPr lang="en-GB" smtClean="0"/>
-              <a:t>10/10/2019</a:t>
+              <a:t>12/11/2019</a:t>
             </a:fld>
             <a:endParaRPr lang="en-GB"/>
           </a:p>
@@ -2149,7 +4460,7 @@
     </p:spTree>
     <p:extLst>
       <p:ext uri="{BB962C8B-B14F-4D97-AF65-F5344CB8AC3E}">
-        <p14:creationId xmlns:p14="http://schemas.microsoft.com/office/powerpoint/2010/main" val="1036895105"/>
+        <p14:creationId xmlns:p14="http://schemas.microsoft.com/office/powerpoint/2010/main" val="370278869"/>
       </p:ext>
     </p:extLst>
   </p:cSld>
@@ -2188,15 +4499,15 @@
         </p:nvSpPr>
         <p:spPr>
           <a:xfrm>
-            <a:off x="472381" y="660400"/>
-            <a:ext cx="2211884" cy="2311400"/>
+            <a:off x="1212992" y="660400"/>
+            <a:ext cx="5679727" cy="2311400"/>
           </a:xfrm>
         </p:spPr>
         <p:txBody>
           <a:bodyPr anchor="b"/>
           <a:lstStyle>
             <a:lvl1pPr>
-              <a:defRPr sz="2400"/>
+              <a:defRPr sz="4622"/>
             </a:lvl1pPr>
           </a:lstStyle>
           <a:p>
@@ -2220,8 +4531,8 @@
         </p:nvSpPr>
         <p:spPr>
           <a:xfrm>
-            <a:off x="2915543" y="1426283"/>
-            <a:ext cx="3471863" cy="7039681"/>
+            <a:off x="7486603" y="1426281"/>
+            <a:ext cx="8915132" cy="7039681"/>
           </a:xfrm>
         </p:spPr>
         <p:txBody>
@@ -2229,39 +4540,39 @@
           <a:lstStyle>
             <a:lvl1pPr marL="0" indent="0">
               <a:buNone/>
-              <a:defRPr sz="2400"/>
+              <a:defRPr sz="4622"/>
             </a:lvl1pPr>
-            <a:lvl2pPr marL="342900" indent="0">
-              <a:buNone/>
-              <a:defRPr sz="2100"/>
+            <a:lvl2pPr marL="660380" indent="0">
+              <a:buNone/>
+              <a:defRPr sz="4044"/>
             </a:lvl2pPr>
-            <a:lvl3pPr marL="685800" indent="0">
-              <a:buNone/>
-              <a:defRPr sz="1800"/>
+            <a:lvl3pPr marL="1320759" indent="0">
+              <a:buNone/>
+              <a:defRPr sz="3467"/>
             </a:lvl3pPr>
-            <a:lvl4pPr marL="1028700" indent="0">
-              <a:buNone/>
-              <a:defRPr sz="1500"/>
+            <a:lvl4pPr marL="1981139" indent="0">
+              <a:buNone/>
+              <a:defRPr sz="2889"/>
             </a:lvl4pPr>
-            <a:lvl5pPr marL="1371600" indent="0">
-              <a:buNone/>
-              <a:defRPr sz="1500"/>
+            <a:lvl5pPr marL="2641519" indent="0">
+              <a:buNone/>
+              <a:defRPr sz="2889"/>
             </a:lvl5pPr>
-            <a:lvl6pPr marL="1714500" indent="0">
-              <a:buNone/>
-              <a:defRPr sz="1500"/>
+            <a:lvl6pPr marL="3301898" indent="0">
+              <a:buNone/>
+              <a:defRPr sz="2889"/>
             </a:lvl6pPr>
-            <a:lvl7pPr marL="2057400" indent="0">
-              <a:buNone/>
-              <a:defRPr sz="1500"/>
+            <a:lvl7pPr marL="3962278" indent="0">
+              <a:buNone/>
+              <a:defRPr sz="2889"/>
             </a:lvl7pPr>
-            <a:lvl8pPr marL="2400300" indent="0">
-              <a:buNone/>
-              <a:defRPr sz="1500"/>
+            <a:lvl8pPr marL="4622658" indent="0">
+              <a:buNone/>
+              <a:defRPr sz="2889"/>
             </a:lvl8pPr>
-            <a:lvl9pPr marL="2743200" indent="0">
-              <a:buNone/>
-              <a:defRPr sz="1500"/>
+            <a:lvl9pPr marL="5283037" indent="0">
+              <a:buNone/>
+              <a:defRPr sz="2889"/>
             </a:lvl9pPr>
           </a:lstStyle>
           <a:p>
@@ -2285,8 +4596,8 @@
         </p:nvSpPr>
         <p:spPr>
           <a:xfrm>
-            <a:off x="472381" y="2971800"/>
-            <a:ext cx="2211884" cy="5505627"/>
+            <a:off x="1212992" y="2971800"/>
+            <a:ext cx="5679727" cy="5505627"/>
           </a:xfrm>
         </p:spPr>
         <p:txBody>
@@ -2294,39 +4605,39 @@
           <a:lstStyle>
             <a:lvl1pPr marL="0" indent="0">
               <a:buNone/>
-              <a:defRPr sz="1200"/>
+              <a:defRPr sz="2311"/>
             </a:lvl1pPr>
-            <a:lvl2pPr marL="342900" indent="0">
-              <a:buNone/>
-              <a:defRPr sz="1050"/>
+            <a:lvl2pPr marL="660380" indent="0">
+              <a:buNone/>
+              <a:defRPr sz="2022"/>
             </a:lvl2pPr>
-            <a:lvl3pPr marL="685800" indent="0">
-              <a:buNone/>
-              <a:defRPr sz="900"/>
+            <a:lvl3pPr marL="1320759" indent="0">
+              <a:buNone/>
+              <a:defRPr sz="1733"/>
             </a:lvl3pPr>
-            <a:lvl4pPr marL="1028700" indent="0">
-              <a:buNone/>
-              <a:defRPr sz="750"/>
+            <a:lvl4pPr marL="1981139" indent="0">
+              <a:buNone/>
+              <a:defRPr sz="1444"/>
             </a:lvl4pPr>
-            <a:lvl5pPr marL="1371600" indent="0">
-              <a:buNone/>
-              <a:defRPr sz="750"/>
+            <a:lvl5pPr marL="2641519" indent="0">
+              <a:buNone/>
+              <a:defRPr sz="1444"/>
             </a:lvl5pPr>
-            <a:lvl6pPr marL="1714500" indent="0">
-              <a:buNone/>
-              <a:defRPr sz="750"/>
+            <a:lvl6pPr marL="3301898" indent="0">
+              <a:buNone/>
+              <a:defRPr sz="1444"/>
             </a:lvl6pPr>
-            <a:lvl7pPr marL="2057400" indent="0">
-              <a:buNone/>
-              <a:defRPr sz="750"/>
+            <a:lvl7pPr marL="3962278" indent="0">
+              <a:buNone/>
+              <a:defRPr sz="1444"/>
             </a:lvl7pPr>
-            <a:lvl8pPr marL="2400300" indent="0">
-              <a:buNone/>
-              <a:defRPr sz="750"/>
+            <a:lvl8pPr marL="4622658" indent="0">
+              <a:buNone/>
+              <a:defRPr sz="1444"/>
             </a:lvl8pPr>
-            <a:lvl9pPr marL="2743200" indent="0">
-              <a:buNone/>
-              <a:defRPr sz="750"/>
+            <a:lvl9pPr marL="5283037" indent="0">
+              <a:buNone/>
+              <a:defRPr sz="1444"/>
             </a:lvl9pPr>
           </a:lstStyle>
           <a:p>
@@ -2355,7 +4666,7 @@
           <a:p>
             <a:fld id="{257A217A-5BE8-433A-B016-8BAC81D03FDC}" type="datetimeFigureOut">
               <a:rPr lang="en-GB" smtClean="0"/>
-              <a:t>10/10/2019</a:t>
+              <a:t>12/11/2019</a:t>
             </a:fld>
             <a:endParaRPr lang="en-GB"/>
           </a:p>
@@ -2406,7 +4717,7 @@
     </p:spTree>
     <p:extLst>
       <p:ext uri="{BB962C8B-B14F-4D97-AF65-F5344CB8AC3E}">
-        <p14:creationId xmlns:p14="http://schemas.microsoft.com/office/powerpoint/2010/main" val="4095642743"/>
+        <p14:creationId xmlns:p14="http://schemas.microsoft.com/office/powerpoint/2010/main" val="456958620"/>
       </p:ext>
     </p:extLst>
   </p:cSld>
@@ -2450,8 +4761,8 @@
         </p:nvSpPr>
         <p:spPr>
           <a:xfrm>
-            <a:off x="471488" y="527405"/>
-            <a:ext cx="5915025" cy="1914702"/>
+            <a:off x="1210697" y="527404"/>
+            <a:ext cx="15188744" cy="1914702"/>
           </a:xfrm>
           <a:prstGeom prst="rect">
             <a:avLst/>
@@ -2483,8 +4794,8 @@
         </p:nvSpPr>
         <p:spPr>
           <a:xfrm>
-            <a:off x="471488" y="2637014"/>
-            <a:ext cx="5915025" cy="6285266"/>
+            <a:off x="1210697" y="2637014"/>
+            <a:ext cx="15188744" cy="6285266"/>
           </a:xfrm>
           <a:prstGeom prst="rect">
             <a:avLst/>
@@ -2545,8 +4856,8 @@
         </p:nvSpPr>
         <p:spPr>
           <a:xfrm>
-            <a:off x="471488" y="9181397"/>
-            <a:ext cx="1543050" cy="527403"/>
+            <a:off x="1210697" y="9181395"/>
+            <a:ext cx="3962281" cy="527403"/>
           </a:xfrm>
           <a:prstGeom prst="rect">
             <a:avLst/>
@@ -2556,7 +4867,7 @@
           <a:bodyPr vert="horz" lIns="91440" tIns="45720" rIns="91440" bIns="45720" rtlCol="0" anchor="ctr"/>
           <a:lstStyle>
             <a:lvl1pPr algn="l">
-              <a:defRPr sz="900">
+              <a:defRPr sz="1733">
                 <a:solidFill>
                   <a:schemeClr val="tx1">
                     <a:tint val="75000"/>
@@ -2568,7 +4879,7 @@
           <a:p>
             <a:fld id="{257A217A-5BE8-433A-B016-8BAC81D03FDC}" type="datetimeFigureOut">
               <a:rPr lang="en-GB" smtClean="0"/>
-              <a:t>10/10/2019</a:t>
+              <a:t>12/11/2019</a:t>
             </a:fld>
             <a:endParaRPr lang="en-GB"/>
           </a:p>
@@ -2586,8 +4897,8 @@
         </p:nvSpPr>
         <p:spPr>
           <a:xfrm>
-            <a:off x="2271713" y="9181397"/>
-            <a:ext cx="2314575" cy="527403"/>
+            <a:off x="5833358" y="9181395"/>
+            <a:ext cx="5943422" cy="527403"/>
           </a:xfrm>
           <a:prstGeom prst="rect">
             <a:avLst/>
@@ -2597,7 +4908,7 @@
           <a:bodyPr vert="horz" lIns="91440" tIns="45720" rIns="91440" bIns="45720" rtlCol="0" anchor="ctr"/>
           <a:lstStyle>
             <a:lvl1pPr algn="ctr">
-              <a:defRPr sz="900">
+              <a:defRPr sz="1733">
                 <a:solidFill>
                   <a:schemeClr val="tx1">
                     <a:tint val="75000"/>
@@ -2623,8 +4934,8 @@
         </p:nvSpPr>
         <p:spPr>
           <a:xfrm>
-            <a:off x="4843463" y="9181397"/>
-            <a:ext cx="1543050" cy="527403"/>
+            <a:off x="12437160" y="9181395"/>
+            <a:ext cx="3962281" cy="527403"/>
           </a:xfrm>
           <a:prstGeom prst="rect">
             <a:avLst/>
@@ -2634,7 +4945,7 @@
           <a:bodyPr vert="horz" lIns="91440" tIns="45720" rIns="91440" bIns="45720" rtlCol="0" anchor="ctr"/>
           <a:lstStyle>
             <a:lvl1pPr algn="r">
-              <a:defRPr sz="900">
+              <a:defRPr sz="1733">
                 <a:solidFill>
                   <a:schemeClr val="tx1">
                     <a:tint val="75000"/>
@@ -2655,27 +4966,27 @@
     </p:spTree>
     <p:extLst>
       <p:ext uri="{BB962C8B-B14F-4D97-AF65-F5344CB8AC3E}">
-        <p14:creationId xmlns:p14="http://schemas.microsoft.com/office/powerpoint/2010/main" val="1199300573"/>
+        <p14:creationId xmlns:p14="http://schemas.microsoft.com/office/powerpoint/2010/main" val="1340900035"/>
       </p:ext>
     </p:extLst>
   </p:cSld>
   <p:clrMap bg1="lt1" tx1="dk1" bg2="lt2" tx2="dk2" accent1="accent1" accent2="accent2" accent3="accent3" accent4="accent4" accent5="accent5" accent6="accent6" hlink="hlink" folHlink="folHlink"/>
   <p:sldLayoutIdLst>
-    <p:sldLayoutId id="2147483673" r:id="rId1"/>
-    <p:sldLayoutId id="2147483674" r:id="rId2"/>
-    <p:sldLayoutId id="2147483675" r:id="rId3"/>
-    <p:sldLayoutId id="2147483676" r:id="rId4"/>
-    <p:sldLayoutId id="2147483677" r:id="rId5"/>
-    <p:sldLayoutId id="2147483678" r:id="rId6"/>
-    <p:sldLayoutId id="2147483679" r:id="rId7"/>
-    <p:sldLayoutId id="2147483680" r:id="rId8"/>
-    <p:sldLayoutId id="2147483681" r:id="rId9"/>
-    <p:sldLayoutId id="2147483682" r:id="rId10"/>
-    <p:sldLayoutId id="2147483683" r:id="rId11"/>
+    <p:sldLayoutId id="2147483685" r:id="rId1"/>
+    <p:sldLayoutId id="2147483686" r:id="rId2"/>
+    <p:sldLayoutId id="2147483687" r:id="rId3"/>
+    <p:sldLayoutId id="2147483688" r:id="rId4"/>
+    <p:sldLayoutId id="2147483689" r:id="rId5"/>
+    <p:sldLayoutId id="2147483690" r:id="rId6"/>
+    <p:sldLayoutId id="2147483691" r:id="rId7"/>
+    <p:sldLayoutId id="2147483692" r:id="rId8"/>
+    <p:sldLayoutId id="2147483693" r:id="rId9"/>
+    <p:sldLayoutId id="2147483694" r:id="rId10"/>
+    <p:sldLayoutId id="2147483695" r:id="rId11"/>
   </p:sldLayoutIdLst>
   <p:txStyles>
     <p:titleStyle>
-      <a:lvl1pPr algn="l" defTabSz="685800" rtl="0" eaLnBrk="1" latinLnBrk="0" hangingPunct="1">
+      <a:lvl1pPr algn="l" defTabSz="1320759" rtl="0" eaLnBrk="1" latinLnBrk="0" hangingPunct="1">
         <a:lnSpc>
           <a:spcPct val="90000"/>
         </a:lnSpc>
@@ -2683,7 +4994,7 @@
           <a:spcPct val="0"/>
         </a:spcBef>
         <a:buNone/>
-        <a:defRPr sz="3300" kern="1200">
+        <a:defRPr sz="6355" kern="1200">
           <a:solidFill>
             <a:schemeClr val="tx1"/>
           </a:solidFill>
@@ -2694,16 +5005,16 @@
       </a:lvl1pPr>
     </p:titleStyle>
     <p:bodyStyle>
-      <a:lvl1pPr marL="171450" indent="-171450" algn="l" defTabSz="685800" rtl="0" eaLnBrk="1" latinLnBrk="0" hangingPunct="1">
+      <a:lvl1pPr marL="330190" indent="-330190" algn="l" defTabSz="1320759" rtl="0" eaLnBrk="1" latinLnBrk="0" hangingPunct="1">
         <a:lnSpc>
           <a:spcPct val="90000"/>
         </a:lnSpc>
         <a:spcBef>
-          <a:spcPts val="750"/>
+          <a:spcPts val="1444"/>
         </a:spcBef>
         <a:buFont typeface="Arial" panose="020B0604020202020204" pitchFamily="34" charset="0"/>
         <a:buChar char="•"/>
-        <a:defRPr sz="2100" kern="1200">
+        <a:defRPr sz="4044" kern="1200">
           <a:solidFill>
             <a:schemeClr val="tx1"/>
           </a:solidFill>
@@ -2712,16 +5023,16 @@
           <a:cs typeface="+mn-cs"/>
         </a:defRPr>
       </a:lvl1pPr>
-      <a:lvl2pPr marL="514350" indent="-171450" algn="l" defTabSz="685800" rtl="0" eaLnBrk="1" latinLnBrk="0" hangingPunct="1">
+      <a:lvl2pPr marL="990570" indent="-330190" algn="l" defTabSz="1320759" rtl="0" eaLnBrk="1" latinLnBrk="0" hangingPunct="1">
         <a:lnSpc>
           <a:spcPct val="90000"/>
         </a:lnSpc>
         <a:spcBef>
-          <a:spcPts val="375"/>
+          <a:spcPts val="722"/>
         </a:spcBef>
         <a:buFont typeface="Arial" panose="020B0604020202020204" pitchFamily="34" charset="0"/>
         <a:buChar char="•"/>
-        <a:defRPr sz="1800" kern="1200">
+        <a:defRPr sz="3467" kern="1200">
           <a:solidFill>
             <a:schemeClr val="tx1"/>
           </a:solidFill>
@@ -2730,16 +5041,16 @@
           <a:cs typeface="+mn-cs"/>
         </a:defRPr>
       </a:lvl2pPr>
-      <a:lvl3pPr marL="857250" indent="-171450" algn="l" defTabSz="685800" rtl="0" eaLnBrk="1" latinLnBrk="0" hangingPunct="1">
+      <a:lvl3pPr marL="1650949" indent="-330190" algn="l" defTabSz="1320759" rtl="0" eaLnBrk="1" latinLnBrk="0" hangingPunct="1">
         <a:lnSpc>
           <a:spcPct val="90000"/>
         </a:lnSpc>
         <a:spcBef>
-          <a:spcPts val="375"/>
+          <a:spcPts val="722"/>
         </a:spcBef>
         <a:buFont typeface="Arial" panose="020B0604020202020204" pitchFamily="34" charset="0"/>
         <a:buChar char="•"/>
-        <a:defRPr sz="1500" kern="1200">
+        <a:defRPr sz="2889" kern="1200">
           <a:solidFill>
             <a:schemeClr val="tx1"/>
           </a:solidFill>
@@ -2748,16 +5059,16 @@
           <a:cs typeface="+mn-cs"/>
         </a:defRPr>
       </a:lvl3pPr>
-      <a:lvl4pPr marL="1200150" indent="-171450" algn="l" defTabSz="685800" rtl="0" eaLnBrk="1" latinLnBrk="0" hangingPunct="1">
+      <a:lvl4pPr marL="2311329" indent="-330190" algn="l" defTabSz="1320759" rtl="0" eaLnBrk="1" latinLnBrk="0" hangingPunct="1">
         <a:lnSpc>
           <a:spcPct val="90000"/>
         </a:lnSpc>
         <a:spcBef>
-          <a:spcPts val="375"/>
+          <a:spcPts val="722"/>
         </a:spcBef>
         <a:buFont typeface="Arial" panose="020B0604020202020204" pitchFamily="34" charset="0"/>
         <a:buChar char="•"/>
-        <a:defRPr sz="1350" kern="1200">
+        <a:defRPr sz="2600" kern="1200">
           <a:solidFill>
             <a:schemeClr val="tx1"/>
           </a:solidFill>
@@ -2766,16 +5077,16 @@
           <a:cs typeface="+mn-cs"/>
         </a:defRPr>
       </a:lvl4pPr>
-      <a:lvl5pPr marL="1543050" indent="-171450" algn="l" defTabSz="685800" rtl="0" eaLnBrk="1" latinLnBrk="0" hangingPunct="1">
+      <a:lvl5pPr marL="2971709" indent="-330190" algn="l" defTabSz="1320759" rtl="0" eaLnBrk="1" latinLnBrk="0" hangingPunct="1">
         <a:lnSpc>
           <a:spcPct val="90000"/>
         </a:lnSpc>
         <a:spcBef>
-          <a:spcPts val="375"/>
+          <a:spcPts val="722"/>
         </a:spcBef>
         <a:buFont typeface="Arial" panose="020B0604020202020204" pitchFamily="34" charset="0"/>
         <a:buChar char="•"/>
-        <a:defRPr sz="1350" kern="1200">
+        <a:defRPr sz="2600" kern="1200">
           <a:solidFill>
             <a:schemeClr val="tx1"/>
           </a:solidFill>
@@ -2784,16 +5095,16 @@
           <a:cs typeface="+mn-cs"/>
         </a:defRPr>
       </a:lvl5pPr>
-      <a:lvl6pPr marL="1885950" indent="-171450" algn="l" defTabSz="685800" rtl="0" eaLnBrk="1" latinLnBrk="0" hangingPunct="1">
+      <a:lvl6pPr marL="3632088" indent="-330190" algn="l" defTabSz="1320759" rtl="0" eaLnBrk="1" latinLnBrk="0" hangingPunct="1">
         <a:lnSpc>
           <a:spcPct val="90000"/>
         </a:lnSpc>
         <a:spcBef>
-          <a:spcPts val="375"/>
+          <a:spcPts val="722"/>
         </a:spcBef>
         <a:buFont typeface="Arial" panose="020B0604020202020204" pitchFamily="34" charset="0"/>
         <a:buChar char="•"/>
-        <a:defRPr sz="1350" kern="1200">
+        <a:defRPr sz="2600" kern="1200">
           <a:solidFill>
             <a:schemeClr val="tx1"/>
           </a:solidFill>
@@ -2802,16 +5113,16 @@
           <a:cs typeface="+mn-cs"/>
         </a:defRPr>
       </a:lvl6pPr>
-      <a:lvl7pPr marL="2228850" indent="-171450" algn="l" defTabSz="685800" rtl="0" eaLnBrk="1" latinLnBrk="0" hangingPunct="1">
+      <a:lvl7pPr marL="4292468" indent="-330190" algn="l" defTabSz="1320759" rtl="0" eaLnBrk="1" latinLnBrk="0" hangingPunct="1">
         <a:lnSpc>
           <a:spcPct val="90000"/>
         </a:lnSpc>
         <a:spcBef>
-          <a:spcPts val="375"/>
+          <a:spcPts val="722"/>
         </a:spcBef>
         <a:buFont typeface="Arial" panose="020B0604020202020204" pitchFamily="34" charset="0"/>
         <a:buChar char="•"/>
-        <a:defRPr sz="1350" kern="1200">
+        <a:defRPr sz="2600" kern="1200">
           <a:solidFill>
             <a:schemeClr val="tx1"/>
           </a:solidFill>
@@ -2820,16 +5131,16 @@
           <a:cs typeface="+mn-cs"/>
         </a:defRPr>
       </a:lvl7pPr>
-      <a:lvl8pPr marL="2571750" indent="-171450" algn="l" defTabSz="685800" rtl="0" eaLnBrk="1" latinLnBrk="0" hangingPunct="1">
+      <a:lvl8pPr marL="4952848" indent="-330190" algn="l" defTabSz="1320759" rtl="0" eaLnBrk="1" latinLnBrk="0" hangingPunct="1">
         <a:lnSpc>
           <a:spcPct val="90000"/>
         </a:lnSpc>
         <a:spcBef>
-          <a:spcPts val="375"/>
+          <a:spcPts val="722"/>
         </a:spcBef>
         <a:buFont typeface="Arial" panose="020B0604020202020204" pitchFamily="34" charset="0"/>
         <a:buChar char="•"/>
-        <a:defRPr sz="1350" kern="1200">
+        <a:defRPr sz="2600" kern="1200">
           <a:solidFill>
             <a:schemeClr val="tx1"/>
           </a:solidFill>
@@ -2838,16 +5149,16 @@
           <a:cs typeface="+mn-cs"/>
         </a:defRPr>
       </a:lvl8pPr>
-      <a:lvl9pPr marL="2914650" indent="-171450" algn="l" defTabSz="685800" rtl="0" eaLnBrk="1" latinLnBrk="0" hangingPunct="1">
+      <a:lvl9pPr marL="5613227" indent="-330190" algn="l" defTabSz="1320759" rtl="0" eaLnBrk="1" latinLnBrk="0" hangingPunct="1">
         <a:lnSpc>
           <a:spcPct val="90000"/>
         </a:lnSpc>
         <a:spcBef>
-          <a:spcPts val="375"/>
+          <a:spcPts val="722"/>
         </a:spcBef>
         <a:buFont typeface="Arial" panose="020B0604020202020204" pitchFamily="34" charset="0"/>
         <a:buChar char="•"/>
-        <a:defRPr sz="1350" kern="1200">
+        <a:defRPr sz="2600" kern="1200">
           <a:solidFill>
             <a:schemeClr val="tx1"/>
           </a:solidFill>
@@ -2861,8 +5172,8 @@
       <a:defPPr>
         <a:defRPr lang="en-US"/>
       </a:defPPr>
-      <a:lvl1pPr marL="0" algn="l" defTabSz="685800" rtl="0" eaLnBrk="1" latinLnBrk="0" hangingPunct="1">
-        <a:defRPr sz="1350" kern="1200">
+      <a:lvl1pPr marL="0" algn="l" defTabSz="1320759" rtl="0" eaLnBrk="1" latinLnBrk="0" hangingPunct="1">
+        <a:defRPr sz="2600" kern="1200">
           <a:solidFill>
             <a:schemeClr val="tx1"/>
           </a:solidFill>
@@ -2871,8 +5182,8 @@
           <a:cs typeface="+mn-cs"/>
         </a:defRPr>
       </a:lvl1pPr>
-      <a:lvl2pPr marL="342900" algn="l" defTabSz="685800" rtl="0" eaLnBrk="1" latinLnBrk="0" hangingPunct="1">
-        <a:defRPr sz="1350" kern="1200">
+      <a:lvl2pPr marL="660380" algn="l" defTabSz="1320759" rtl="0" eaLnBrk="1" latinLnBrk="0" hangingPunct="1">
+        <a:defRPr sz="2600" kern="1200">
           <a:solidFill>
             <a:schemeClr val="tx1"/>
           </a:solidFill>
@@ -2881,8 +5192,8 @@
           <a:cs typeface="+mn-cs"/>
         </a:defRPr>
       </a:lvl2pPr>
-      <a:lvl3pPr marL="685800" algn="l" defTabSz="685800" rtl="0" eaLnBrk="1" latinLnBrk="0" hangingPunct="1">
-        <a:defRPr sz="1350" kern="1200">
+      <a:lvl3pPr marL="1320759" algn="l" defTabSz="1320759" rtl="0" eaLnBrk="1" latinLnBrk="0" hangingPunct="1">
+        <a:defRPr sz="2600" kern="1200">
           <a:solidFill>
             <a:schemeClr val="tx1"/>
           </a:solidFill>
@@ -2891,8 +5202,8 @@
           <a:cs typeface="+mn-cs"/>
         </a:defRPr>
       </a:lvl3pPr>
-      <a:lvl4pPr marL="1028700" algn="l" defTabSz="685800" rtl="0" eaLnBrk="1" latinLnBrk="0" hangingPunct="1">
-        <a:defRPr sz="1350" kern="1200">
+      <a:lvl4pPr marL="1981139" algn="l" defTabSz="1320759" rtl="0" eaLnBrk="1" latinLnBrk="0" hangingPunct="1">
+        <a:defRPr sz="2600" kern="1200">
           <a:solidFill>
             <a:schemeClr val="tx1"/>
           </a:solidFill>
@@ -2901,8 +5212,8 @@
           <a:cs typeface="+mn-cs"/>
         </a:defRPr>
       </a:lvl4pPr>
-      <a:lvl5pPr marL="1371600" algn="l" defTabSz="685800" rtl="0" eaLnBrk="1" latinLnBrk="0" hangingPunct="1">
-        <a:defRPr sz="1350" kern="1200">
+      <a:lvl5pPr marL="2641519" algn="l" defTabSz="1320759" rtl="0" eaLnBrk="1" latinLnBrk="0" hangingPunct="1">
+        <a:defRPr sz="2600" kern="1200">
           <a:solidFill>
             <a:schemeClr val="tx1"/>
           </a:solidFill>
@@ -2911,8 +5222,8 @@
           <a:cs typeface="+mn-cs"/>
         </a:defRPr>
       </a:lvl5pPr>
-      <a:lvl6pPr marL="1714500" algn="l" defTabSz="685800" rtl="0" eaLnBrk="1" latinLnBrk="0" hangingPunct="1">
-        <a:defRPr sz="1350" kern="1200">
+      <a:lvl6pPr marL="3301898" algn="l" defTabSz="1320759" rtl="0" eaLnBrk="1" latinLnBrk="0" hangingPunct="1">
+        <a:defRPr sz="2600" kern="1200">
           <a:solidFill>
             <a:schemeClr val="tx1"/>
           </a:solidFill>
@@ -2921,8 +5232,8 @@
           <a:cs typeface="+mn-cs"/>
         </a:defRPr>
       </a:lvl6pPr>
-      <a:lvl7pPr marL="2057400" algn="l" defTabSz="685800" rtl="0" eaLnBrk="1" latinLnBrk="0" hangingPunct="1">
-        <a:defRPr sz="1350" kern="1200">
+      <a:lvl7pPr marL="3962278" algn="l" defTabSz="1320759" rtl="0" eaLnBrk="1" latinLnBrk="0" hangingPunct="1">
+        <a:defRPr sz="2600" kern="1200">
           <a:solidFill>
             <a:schemeClr val="tx1"/>
           </a:solidFill>
@@ -2931,8 +5242,8 @@
           <a:cs typeface="+mn-cs"/>
         </a:defRPr>
       </a:lvl7pPr>
-      <a:lvl8pPr marL="2400300" algn="l" defTabSz="685800" rtl="0" eaLnBrk="1" latinLnBrk="0" hangingPunct="1">
-        <a:defRPr sz="1350" kern="1200">
+      <a:lvl8pPr marL="4622658" algn="l" defTabSz="1320759" rtl="0" eaLnBrk="1" latinLnBrk="0" hangingPunct="1">
+        <a:defRPr sz="2600" kern="1200">
           <a:solidFill>
             <a:schemeClr val="tx1"/>
           </a:solidFill>
@@ -2941,8 +5252,549 @@
           <a:cs typeface="+mn-cs"/>
         </a:defRPr>
       </a:lvl8pPr>
-      <a:lvl9pPr marL="2743200" algn="l" defTabSz="685800" rtl="0" eaLnBrk="1" latinLnBrk="0" hangingPunct="1">
-        <a:defRPr sz="1350" kern="1200">
+      <a:lvl9pPr marL="5283037" algn="l" defTabSz="1320759" rtl="0" eaLnBrk="1" latinLnBrk="0" hangingPunct="1">
+        <a:defRPr sz="2600" kern="1200">
+          <a:solidFill>
+            <a:schemeClr val="tx1"/>
+          </a:solidFill>
+          <a:latin typeface="+mn-lt"/>
+          <a:ea typeface="+mn-ea"/>
+          <a:cs typeface="+mn-cs"/>
+        </a:defRPr>
+      </a:lvl9pPr>
+    </p:otherStyle>
+  </p:txStyles>
+</p:sldMaster>
+</file>
+
+<file path=ppt/slideMasters/slideMaster2.xml><?xml version="1.0" encoding="utf-8"?>
+<p:sldMaster xmlns:a="http://schemas.openxmlformats.org/drawingml/2006/main" xmlns:r="http://schemas.openxmlformats.org/officeDocument/2006/relationships" xmlns:p="http://schemas.openxmlformats.org/presentationml/2006/main">
+  <p:cSld>
+    <p:bg>
+      <p:bgRef idx="1001">
+        <a:schemeClr val="bg1"/>
+      </p:bgRef>
+    </p:bg>
+    <p:spTree>
+      <p:nvGrpSpPr>
+        <p:cNvPr id="1" name=""/>
+        <p:cNvGrpSpPr/>
+        <p:nvPr/>
+      </p:nvGrpSpPr>
+      <p:grpSpPr>
+        <a:xfrm>
+          <a:off x="0" y="0"/>
+          <a:ext cx="0" cy="0"/>
+          <a:chOff x="0" y="0"/>
+          <a:chExt cx="0" cy="0"/>
+        </a:xfrm>
+      </p:grpSpPr>
+      <p:sp>
+        <p:nvSpPr>
+          <p:cNvPr id="2" name="Title Placeholder 1"/>
+          <p:cNvSpPr>
+            <a:spLocks noGrp="1"/>
+          </p:cNvSpPr>
+          <p:nvPr>
+            <p:ph type="title"/>
+          </p:nvPr>
+        </p:nvSpPr>
+        <p:spPr>
+          <a:xfrm>
+            <a:off x="1210698" y="527406"/>
+            <a:ext cx="15188744" cy="1914702"/>
+          </a:xfrm>
+          <a:prstGeom prst="rect">
+            <a:avLst/>
+          </a:prstGeom>
+        </p:spPr>
+        <p:txBody>
+          <a:bodyPr vert="horz" lIns="91440" tIns="45720" rIns="91440" bIns="45720" rtlCol="0" anchor="ctr">
+            <a:normAutofit/>
+          </a:bodyPr>
+          <a:lstStyle/>
+          <a:p>
+            <a:r>
+              <a:rPr lang="en-US" smtClean="0"/>
+              <a:t>Click to edit Master title style</a:t>
+            </a:r>
+            <a:endParaRPr lang="en-GB"/>
+          </a:p>
+        </p:txBody>
+      </p:sp>
+      <p:sp>
+        <p:nvSpPr>
+          <p:cNvPr id="3" name="Text Placeholder 2"/>
+          <p:cNvSpPr>
+            <a:spLocks noGrp="1"/>
+          </p:cNvSpPr>
+          <p:nvPr>
+            <p:ph type="body" idx="1"/>
+          </p:nvPr>
+        </p:nvSpPr>
+        <p:spPr>
+          <a:xfrm>
+            <a:off x="1210698" y="2637014"/>
+            <a:ext cx="15188744" cy="6285266"/>
+          </a:xfrm>
+          <a:prstGeom prst="rect">
+            <a:avLst/>
+          </a:prstGeom>
+        </p:spPr>
+        <p:txBody>
+          <a:bodyPr vert="horz" lIns="91440" tIns="45720" rIns="91440" bIns="45720" rtlCol="0">
+            <a:normAutofit/>
+          </a:bodyPr>
+          <a:lstStyle/>
+          <a:p>
+            <a:pPr lvl="0"/>
+            <a:r>
+              <a:rPr lang="en-US" smtClean="0"/>
+              <a:t>Edit Master text styles</a:t>
+            </a:r>
+          </a:p>
+          <a:p>
+            <a:pPr lvl="1"/>
+            <a:r>
+              <a:rPr lang="en-US" smtClean="0"/>
+              <a:t>Second level</a:t>
+            </a:r>
+          </a:p>
+          <a:p>
+            <a:pPr lvl="2"/>
+            <a:r>
+              <a:rPr lang="en-US" smtClean="0"/>
+              <a:t>Third level</a:t>
+            </a:r>
+          </a:p>
+          <a:p>
+            <a:pPr lvl="3"/>
+            <a:r>
+              <a:rPr lang="en-US" smtClean="0"/>
+              <a:t>Fourth level</a:t>
+            </a:r>
+          </a:p>
+          <a:p>
+            <a:pPr lvl="4"/>
+            <a:r>
+              <a:rPr lang="en-US" smtClean="0"/>
+              <a:t>Fifth level</a:t>
+            </a:r>
+            <a:endParaRPr lang="en-GB"/>
+          </a:p>
+        </p:txBody>
+      </p:sp>
+      <p:sp>
+        <p:nvSpPr>
+          <p:cNvPr id="4" name="Date Placeholder 3"/>
+          <p:cNvSpPr>
+            <a:spLocks noGrp="1"/>
+          </p:cNvSpPr>
+          <p:nvPr>
+            <p:ph type="dt" sz="half" idx="2"/>
+          </p:nvPr>
+        </p:nvSpPr>
+        <p:spPr>
+          <a:xfrm>
+            <a:off x="1210698" y="9181398"/>
+            <a:ext cx="3962281" cy="527403"/>
+          </a:xfrm>
+          <a:prstGeom prst="rect">
+            <a:avLst/>
+          </a:prstGeom>
+        </p:spPr>
+        <p:txBody>
+          <a:bodyPr vert="horz" lIns="91440" tIns="45720" rIns="91440" bIns="45720" rtlCol="0" anchor="ctr"/>
+          <a:lstStyle>
+            <a:lvl1pPr algn="l">
+              <a:defRPr sz="1733">
+                <a:solidFill>
+                  <a:schemeClr val="tx1">
+                    <a:tint val="75000"/>
+                  </a:schemeClr>
+                </a:solidFill>
+              </a:defRPr>
+            </a:lvl1pPr>
+          </a:lstStyle>
+          <a:p>
+            <a:fld id="{F9A7F862-8165-4259-9831-4EF921D9C164}" type="datetimeFigureOut">
+              <a:rPr lang="en-GB" smtClean="0"/>
+              <a:t>12/11/2019</a:t>
+            </a:fld>
+            <a:endParaRPr lang="en-GB"/>
+          </a:p>
+        </p:txBody>
+      </p:sp>
+      <p:sp>
+        <p:nvSpPr>
+          <p:cNvPr id="5" name="Footer Placeholder 4"/>
+          <p:cNvSpPr>
+            <a:spLocks noGrp="1"/>
+          </p:cNvSpPr>
+          <p:nvPr>
+            <p:ph type="ftr" sz="quarter" idx="3"/>
+          </p:nvPr>
+        </p:nvSpPr>
+        <p:spPr>
+          <a:xfrm>
+            <a:off x="5833359" y="9181398"/>
+            <a:ext cx="5943422" cy="527403"/>
+          </a:xfrm>
+          <a:prstGeom prst="rect">
+            <a:avLst/>
+          </a:prstGeom>
+        </p:spPr>
+        <p:txBody>
+          <a:bodyPr vert="horz" lIns="91440" tIns="45720" rIns="91440" bIns="45720" rtlCol="0" anchor="ctr"/>
+          <a:lstStyle>
+            <a:lvl1pPr algn="ctr">
+              <a:defRPr sz="1733">
+                <a:solidFill>
+                  <a:schemeClr val="tx1">
+                    <a:tint val="75000"/>
+                  </a:schemeClr>
+                </a:solidFill>
+              </a:defRPr>
+            </a:lvl1pPr>
+          </a:lstStyle>
+          <a:p>
+            <a:endParaRPr lang="en-GB"/>
+          </a:p>
+        </p:txBody>
+      </p:sp>
+      <p:sp>
+        <p:nvSpPr>
+          <p:cNvPr id="6" name="Slide Number Placeholder 5"/>
+          <p:cNvSpPr>
+            <a:spLocks noGrp="1"/>
+          </p:cNvSpPr>
+          <p:nvPr>
+            <p:ph type="sldNum" sz="quarter" idx="4"/>
+          </p:nvPr>
+        </p:nvSpPr>
+        <p:spPr>
+          <a:xfrm>
+            <a:off x="12437160" y="9181398"/>
+            <a:ext cx="3962281" cy="527403"/>
+          </a:xfrm>
+          <a:prstGeom prst="rect">
+            <a:avLst/>
+          </a:prstGeom>
+        </p:spPr>
+        <p:txBody>
+          <a:bodyPr vert="horz" lIns="91440" tIns="45720" rIns="91440" bIns="45720" rtlCol="0" anchor="ctr"/>
+          <a:lstStyle>
+            <a:lvl1pPr algn="r">
+              <a:defRPr sz="1733">
+                <a:solidFill>
+                  <a:schemeClr val="tx1">
+                    <a:tint val="75000"/>
+                  </a:schemeClr>
+                </a:solidFill>
+              </a:defRPr>
+            </a:lvl1pPr>
+          </a:lstStyle>
+          <a:p>
+            <a:fld id="{26407377-0CCB-4A22-B35B-EB0AFC537BBF}" type="slidenum">
+              <a:rPr lang="en-GB" smtClean="0"/>
+              <a:t>‹#›</a:t>
+            </a:fld>
+            <a:endParaRPr lang="en-GB"/>
+          </a:p>
+        </p:txBody>
+      </p:sp>
+    </p:spTree>
+    <p:extLst>
+      <p:ext uri="{BB962C8B-B14F-4D97-AF65-F5344CB8AC3E}">
+        <p14:creationId xmlns:p14="http://schemas.microsoft.com/office/powerpoint/2010/main" val="3008299698"/>
+      </p:ext>
+    </p:extLst>
+  </p:cSld>
+  <p:clrMap bg1="lt1" tx1="dk1" bg2="lt2" tx2="dk2" accent1="accent1" accent2="accent2" accent3="accent3" accent4="accent4" accent5="accent5" accent6="accent6" hlink="hlink" folHlink="folHlink"/>
+  <p:sldLayoutIdLst>
+    <p:sldLayoutId id="2147483697" r:id="rId1"/>
+    <p:sldLayoutId id="2147483698" r:id="rId2"/>
+    <p:sldLayoutId id="2147483699" r:id="rId3"/>
+    <p:sldLayoutId id="2147483700" r:id="rId4"/>
+    <p:sldLayoutId id="2147483701" r:id="rId5"/>
+    <p:sldLayoutId id="2147483702" r:id="rId6"/>
+    <p:sldLayoutId id="2147483703" r:id="rId7"/>
+    <p:sldLayoutId id="2147483704" r:id="rId8"/>
+    <p:sldLayoutId id="2147483705" r:id="rId9"/>
+    <p:sldLayoutId id="2147483706" r:id="rId10"/>
+    <p:sldLayoutId id="2147483707" r:id="rId11"/>
+  </p:sldLayoutIdLst>
+  <p:hf sldNum="0" hdr="0" ftr="0" dt="0"/>
+  <p:txStyles>
+    <p:titleStyle>
+      <a:lvl1pPr algn="l" defTabSz="1320733" rtl="0" eaLnBrk="1" latinLnBrk="0" hangingPunct="1">
+        <a:lnSpc>
+          <a:spcPct val="90000"/>
+        </a:lnSpc>
+        <a:spcBef>
+          <a:spcPct val="0"/>
+        </a:spcBef>
+        <a:buNone/>
+        <a:defRPr sz="6355" kern="1200">
+          <a:solidFill>
+            <a:schemeClr val="tx1"/>
+          </a:solidFill>
+          <a:latin typeface="+mj-lt"/>
+          <a:ea typeface="+mj-ea"/>
+          <a:cs typeface="+mj-cs"/>
+        </a:defRPr>
+      </a:lvl1pPr>
+    </p:titleStyle>
+    <p:bodyStyle>
+      <a:lvl1pPr marL="330183" indent="-330183" algn="l" defTabSz="1320733" rtl="0" eaLnBrk="1" latinLnBrk="0" hangingPunct="1">
+        <a:lnSpc>
+          <a:spcPct val="90000"/>
+        </a:lnSpc>
+        <a:spcBef>
+          <a:spcPts val="1444"/>
+        </a:spcBef>
+        <a:buFont typeface="Arial" panose="020B0604020202020204" pitchFamily="34" charset="0"/>
+        <a:buChar char="•"/>
+        <a:defRPr sz="4044" kern="1200">
+          <a:solidFill>
+            <a:schemeClr val="tx1"/>
+          </a:solidFill>
+          <a:latin typeface="+mn-lt"/>
+          <a:ea typeface="+mn-ea"/>
+          <a:cs typeface="+mn-cs"/>
+        </a:defRPr>
+      </a:lvl1pPr>
+      <a:lvl2pPr marL="990549" indent="-330183" algn="l" defTabSz="1320733" rtl="0" eaLnBrk="1" latinLnBrk="0" hangingPunct="1">
+        <a:lnSpc>
+          <a:spcPct val="90000"/>
+        </a:lnSpc>
+        <a:spcBef>
+          <a:spcPts val="722"/>
+        </a:spcBef>
+        <a:buFont typeface="Arial" panose="020B0604020202020204" pitchFamily="34" charset="0"/>
+        <a:buChar char="•"/>
+        <a:defRPr sz="3467" kern="1200">
+          <a:solidFill>
+            <a:schemeClr val="tx1"/>
+          </a:solidFill>
+          <a:latin typeface="+mn-lt"/>
+          <a:ea typeface="+mn-ea"/>
+          <a:cs typeface="+mn-cs"/>
+        </a:defRPr>
+      </a:lvl2pPr>
+      <a:lvl3pPr marL="1650915" indent="-330183" algn="l" defTabSz="1320733" rtl="0" eaLnBrk="1" latinLnBrk="0" hangingPunct="1">
+        <a:lnSpc>
+          <a:spcPct val="90000"/>
+        </a:lnSpc>
+        <a:spcBef>
+          <a:spcPts val="722"/>
+        </a:spcBef>
+        <a:buFont typeface="Arial" panose="020B0604020202020204" pitchFamily="34" charset="0"/>
+        <a:buChar char="•"/>
+        <a:defRPr sz="2889" kern="1200">
+          <a:solidFill>
+            <a:schemeClr val="tx1"/>
+          </a:solidFill>
+          <a:latin typeface="+mn-lt"/>
+          <a:ea typeface="+mn-ea"/>
+          <a:cs typeface="+mn-cs"/>
+        </a:defRPr>
+      </a:lvl3pPr>
+      <a:lvl4pPr marL="2311281" indent="-330183" algn="l" defTabSz="1320733" rtl="0" eaLnBrk="1" latinLnBrk="0" hangingPunct="1">
+        <a:lnSpc>
+          <a:spcPct val="90000"/>
+        </a:lnSpc>
+        <a:spcBef>
+          <a:spcPts val="722"/>
+        </a:spcBef>
+        <a:buFont typeface="Arial" panose="020B0604020202020204" pitchFamily="34" charset="0"/>
+        <a:buChar char="•"/>
+        <a:defRPr sz="2598" kern="1200">
+          <a:solidFill>
+            <a:schemeClr val="tx1"/>
+          </a:solidFill>
+          <a:latin typeface="+mn-lt"/>
+          <a:ea typeface="+mn-ea"/>
+          <a:cs typeface="+mn-cs"/>
+        </a:defRPr>
+      </a:lvl4pPr>
+      <a:lvl5pPr marL="2971648" indent="-330183" algn="l" defTabSz="1320733" rtl="0" eaLnBrk="1" latinLnBrk="0" hangingPunct="1">
+        <a:lnSpc>
+          <a:spcPct val="90000"/>
+        </a:lnSpc>
+        <a:spcBef>
+          <a:spcPts val="722"/>
+        </a:spcBef>
+        <a:buFont typeface="Arial" panose="020B0604020202020204" pitchFamily="34" charset="0"/>
+        <a:buChar char="•"/>
+        <a:defRPr sz="2598" kern="1200">
+          <a:solidFill>
+            <a:schemeClr val="tx1"/>
+          </a:solidFill>
+          <a:latin typeface="+mn-lt"/>
+          <a:ea typeface="+mn-ea"/>
+          <a:cs typeface="+mn-cs"/>
+        </a:defRPr>
+      </a:lvl5pPr>
+      <a:lvl6pPr marL="3632015" indent="-330183" algn="l" defTabSz="1320733" rtl="0" eaLnBrk="1" latinLnBrk="0" hangingPunct="1">
+        <a:lnSpc>
+          <a:spcPct val="90000"/>
+        </a:lnSpc>
+        <a:spcBef>
+          <a:spcPts val="722"/>
+        </a:spcBef>
+        <a:buFont typeface="Arial" panose="020B0604020202020204" pitchFamily="34" charset="0"/>
+        <a:buChar char="•"/>
+        <a:defRPr sz="2598" kern="1200">
+          <a:solidFill>
+            <a:schemeClr val="tx1"/>
+          </a:solidFill>
+          <a:latin typeface="+mn-lt"/>
+          <a:ea typeface="+mn-ea"/>
+          <a:cs typeface="+mn-cs"/>
+        </a:defRPr>
+      </a:lvl6pPr>
+      <a:lvl7pPr marL="4292380" indent="-330183" algn="l" defTabSz="1320733" rtl="0" eaLnBrk="1" latinLnBrk="0" hangingPunct="1">
+        <a:lnSpc>
+          <a:spcPct val="90000"/>
+        </a:lnSpc>
+        <a:spcBef>
+          <a:spcPts val="722"/>
+        </a:spcBef>
+        <a:buFont typeface="Arial" panose="020B0604020202020204" pitchFamily="34" charset="0"/>
+        <a:buChar char="•"/>
+        <a:defRPr sz="2598" kern="1200">
+          <a:solidFill>
+            <a:schemeClr val="tx1"/>
+          </a:solidFill>
+          <a:latin typeface="+mn-lt"/>
+          <a:ea typeface="+mn-ea"/>
+          <a:cs typeface="+mn-cs"/>
+        </a:defRPr>
+      </a:lvl7pPr>
+      <a:lvl8pPr marL="4952746" indent="-330183" algn="l" defTabSz="1320733" rtl="0" eaLnBrk="1" latinLnBrk="0" hangingPunct="1">
+        <a:lnSpc>
+          <a:spcPct val="90000"/>
+        </a:lnSpc>
+        <a:spcBef>
+          <a:spcPts val="722"/>
+        </a:spcBef>
+        <a:buFont typeface="Arial" panose="020B0604020202020204" pitchFamily="34" charset="0"/>
+        <a:buChar char="•"/>
+        <a:defRPr sz="2598" kern="1200">
+          <a:solidFill>
+            <a:schemeClr val="tx1"/>
+          </a:solidFill>
+          <a:latin typeface="+mn-lt"/>
+          <a:ea typeface="+mn-ea"/>
+          <a:cs typeface="+mn-cs"/>
+        </a:defRPr>
+      </a:lvl8pPr>
+      <a:lvl9pPr marL="5613113" indent="-330183" algn="l" defTabSz="1320733" rtl="0" eaLnBrk="1" latinLnBrk="0" hangingPunct="1">
+        <a:lnSpc>
+          <a:spcPct val="90000"/>
+        </a:lnSpc>
+        <a:spcBef>
+          <a:spcPts val="722"/>
+        </a:spcBef>
+        <a:buFont typeface="Arial" panose="020B0604020202020204" pitchFamily="34" charset="0"/>
+        <a:buChar char="•"/>
+        <a:defRPr sz="2598" kern="1200">
+          <a:solidFill>
+            <a:schemeClr val="tx1"/>
+          </a:solidFill>
+          <a:latin typeface="+mn-lt"/>
+          <a:ea typeface="+mn-ea"/>
+          <a:cs typeface="+mn-cs"/>
+        </a:defRPr>
+      </a:lvl9pPr>
+    </p:bodyStyle>
+    <p:otherStyle>
+      <a:defPPr>
+        <a:defRPr lang="en-US"/>
+      </a:defPPr>
+      <a:lvl1pPr marL="0" algn="l" defTabSz="1320733" rtl="0" eaLnBrk="1" latinLnBrk="0" hangingPunct="1">
+        <a:defRPr sz="2598" kern="1200">
+          <a:solidFill>
+            <a:schemeClr val="tx1"/>
+          </a:solidFill>
+          <a:latin typeface="+mn-lt"/>
+          <a:ea typeface="+mn-ea"/>
+          <a:cs typeface="+mn-cs"/>
+        </a:defRPr>
+      </a:lvl1pPr>
+      <a:lvl2pPr marL="660367" algn="l" defTabSz="1320733" rtl="0" eaLnBrk="1" latinLnBrk="0" hangingPunct="1">
+        <a:defRPr sz="2598" kern="1200">
+          <a:solidFill>
+            <a:schemeClr val="tx1"/>
+          </a:solidFill>
+          <a:latin typeface="+mn-lt"/>
+          <a:ea typeface="+mn-ea"/>
+          <a:cs typeface="+mn-cs"/>
+        </a:defRPr>
+      </a:lvl2pPr>
+      <a:lvl3pPr marL="1320733" algn="l" defTabSz="1320733" rtl="0" eaLnBrk="1" latinLnBrk="0" hangingPunct="1">
+        <a:defRPr sz="2598" kern="1200">
+          <a:solidFill>
+            <a:schemeClr val="tx1"/>
+          </a:solidFill>
+          <a:latin typeface="+mn-lt"/>
+          <a:ea typeface="+mn-ea"/>
+          <a:cs typeface="+mn-cs"/>
+        </a:defRPr>
+      </a:lvl3pPr>
+      <a:lvl4pPr marL="1981099" algn="l" defTabSz="1320733" rtl="0" eaLnBrk="1" latinLnBrk="0" hangingPunct="1">
+        <a:defRPr sz="2598" kern="1200">
+          <a:solidFill>
+            <a:schemeClr val="tx1"/>
+          </a:solidFill>
+          <a:latin typeface="+mn-lt"/>
+          <a:ea typeface="+mn-ea"/>
+          <a:cs typeface="+mn-cs"/>
+        </a:defRPr>
+      </a:lvl4pPr>
+      <a:lvl5pPr marL="2641465" algn="l" defTabSz="1320733" rtl="0" eaLnBrk="1" latinLnBrk="0" hangingPunct="1">
+        <a:defRPr sz="2598" kern="1200">
+          <a:solidFill>
+            <a:schemeClr val="tx1"/>
+          </a:solidFill>
+          <a:latin typeface="+mn-lt"/>
+          <a:ea typeface="+mn-ea"/>
+          <a:cs typeface="+mn-cs"/>
+        </a:defRPr>
+      </a:lvl5pPr>
+      <a:lvl6pPr marL="3301832" algn="l" defTabSz="1320733" rtl="0" eaLnBrk="1" latinLnBrk="0" hangingPunct="1">
+        <a:defRPr sz="2598" kern="1200">
+          <a:solidFill>
+            <a:schemeClr val="tx1"/>
+          </a:solidFill>
+          <a:latin typeface="+mn-lt"/>
+          <a:ea typeface="+mn-ea"/>
+          <a:cs typeface="+mn-cs"/>
+        </a:defRPr>
+      </a:lvl6pPr>
+      <a:lvl7pPr marL="3962199" algn="l" defTabSz="1320733" rtl="0" eaLnBrk="1" latinLnBrk="0" hangingPunct="1">
+        <a:defRPr sz="2598" kern="1200">
+          <a:solidFill>
+            <a:schemeClr val="tx1"/>
+          </a:solidFill>
+          <a:latin typeface="+mn-lt"/>
+          <a:ea typeface="+mn-ea"/>
+          <a:cs typeface="+mn-cs"/>
+        </a:defRPr>
+      </a:lvl7pPr>
+      <a:lvl8pPr marL="4622562" algn="l" defTabSz="1320733" rtl="0" eaLnBrk="1" latinLnBrk="0" hangingPunct="1">
+        <a:defRPr sz="2598" kern="1200">
+          <a:solidFill>
+            <a:schemeClr val="tx1"/>
+          </a:solidFill>
+          <a:latin typeface="+mn-lt"/>
+          <a:ea typeface="+mn-ea"/>
+          <a:cs typeface="+mn-cs"/>
+        </a:defRPr>
+      </a:lvl8pPr>
+      <a:lvl9pPr marL="5282929" algn="l" defTabSz="1320733" rtl="0" eaLnBrk="1" latinLnBrk="0" hangingPunct="1">
+        <a:defRPr sz="2598" kern="1200">
           <a:solidFill>
             <a:schemeClr val="tx1"/>
           </a:solidFill>
@@ -2973,44 +5825,6 @@
           <a:chExt cx="0" cy="0"/>
         </a:xfrm>
       </p:grpSpPr>
-      <p:sp>
-        <p:nvSpPr>
-          <p:cNvPr id="2" name="Title 1"/>
-          <p:cNvSpPr>
-            <a:spLocks noGrp="1"/>
-          </p:cNvSpPr>
-          <p:nvPr>
-            <p:ph type="ctrTitle"/>
-          </p:nvPr>
-        </p:nvSpPr>
-        <p:spPr/>
-        <p:txBody>
-          <a:bodyPr/>
-          <a:lstStyle/>
-          <a:p>
-            <a:endParaRPr lang="en-GB"/>
-          </a:p>
-        </p:txBody>
-      </p:sp>
-      <p:sp>
-        <p:nvSpPr>
-          <p:cNvPr id="3" name="Subtitle 2"/>
-          <p:cNvSpPr>
-            <a:spLocks noGrp="1"/>
-          </p:cNvSpPr>
-          <p:nvPr>
-            <p:ph type="subTitle" idx="1"/>
-          </p:nvPr>
-        </p:nvSpPr>
-        <p:spPr/>
-        <p:txBody>
-          <a:bodyPr/>
-          <a:lstStyle/>
-          <a:p>
-            <a:endParaRPr lang="en-GB"/>
-          </a:p>
-        </p:txBody>
-      </p:sp>
     </p:spTree>
     <p:extLst>
       <p:ext uri="{BB962C8B-B14F-4D97-AF65-F5344CB8AC3E}">
@@ -3041,20 +5855,144 @@
           <a:chExt cx="0" cy="0"/>
         </a:xfrm>
       </p:grpSpPr>
-      <p:sp>
-        <p:nvSpPr>
-          <p:cNvPr id="8" name="Flowchart: Decision 7"/>
+      <p:pic>
+        <p:nvPicPr>
+          <p:cNvPr id="15" name="Picture 14"/>
+          <p:cNvPicPr>
+            <a:picLocks noChangeAspect="1"/>
+          </p:cNvPicPr>
+          <p:nvPr/>
+        </p:nvPicPr>
+        <p:blipFill>
+          <a:blip r:embed="rId2">
+            <a:extLst>
+              <a:ext uri="{28A0092B-C50C-407E-A947-70E740481C1C}">
+                <a14:useLocalDpi xmlns:a14="http://schemas.microsoft.com/office/drawing/2010/main" val="0"/>
+              </a:ext>
+            </a:extLst>
+          </a:blip>
+          <a:stretch>
+            <a:fillRect/>
+          </a:stretch>
+        </p:blipFill>
+        <p:spPr>
+          <a:xfrm>
+            <a:off x="7546895" y="624098"/>
+            <a:ext cx="2227876" cy="4913654"/>
+          </a:xfrm>
+          <a:prstGeom prst="rect">
+            <a:avLst/>
+          </a:prstGeom>
+          <a:solidFill>
+            <a:schemeClr val="tx1">
+              <a:lumMod val="75000"/>
+              <a:lumOff val="25000"/>
+            </a:schemeClr>
+          </a:solidFill>
+          <a:ln w="28575">
+            <a:solidFill>
+              <a:schemeClr val="bg1"/>
+            </a:solidFill>
+            <a:prstDash val="solid"/>
+          </a:ln>
+        </p:spPr>
+      </p:pic>
+      <p:pic>
+        <p:nvPicPr>
+          <p:cNvPr id="22" name="Picture 21"/>
+          <p:cNvPicPr>
+            <a:picLocks noChangeAspect="1"/>
+          </p:cNvPicPr>
+          <p:nvPr/>
+        </p:nvPicPr>
+        <p:blipFill>
+          <a:blip r:embed="rId3">
+            <a:extLst>
+              <a:ext uri="{28A0092B-C50C-407E-A947-70E740481C1C}">
+                <a14:useLocalDpi xmlns:a14="http://schemas.microsoft.com/office/drawing/2010/main" val="0"/>
+              </a:ext>
+            </a:extLst>
+          </a:blip>
+          <a:stretch>
+            <a:fillRect/>
+          </a:stretch>
+        </p:blipFill>
+        <p:spPr>
+          <a:xfrm>
+            <a:off x="3061306" y="624096"/>
+            <a:ext cx="2060565" cy="4913654"/>
+          </a:xfrm>
+          <a:prstGeom prst="rect">
+            <a:avLst/>
+          </a:prstGeom>
+          <a:solidFill>
+            <a:schemeClr val="tx1">
+              <a:lumMod val="75000"/>
+              <a:lumOff val="25000"/>
+            </a:schemeClr>
+          </a:solidFill>
+          <a:ln w="28575">
+            <a:solidFill>
+              <a:schemeClr val="bg1"/>
+            </a:solidFill>
+            <a:prstDash val="solid"/>
+          </a:ln>
+        </p:spPr>
+      </p:pic>
+      <p:cxnSp>
+        <p:nvCxnSpPr>
+          <p:cNvPr id="13" name="Elbow Connector 12"/>
+          <p:cNvCxnSpPr/>
+          <p:nvPr/>
+        </p:nvCxnSpPr>
+        <p:spPr>
+          <a:xfrm rot="5400000">
+            <a:off x="8380873" y="3055521"/>
+            <a:ext cx="509122" cy="50797"/>
+          </a:xfrm>
+          <a:prstGeom prst="bentConnector3">
+            <a:avLst/>
+          </a:prstGeom>
+          <a:ln>
+            <a:headEnd type="triangle"/>
+            <a:tailEnd type="triangle"/>
+          </a:ln>
+        </p:spPr>
+        <p:style>
+          <a:lnRef idx="3">
+            <a:schemeClr val="dk1"/>
+          </a:lnRef>
+          <a:fillRef idx="0">
+            <a:schemeClr val="dk1"/>
+          </a:fillRef>
+          <a:effectRef idx="2">
+            <a:schemeClr val="dk1"/>
+          </a:effectRef>
+          <a:fontRef idx="minor">
+            <a:schemeClr val="tx1"/>
+          </a:fontRef>
+        </p:style>
+      </p:cxnSp>
+      <p:sp>
+        <p:nvSpPr>
+          <p:cNvPr id="38" name="Striped Right Arrow 37"/>
           <p:cNvSpPr/>
           <p:nvPr/>
         </p:nvSpPr>
         <p:spPr>
           <a:xfrm>
-            <a:off x="463513" y="3867483"/>
-            <a:ext cx="604062" cy="316983"/>
-          </a:xfrm>
-          <a:prstGeom prst="flowChartDecision">
+            <a:off x="5283041" y="2826362"/>
+            <a:ext cx="2113218" cy="831280"/>
+          </a:xfrm>
+          <a:prstGeom prst="stripedRightArrow">
             <a:avLst/>
           </a:prstGeom>
+          <a:solidFill>
+            <a:schemeClr val="tx1">
+              <a:lumMod val="75000"/>
+              <a:lumOff val="25000"/>
+            </a:schemeClr>
+          </a:solidFill>
         </p:spPr>
         <p:style>
           <a:lnRef idx="2">
@@ -3073,68 +6011,52 @@
           </a:fontRef>
         </p:style>
         <p:txBody>
-          <a:bodyPr rtlCol="0" anchor="ctr"/>
-          <a:lstStyle/>
-          <a:p>
-            <a:pPr algn="ctr"/>
-            <a:r>
-              <a:rPr lang="en-GB" sz="1013" dirty="0"/>
-              <a:t>Has</a:t>
-            </a:r>
-            <a:endParaRPr lang="en-GB" sz="1013" dirty="0"/>
-          </a:p>
-        </p:txBody>
-      </p:sp>
-      <p:cxnSp>
-        <p:nvCxnSpPr>
-          <p:cNvPr id="10" name="Straight Arrow Connector 9"/>
-          <p:cNvCxnSpPr>
-            <a:stCxn id="2" idx="2"/>
-            <a:endCxn id="8" idx="0"/>
-          </p:cNvCxnSpPr>
+          <a:bodyPr rot="0" spcFirstLastPara="0" vertOverflow="overflow" horzOverflow="overflow" vert="horz" wrap="square" lIns="132076" tIns="66038" rIns="132076" bIns="66038" numCol="1" spcCol="0" rtlCol="0" fromWordArt="0" anchor="ctr" anchorCtr="0" forceAA="0" compatLnSpc="1">
+            <a:prstTxWarp prst="textNoShape">
+              <a:avLst/>
+            </a:prstTxWarp>
+            <a:noAutofit/>
+          </a:bodyPr>
+          <a:lstStyle/>
+          <a:p>
+            <a:pPr algn="ctr" defTabSz="1320759"/>
+            <a:endParaRPr lang="en-GB" sz="2598">
+              <a:solidFill>
+                <a:prstClr val="white"/>
+              </a:solidFill>
+              <a:latin typeface="Calibri" panose="020F0502020204030204"/>
+            </a:endParaRPr>
+          </a:p>
+        </p:txBody>
+      </p:sp>
+      <p:sp>
+        <p:nvSpPr>
+          <p:cNvPr id="39" name="Rounded Rectangle 38"/>
+          <p:cNvSpPr/>
           <p:nvPr/>
-        </p:nvCxnSpPr>
-        <p:spPr>
-          <a:xfrm flipH="1">
-            <a:off x="765544" y="3610308"/>
-            <a:ext cx="8972" cy="257174"/>
-          </a:xfrm>
-          <a:prstGeom prst="straightConnector1">
+        </p:nvSpPr>
+        <p:spPr>
+          <a:xfrm>
+            <a:off x="6161548" y="6104303"/>
+            <a:ext cx="4998569" cy="3271421"/>
+          </a:xfrm>
+          <a:prstGeom prst="roundRect">
             <a:avLst/>
           </a:prstGeom>
+          <a:solidFill>
+            <a:schemeClr val="tx1">
+              <a:lumMod val="75000"/>
+              <a:lumOff val="25000"/>
+            </a:schemeClr>
+          </a:solidFill>
           <a:ln>
-            <a:tailEnd type="triangle"/>
+            <a:solidFill>
+              <a:schemeClr val="tx1">
+                <a:lumMod val="75000"/>
+                <a:lumOff val="25000"/>
+              </a:schemeClr>
+            </a:solidFill>
           </a:ln>
-        </p:spPr>
-        <p:style>
-          <a:lnRef idx="1">
-            <a:schemeClr val="accent1"/>
-          </a:lnRef>
-          <a:fillRef idx="0">
-            <a:schemeClr val="accent1"/>
-          </a:fillRef>
-          <a:effectRef idx="0">
-            <a:schemeClr val="accent1"/>
-          </a:effectRef>
-          <a:fontRef idx="minor">
-            <a:schemeClr val="tx1"/>
-          </a:fontRef>
-        </p:style>
-      </p:cxnSp>
-      <p:sp>
-        <p:nvSpPr>
-          <p:cNvPr id="11" name="Flowchart: Process 10"/>
-          <p:cNvSpPr/>
-          <p:nvPr/>
-        </p:nvSpPr>
-        <p:spPr>
-          <a:xfrm>
-            <a:off x="466504" y="4359904"/>
-            <a:ext cx="616024" cy="257174"/>
-          </a:xfrm>
-          <a:prstGeom prst="flowChartProcess">
-            <a:avLst/>
-          </a:prstGeom>
         </p:spPr>
         <p:style>
           <a:lnRef idx="2">
@@ -3153,32 +6075,408 @@
           </a:fontRef>
         </p:style>
         <p:txBody>
-          <a:bodyPr rtlCol="0" anchor="ctr"/>
-          <a:lstStyle/>
-          <a:p>
-            <a:pPr algn="ctr"/>
-            <a:r>
-              <a:rPr lang="en-GB" sz="900" dirty="0"/>
-              <a:t>Dashboard</a:t>
-            </a:r>
-            <a:endParaRPr lang="en-GB" sz="900" dirty="0"/>
-          </a:p>
-        </p:txBody>
-      </p:sp>
-      <p:sp>
-        <p:nvSpPr>
-          <p:cNvPr id="13" name="Flowchart: Decision 12"/>
+          <a:bodyPr rot="0" spcFirstLastPara="0" vertOverflow="overflow" horzOverflow="overflow" vert="horz" wrap="square" lIns="132076" tIns="66038" rIns="132076" bIns="66038" numCol="1" spcCol="0" rtlCol="0" fromWordArt="0" anchor="ctr" anchorCtr="0" forceAA="0" compatLnSpc="1">
+            <a:prstTxWarp prst="textNoShape">
+              <a:avLst/>
+            </a:prstTxWarp>
+            <a:noAutofit/>
+          </a:bodyPr>
+          <a:lstStyle/>
+          <a:p>
+            <a:pPr algn="ctr" defTabSz="1320759"/>
+            <a:endParaRPr lang="en-GB" sz="2598">
+              <a:solidFill>
+                <a:prstClr val="white"/>
+              </a:solidFill>
+              <a:latin typeface="Calibri" panose="020F0502020204030204"/>
+            </a:endParaRPr>
+          </a:p>
+        </p:txBody>
+      </p:sp>
+      <p:pic>
+        <p:nvPicPr>
+          <p:cNvPr id="42" name="Picture 41" descr="File:Pointing hand cursor vector.svg - Wikimedia Commons"/>
+          <p:cNvPicPr>
+            <a:picLocks noChangeAspect="1"/>
+          </p:cNvPicPr>
+          <p:nvPr/>
+        </p:nvPicPr>
+        <p:blipFill>
+          <a:blip r:embed="rId4" cstate="print">
+            <a:extLst>
+              <a:ext uri="{28A0092B-C50C-407E-A947-70E740481C1C}">
+                <a14:useLocalDpi xmlns:a14="http://schemas.microsoft.com/office/drawing/2010/main" val="0"/>
+              </a:ext>
+            </a:extLst>
+          </a:blip>
+          <a:stretch>
+            <a:fillRect/>
+          </a:stretch>
+        </p:blipFill>
+        <p:spPr>
+          <a:xfrm>
+            <a:off x="6213925" y="7228465"/>
+            <a:ext cx="1742944" cy="1268060"/>
+          </a:xfrm>
+          <a:prstGeom prst="rect">
+            <a:avLst/>
+          </a:prstGeom>
+        </p:spPr>
+      </p:pic>
+      <p:pic>
+        <p:nvPicPr>
+          <p:cNvPr id="43" name="Picture 42" descr="Start Button &lt;strong&gt;Icon&lt;/strong&gt; · Free image on Pixabay"/>
+          <p:cNvPicPr>
+            <a:picLocks noChangeAspect="1"/>
+          </p:cNvPicPr>
+          <p:nvPr/>
+        </p:nvPicPr>
+        <p:blipFill>
+          <a:blip r:embed="rId5" cstate="print">
+            <a:extLst>
+              <a:ext uri="{28A0092B-C50C-407E-A947-70E740481C1C}">
+                <a14:useLocalDpi xmlns:a14="http://schemas.microsoft.com/office/drawing/2010/main" val="0"/>
+              </a:ext>
+            </a:extLst>
+          </a:blip>
+          <a:stretch>
+            <a:fillRect/>
+          </a:stretch>
+        </p:blipFill>
+        <p:spPr>
+          <a:xfrm>
+            <a:off x="6544073" y="6199481"/>
+            <a:ext cx="1082644" cy="1123202"/>
+          </a:xfrm>
+          <a:prstGeom prst="rect">
+            <a:avLst/>
+          </a:prstGeom>
+        </p:spPr>
+      </p:pic>
+      <p:sp>
+        <p:nvSpPr>
+          <p:cNvPr id="44" name="Rectangle 43"/>
           <p:cNvSpPr/>
           <p:nvPr/>
         </p:nvSpPr>
         <p:spPr>
           <a:xfrm>
-            <a:off x="463513" y="4824413"/>
-            <a:ext cx="604062" cy="316983"/>
-          </a:xfrm>
-          <a:prstGeom prst="flowChartDecision">
+            <a:off x="7624339" y="6372242"/>
+            <a:ext cx="2790435" cy="666910"/>
+          </a:xfrm>
+          <a:prstGeom prst="rect">
             <a:avLst/>
           </a:prstGeom>
+          <a:noFill/>
+        </p:spPr>
+        <p:txBody>
+          <a:bodyPr wrap="none" lIns="132076" tIns="66038" rIns="132076" bIns="66038">
+            <a:spAutoFit/>
+          </a:bodyPr>
+          <a:lstStyle/>
+          <a:p>
+            <a:pPr algn="ctr" defTabSz="1320759"/>
+            <a:r>
+              <a:rPr lang="en-US" sz="3467" dirty="0">
+                <a:ln w="0"/>
+                <a:solidFill>
+                  <a:prstClr val="white"/>
+                </a:solidFill>
+                <a:effectLst>
+                  <a:outerShdw blurRad="38100" dist="19050" dir="2700000" algn="tl" rotWithShape="0">
+                    <a:prstClr val="black">
+                      <a:alpha val="40000"/>
+                    </a:prstClr>
+                  </a:outerShdw>
+                </a:effectLst>
+                <a:latin typeface="Impact" panose="020B0806030902050204" pitchFamily="34" charset="0"/>
+              </a:rPr>
+              <a:t>Set Class Test</a:t>
+            </a:r>
+          </a:p>
+        </p:txBody>
+      </p:sp>
+      <p:sp>
+        <p:nvSpPr>
+          <p:cNvPr id="45" name="Rectangle 44"/>
+          <p:cNvSpPr/>
+          <p:nvPr/>
+        </p:nvSpPr>
+        <p:spPr>
+          <a:xfrm>
+            <a:off x="7556216" y="7489802"/>
+            <a:ext cx="2926691" cy="666910"/>
+          </a:xfrm>
+          <a:prstGeom prst="rect">
+            <a:avLst/>
+          </a:prstGeom>
+          <a:noFill/>
+        </p:spPr>
+        <p:txBody>
+          <a:bodyPr wrap="none" lIns="132076" tIns="66038" rIns="132076" bIns="66038">
+            <a:spAutoFit/>
+          </a:bodyPr>
+          <a:lstStyle/>
+          <a:p>
+            <a:pPr algn="ctr" defTabSz="1320759"/>
+            <a:r>
+              <a:rPr lang="en-US" sz="3467" dirty="0">
+                <a:ln w="0"/>
+                <a:solidFill>
+                  <a:prstClr val="white"/>
+                </a:solidFill>
+                <a:effectLst>
+                  <a:outerShdw blurRad="38100" dist="19050" dir="2700000" algn="tl" rotWithShape="0">
+                    <a:prstClr val="black">
+                      <a:alpha val="40000"/>
+                    </a:prstClr>
+                  </a:outerShdw>
+                </a:effectLst>
+                <a:latin typeface="Impact" panose="020B0806030902050204" pitchFamily="34" charset="0"/>
+              </a:rPr>
+              <a:t>Join Class Test</a:t>
+            </a:r>
+          </a:p>
+        </p:txBody>
+      </p:sp>
+      <p:pic>
+        <p:nvPicPr>
+          <p:cNvPr id="46" name="Picture 45" descr="File:Circle-&lt;strong&gt;icons&lt;/strong&gt;-settings.svg - Wikimedia Commons"/>
+          <p:cNvPicPr>
+            <a:picLocks noChangeAspect="1"/>
+          </p:cNvPicPr>
+          <p:nvPr/>
+        </p:nvPicPr>
+        <p:blipFill>
+          <a:blip r:embed="rId6" cstate="print">
+            <a:duotone>
+              <a:prstClr val="black"/>
+              <a:schemeClr val="tx2">
+                <a:tint val="45000"/>
+                <a:satMod val="400000"/>
+              </a:schemeClr>
+            </a:duotone>
+            <a:extLst>
+              <a:ext uri="{28A0092B-C50C-407E-A947-70E740481C1C}">
+                <a14:useLocalDpi xmlns:a14="http://schemas.microsoft.com/office/drawing/2010/main" val="0"/>
+              </a:ext>
+            </a:extLst>
+          </a:blip>
+          <a:stretch>
+            <a:fillRect/>
+          </a:stretch>
+        </p:blipFill>
+        <p:spPr>
+          <a:xfrm>
+            <a:off x="6698481" y="8542846"/>
+            <a:ext cx="773831" cy="773831"/>
+          </a:xfrm>
+          <a:prstGeom prst="rect">
+            <a:avLst/>
+          </a:prstGeom>
+        </p:spPr>
+      </p:pic>
+      <p:sp>
+        <p:nvSpPr>
+          <p:cNvPr id="47" name="Rectangle 46"/>
+          <p:cNvSpPr/>
+          <p:nvPr/>
+        </p:nvSpPr>
+        <p:spPr>
+          <a:xfrm>
+            <a:off x="8105530" y="8587050"/>
+            <a:ext cx="1828056" cy="666910"/>
+          </a:xfrm>
+          <a:prstGeom prst="rect">
+            <a:avLst/>
+          </a:prstGeom>
+          <a:noFill/>
+        </p:spPr>
+        <p:txBody>
+          <a:bodyPr wrap="none" lIns="132076" tIns="66038" rIns="132076" bIns="66038">
+            <a:spAutoFit/>
+          </a:bodyPr>
+          <a:lstStyle/>
+          <a:p>
+            <a:pPr algn="ctr" defTabSz="1320759"/>
+            <a:r>
+              <a:rPr lang="en-US" sz="3467" dirty="0">
+                <a:ln w="0"/>
+                <a:solidFill>
+                  <a:prstClr val="white"/>
+                </a:solidFill>
+                <a:effectLst>
+                  <a:outerShdw blurRad="38100" dist="19050" dir="2700000" algn="tl" rotWithShape="0">
+                    <a:prstClr val="black">
+                      <a:alpha val="40000"/>
+                    </a:prstClr>
+                  </a:outerShdw>
+                </a:effectLst>
+                <a:latin typeface="Impact" panose="020B0806030902050204" pitchFamily="34" charset="0"/>
+              </a:rPr>
+              <a:t>Controls</a:t>
+            </a:r>
+          </a:p>
+        </p:txBody>
+      </p:sp>
+      <p:sp>
+        <p:nvSpPr>
+          <p:cNvPr id="55" name="Rectangle 54"/>
+          <p:cNvSpPr/>
+          <p:nvPr/>
+        </p:nvSpPr>
+        <p:spPr>
+          <a:xfrm>
+            <a:off x="5847494" y="9214737"/>
+            <a:ext cx="5575877" cy="844651"/>
+          </a:xfrm>
+          <a:prstGeom prst="rect">
+            <a:avLst/>
+          </a:prstGeom>
+          <a:noFill/>
+        </p:spPr>
+        <p:txBody>
+          <a:bodyPr wrap="none" lIns="132076" tIns="66038" rIns="132076" bIns="66038">
+            <a:spAutoFit/>
+          </a:bodyPr>
+          <a:lstStyle/>
+          <a:p>
+            <a:pPr algn="ctr" defTabSz="1320759"/>
+            <a:r>
+              <a:rPr lang="en-US" sz="4622" dirty="0">
+                <a:ln w="0"/>
+                <a:solidFill>
+                  <a:prstClr val="black">
+                    <a:lumMod val="75000"/>
+                    <a:lumOff val="25000"/>
+                  </a:prstClr>
+                </a:solidFill>
+                <a:effectLst>
+                  <a:outerShdw blurRad="38100" dist="19050" dir="2700000" algn="tl" rotWithShape="0">
+                    <a:prstClr val="black">
+                      <a:alpha val="40000"/>
+                    </a:prstClr>
+                  </a:outerShdw>
+                </a:effectLst>
+                <a:latin typeface="Eras Light ITC" panose="020B0402030504020804" pitchFamily="34" charset="0"/>
+              </a:rPr>
+              <a:t>Dashboard Functions</a:t>
+            </a:r>
+          </a:p>
+        </p:txBody>
+      </p:sp>
+      <p:sp>
+        <p:nvSpPr>
+          <p:cNvPr id="56" name="Rectangle 55"/>
+          <p:cNvSpPr/>
+          <p:nvPr/>
+        </p:nvSpPr>
+        <p:spPr>
+          <a:xfrm>
+            <a:off x="6456394" y="-94116"/>
+            <a:ext cx="4408891" cy="844651"/>
+          </a:xfrm>
+          <a:prstGeom prst="rect">
+            <a:avLst/>
+          </a:prstGeom>
+          <a:noFill/>
+        </p:spPr>
+        <p:txBody>
+          <a:bodyPr wrap="none" lIns="132076" tIns="66038" rIns="132076" bIns="66038">
+            <a:spAutoFit/>
+          </a:bodyPr>
+          <a:lstStyle/>
+          <a:p>
+            <a:pPr algn="ctr" defTabSz="1320759"/>
+            <a:r>
+              <a:rPr lang="en-US" sz="4622" dirty="0">
+                <a:ln w="0"/>
+                <a:solidFill>
+                  <a:prstClr val="black">
+                    <a:lumMod val="75000"/>
+                    <a:lumOff val="25000"/>
+                  </a:prstClr>
+                </a:solidFill>
+                <a:effectLst>
+                  <a:outerShdw blurRad="38100" dist="19050" dir="2700000" algn="tl" rotWithShape="0">
+                    <a:prstClr val="black">
+                      <a:alpha val="40000"/>
+                    </a:prstClr>
+                  </a:outerShdw>
+                </a:effectLst>
+                <a:latin typeface="Eras Light ITC" panose="020B0402030504020804" pitchFamily="34" charset="0"/>
+              </a:rPr>
+              <a:t>Web Application</a:t>
+            </a:r>
+          </a:p>
+        </p:txBody>
+      </p:sp>
+      <p:sp>
+        <p:nvSpPr>
+          <p:cNvPr id="57" name="Rectangle 56"/>
+          <p:cNvSpPr/>
+          <p:nvPr/>
+        </p:nvSpPr>
+        <p:spPr>
+          <a:xfrm>
+            <a:off x="5331678" y="2236272"/>
+            <a:ext cx="1659742" cy="844651"/>
+          </a:xfrm>
+          <a:prstGeom prst="rect">
+            <a:avLst/>
+          </a:prstGeom>
+          <a:noFill/>
+        </p:spPr>
+        <p:txBody>
+          <a:bodyPr wrap="none" lIns="132076" tIns="66038" rIns="132076" bIns="66038">
+            <a:spAutoFit/>
+          </a:bodyPr>
+          <a:lstStyle/>
+          <a:p>
+            <a:pPr algn="ctr" defTabSz="1320759"/>
+            <a:r>
+              <a:rPr lang="en-US" sz="4622" dirty="0">
+                <a:ln w="0"/>
+                <a:solidFill>
+                  <a:prstClr val="black">
+                    <a:lumMod val="75000"/>
+                    <a:lumOff val="25000"/>
+                  </a:prstClr>
+                </a:solidFill>
+                <a:effectLst>
+                  <a:outerShdw blurRad="38100" dist="19050" dir="2700000" algn="tl" rotWithShape="0">
+                    <a:prstClr val="black">
+                      <a:alpha val="40000"/>
+                    </a:prstClr>
+                  </a:outerShdw>
+                </a:effectLst>
+                <a:latin typeface="Eras Light ITC" panose="020B0402030504020804" pitchFamily="34" charset="0"/>
+              </a:rPr>
+              <a:t>Login</a:t>
+            </a:r>
+          </a:p>
+        </p:txBody>
+      </p:sp>
+      <p:sp>
+        <p:nvSpPr>
+          <p:cNvPr id="58" name="Up-Down Arrow 57"/>
+          <p:cNvSpPr/>
+          <p:nvPr/>
+        </p:nvSpPr>
+        <p:spPr>
+          <a:xfrm>
+            <a:off x="8456072" y="5515810"/>
+            <a:ext cx="409521" cy="566553"/>
+          </a:xfrm>
+          <a:prstGeom prst="upDownArrow">
+            <a:avLst/>
+          </a:prstGeom>
+          <a:solidFill>
+            <a:schemeClr val="tx1">
+              <a:lumMod val="75000"/>
+              <a:lumOff val="25000"/>
+            </a:schemeClr>
+          </a:solidFill>
         </p:spPr>
         <p:style>
           <a:lnRef idx="2">
@@ -3197,32 +6495,44 @@
           </a:fontRef>
         </p:style>
         <p:txBody>
-          <a:bodyPr rtlCol="0" anchor="ctr"/>
-          <a:lstStyle/>
-          <a:p>
-            <a:pPr algn="ctr"/>
-            <a:r>
-              <a:rPr lang="en-GB" sz="1013" dirty="0"/>
-              <a:t>Has</a:t>
-            </a:r>
-            <a:endParaRPr lang="en-GB" sz="1013" dirty="0"/>
-          </a:p>
-        </p:txBody>
-      </p:sp>
-      <p:sp>
-        <p:nvSpPr>
-          <p:cNvPr id="14" name="Flowchart: Process 13"/>
+          <a:bodyPr rot="0" spcFirstLastPara="0" vertOverflow="overflow" horzOverflow="overflow" vert="horz" wrap="square" lIns="132076" tIns="66038" rIns="132076" bIns="66038" numCol="1" spcCol="0" rtlCol="0" fromWordArt="0" anchor="ctr" anchorCtr="0" forceAA="0" compatLnSpc="1">
+            <a:prstTxWarp prst="textNoShape">
+              <a:avLst/>
+            </a:prstTxWarp>
+            <a:noAutofit/>
+          </a:bodyPr>
+          <a:lstStyle/>
+          <a:p>
+            <a:pPr algn="ctr" defTabSz="1320759"/>
+            <a:endParaRPr lang="en-GB" sz="2598">
+              <a:solidFill>
+                <a:prstClr val="white"/>
+              </a:solidFill>
+              <a:latin typeface="Calibri" panose="020F0502020204030204"/>
+            </a:endParaRPr>
+          </a:p>
+        </p:txBody>
+      </p:sp>
+      <p:sp>
+        <p:nvSpPr>
+          <p:cNvPr id="59" name="Striped Right Arrow 58"/>
           <p:cNvSpPr/>
           <p:nvPr/>
         </p:nvSpPr>
         <p:spPr>
           <a:xfrm>
-            <a:off x="457532" y="5366675"/>
-            <a:ext cx="616024" cy="257174"/>
-          </a:xfrm>
-          <a:prstGeom prst="flowChartProcess">
+            <a:off x="9863150" y="2826362"/>
+            <a:ext cx="2113218" cy="831280"/>
+          </a:xfrm>
+          <a:prstGeom prst="stripedRightArrow">
             <a:avLst/>
           </a:prstGeom>
+          <a:solidFill>
+            <a:schemeClr val="tx1">
+              <a:lumMod val="75000"/>
+              <a:lumOff val="25000"/>
+            </a:schemeClr>
+          </a:solidFill>
         </p:spPr>
         <p:style>
           <a:lnRef idx="2">
@@ -3241,32 +6551,44 @@
           </a:fontRef>
         </p:style>
         <p:txBody>
-          <a:bodyPr rtlCol="0" anchor="ctr"/>
-          <a:lstStyle/>
-          <a:p>
-            <a:pPr algn="ctr"/>
-            <a:r>
-              <a:rPr lang="en-GB" sz="1013" dirty="0"/>
-              <a:t>Options</a:t>
-            </a:r>
-            <a:endParaRPr lang="en-GB" sz="1013" dirty="0"/>
-          </a:p>
-        </p:txBody>
-      </p:sp>
-      <p:sp>
-        <p:nvSpPr>
-          <p:cNvPr id="15" name="Flowchart: Decision 14"/>
+          <a:bodyPr rot="0" spcFirstLastPara="0" vertOverflow="overflow" horzOverflow="overflow" vert="horz" wrap="square" lIns="132076" tIns="66038" rIns="132076" bIns="66038" numCol="1" spcCol="0" rtlCol="0" fromWordArt="0" anchor="ctr" anchorCtr="0" forceAA="0" compatLnSpc="1">
+            <a:prstTxWarp prst="textNoShape">
+              <a:avLst/>
+            </a:prstTxWarp>
+            <a:noAutofit/>
+          </a:bodyPr>
+          <a:lstStyle/>
+          <a:p>
+            <a:pPr algn="ctr" defTabSz="1320759"/>
+            <a:endParaRPr lang="en-GB" sz="2598">
+              <a:solidFill>
+                <a:prstClr val="white"/>
+              </a:solidFill>
+              <a:latin typeface="Calibri" panose="020F0502020204030204"/>
+            </a:endParaRPr>
+          </a:p>
+        </p:txBody>
+      </p:sp>
+      <p:sp>
+        <p:nvSpPr>
+          <p:cNvPr id="61" name="Rectangle 60"/>
           <p:cNvSpPr/>
           <p:nvPr/>
         </p:nvSpPr>
         <p:spPr>
           <a:xfrm>
-            <a:off x="1354654" y="5336771"/>
-            <a:ext cx="604062" cy="316983"/>
-          </a:xfrm>
-          <a:prstGeom prst="flowChartDecision">
+            <a:off x="12064750" y="624094"/>
+            <a:ext cx="2081622" cy="4913656"/>
+          </a:xfrm>
+          <a:prstGeom prst="rect">
             <a:avLst/>
           </a:prstGeom>
+          <a:solidFill>
+            <a:schemeClr val="tx1">
+              <a:lumMod val="75000"/>
+              <a:lumOff val="25000"/>
+            </a:schemeClr>
+          </a:solidFill>
         </p:spPr>
         <p:style>
           <a:lnRef idx="2">
@@ -3285,32 +6607,140 @@
           </a:fontRef>
         </p:style>
         <p:txBody>
-          <a:bodyPr rtlCol="0" anchor="ctr"/>
-          <a:lstStyle/>
-          <a:p>
-            <a:pPr algn="ctr"/>
-            <a:r>
-              <a:rPr lang="en-GB" sz="1013" dirty="0"/>
-              <a:t>Has</a:t>
-            </a:r>
-            <a:endParaRPr lang="en-GB" sz="1013" dirty="0"/>
-          </a:p>
-        </p:txBody>
-      </p:sp>
-      <p:sp>
-        <p:nvSpPr>
-          <p:cNvPr id="16" name="Flowchart: Process 15"/>
+          <a:bodyPr rot="0" spcFirstLastPara="0" vertOverflow="overflow" horzOverflow="overflow" vert="horz" wrap="square" lIns="132076" tIns="66038" rIns="132076" bIns="66038" numCol="1" spcCol="0" rtlCol="0" fromWordArt="0" anchor="ctr" anchorCtr="0" forceAA="0" compatLnSpc="1">
+            <a:prstTxWarp prst="textNoShape">
+              <a:avLst/>
+            </a:prstTxWarp>
+            <a:noAutofit/>
+          </a:bodyPr>
+          <a:lstStyle/>
+          <a:p>
+            <a:pPr algn="ctr" defTabSz="1320759"/>
+            <a:endParaRPr lang="en-GB" sz="2598">
+              <a:solidFill>
+                <a:prstClr val="white"/>
+              </a:solidFill>
+              <a:latin typeface="Calibri" panose="020F0502020204030204"/>
+            </a:endParaRPr>
+          </a:p>
+        </p:txBody>
+      </p:sp>
+      <p:sp>
+        <p:nvSpPr>
+          <p:cNvPr id="63" name="Rectangle 62"/>
           <p:cNvSpPr/>
           <p:nvPr/>
         </p:nvSpPr>
         <p:spPr>
           <a:xfrm>
-            <a:off x="1990613" y="5272976"/>
-            <a:ext cx="616024" cy="257174"/>
-          </a:xfrm>
-          <a:prstGeom prst="flowChartProcess">
+            <a:off x="3294576" y="-94116"/>
+            <a:ext cx="1594018" cy="844651"/>
+          </a:xfrm>
+          <a:prstGeom prst="rect">
             <a:avLst/>
           </a:prstGeom>
+          <a:noFill/>
+        </p:spPr>
+        <p:txBody>
+          <a:bodyPr wrap="none" lIns="132076" tIns="66038" rIns="132076" bIns="66038">
+            <a:spAutoFit/>
+          </a:bodyPr>
+          <a:lstStyle/>
+          <a:p>
+            <a:pPr algn="ctr" defTabSz="1320759"/>
+            <a:r>
+              <a:rPr lang="en-US" sz="4622" dirty="0">
+                <a:ln w="0"/>
+                <a:solidFill>
+                  <a:prstClr val="black">
+                    <a:lumMod val="75000"/>
+                    <a:lumOff val="25000"/>
+                  </a:prstClr>
+                </a:solidFill>
+                <a:effectLst>
+                  <a:outerShdw blurRad="38100" dist="19050" dir="2700000" algn="tl" rotWithShape="0">
+                    <a:prstClr val="black">
+                      <a:alpha val="40000"/>
+                    </a:prstClr>
+                  </a:outerShdw>
+                </a:effectLst>
+                <a:latin typeface="Eras Light ITC" panose="020B0402030504020804" pitchFamily="34" charset="0"/>
+              </a:rPr>
+              <a:t>Users</a:t>
+            </a:r>
+          </a:p>
+        </p:txBody>
+      </p:sp>
+      <p:sp>
+        <p:nvSpPr>
+          <p:cNvPr id="64" name="Rectangle 63"/>
+          <p:cNvSpPr/>
+          <p:nvPr/>
+        </p:nvSpPr>
+        <p:spPr>
+          <a:xfrm>
+            <a:off x="11968719" y="-94116"/>
+            <a:ext cx="2273691" cy="844651"/>
+          </a:xfrm>
+          <a:prstGeom prst="rect">
+            <a:avLst/>
+          </a:prstGeom>
+          <a:noFill/>
+        </p:spPr>
+        <p:txBody>
+          <a:bodyPr wrap="none" lIns="132076" tIns="66038" rIns="132076" bIns="66038">
+            <a:spAutoFit/>
+          </a:bodyPr>
+          <a:lstStyle/>
+          <a:p>
+            <a:pPr algn="ctr" defTabSz="1320759"/>
+            <a:r>
+              <a:rPr lang="en-US" sz="4622" dirty="0">
+                <a:ln w="0"/>
+                <a:solidFill>
+                  <a:prstClr val="black">
+                    <a:lumMod val="75000"/>
+                    <a:lumOff val="25000"/>
+                  </a:prstClr>
+                </a:solidFill>
+                <a:effectLst>
+                  <a:outerShdw blurRad="38100" dist="19050" dir="2700000" algn="tl" rotWithShape="0">
+                    <a:prstClr val="black">
+                      <a:alpha val="40000"/>
+                    </a:prstClr>
+                  </a:outerShdw>
+                </a:effectLst>
+                <a:latin typeface="Eras Light ITC" panose="020B0402030504020804" pitchFamily="34" charset="0"/>
+              </a:rPr>
+              <a:t>Outputs</a:t>
+            </a:r>
+          </a:p>
+        </p:txBody>
+      </p:sp>
+      <p:sp>
+        <p:nvSpPr>
+          <p:cNvPr id="65" name="Rectangle 64"/>
+          <p:cNvSpPr/>
+          <p:nvPr/>
+        </p:nvSpPr>
+        <p:spPr>
+          <a:xfrm>
+            <a:off x="5587832" y="149"/>
+            <a:ext cx="5840179" cy="9905702"/>
+          </a:xfrm>
+          <a:prstGeom prst="rect">
+            <a:avLst/>
+          </a:prstGeom>
+          <a:noFill/>
+          <a:ln>
+            <a:solidFill>
+              <a:schemeClr val="tx1">
+                <a:lumMod val="75000"/>
+                <a:lumOff val="25000"/>
+              </a:schemeClr>
+            </a:solidFill>
+            <a:prstDash val="lgDash"/>
+          </a:ln>
         </p:spPr>
         <p:style>
           <a:lnRef idx="2">
@@ -3329,635 +6759,421 @@
           </a:fontRef>
         </p:style>
         <p:txBody>
-          <a:bodyPr rtlCol="0" anchor="ctr"/>
-          <a:lstStyle/>
-          <a:p>
-            <a:pPr algn="ctr"/>
-            <a:r>
-              <a:rPr lang="en-GB" sz="1013" dirty="0"/>
-              <a:t>Subject </a:t>
-            </a:r>
-          </a:p>
-          <a:p>
-            <a:pPr algn="ctr"/>
-            <a:r>
-              <a:rPr lang="en-GB" sz="1013" dirty="0" err="1"/>
-              <a:t>Mgmt</a:t>
-            </a:r>
-            <a:endParaRPr lang="en-GB" sz="1013" dirty="0"/>
-          </a:p>
-        </p:txBody>
-      </p:sp>
-      <p:sp>
-        <p:nvSpPr>
-          <p:cNvPr id="17" name="Flowchart: Process 16"/>
+          <a:bodyPr rot="0" spcFirstLastPara="0" vertOverflow="overflow" horzOverflow="overflow" vert="horz" wrap="square" lIns="132076" tIns="66038" rIns="132076" bIns="66038" numCol="1" spcCol="0" rtlCol="0" fromWordArt="0" anchor="ctr" anchorCtr="0" forceAA="0" compatLnSpc="1">
+            <a:prstTxWarp prst="textNoShape">
+              <a:avLst/>
+            </a:prstTxWarp>
+            <a:noAutofit/>
+          </a:bodyPr>
+          <a:lstStyle/>
+          <a:p>
+            <a:pPr algn="ctr" defTabSz="1320759"/>
+            <a:endParaRPr lang="en-GB" sz="2598">
+              <a:solidFill>
+                <a:prstClr val="white"/>
+              </a:solidFill>
+              <a:latin typeface="Calibri" panose="020F0502020204030204"/>
+            </a:endParaRPr>
+          </a:p>
+        </p:txBody>
+      </p:sp>
+      <p:pic>
+        <p:nvPicPr>
+          <p:cNvPr id="66" name="Picture 65" descr="Icono Encuesta De Verificación · Gráficos vectoriales ..."/>
+          <p:cNvPicPr>
+            <a:picLocks noChangeAspect="1"/>
+          </p:cNvPicPr>
+          <p:nvPr/>
+        </p:nvPicPr>
+        <p:blipFill>
+          <a:blip r:embed="rId7" cstate="print">
+            <a:extLst>
+              <a:ext uri="{BEBA8EAE-BF5A-486C-A8C5-ECC9F3942E4B}">
+                <a14:imgProps xmlns:a14="http://schemas.microsoft.com/office/drawing/2010/main">
+                  <a14:imgLayer r:embed="rId8">
+                    <a14:imgEffect>
+                      <a14:saturation sat="33000"/>
+                    </a14:imgEffect>
+                  </a14:imgLayer>
+                </a14:imgProps>
+              </a:ext>
+              <a:ext uri="{28A0092B-C50C-407E-A947-70E740481C1C}">
+                <a14:useLocalDpi xmlns:a14="http://schemas.microsoft.com/office/drawing/2010/main" val="0"/>
+              </a:ext>
+            </a:extLst>
+          </a:blip>
+          <a:stretch>
+            <a:fillRect/>
+          </a:stretch>
+        </p:blipFill>
+        <p:spPr>
+          <a:xfrm>
+            <a:off x="12469824" y="806285"/>
+            <a:ext cx="1271474" cy="1271474"/>
+          </a:xfrm>
+          <a:prstGeom prst="rect">
+            <a:avLst/>
+          </a:prstGeom>
+        </p:spPr>
+      </p:pic>
+      <p:pic>
+        <p:nvPicPr>
+          <p:cNvPr id="67" name="Picture 66" descr="API Evangelist"/>
+          <p:cNvPicPr>
+            <a:picLocks noChangeAspect="1"/>
+          </p:cNvPicPr>
+          <p:nvPr/>
+        </p:nvPicPr>
+        <p:blipFill>
+          <a:blip r:embed="rId9" cstate="print">
+            <a:extLst>
+              <a:ext uri="{28A0092B-C50C-407E-A947-70E740481C1C}">
+                <a14:useLocalDpi xmlns:a14="http://schemas.microsoft.com/office/drawing/2010/main" val="0"/>
+              </a:ext>
+            </a:extLst>
+          </a:blip>
+          <a:stretch>
+            <a:fillRect/>
+          </a:stretch>
+        </p:blipFill>
+        <p:spPr>
+          <a:xfrm>
+            <a:off x="12469821" y="2413985"/>
+            <a:ext cx="1271477" cy="1656030"/>
+          </a:xfrm>
+          <a:prstGeom prst="rect">
+            <a:avLst/>
+          </a:prstGeom>
+        </p:spPr>
+      </p:pic>
+      <p:pic>
+        <p:nvPicPr>
+          <p:cNvPr id="68" name="Picture 67" descr="Team:UCSC/Project - 2017.igem.org"/>
+          <p:cNvPicPr>
+            <a:picLocks noChangeAspect="1"/>
+          </p:cNvPicPr>
+          <p:nvPr/>
+        </p:nvPicPr>
+        <p:blipFill>
+          <a:blip r:embed="rId10" cstate="print">
+            <a:extLst>
+              <a:ext uri="{28A0092B-C50C-407E-A947-70E740481C1C}">
+                <a14:useLocalDpi xmlns:a14="http://schemas.microsoft.com/office/drawing/2010/main" val="0"/>
+              </a:ext>
+            </a:extLst>
+          </a:blip>
+          <a:stretch>
+            <a:fillRect/>
+          </a:stretch>
+        </p:blipFill>
+        <p:spPr>
+          <a:xfrm>
+            <a:off x="12232187" y="3845610"/>
+            <a:ext cx="1747891" cy="1747891"/>
+          </a:xfrm>
+          <a:prstGeom prst="rect">
+            <a:avLst/>
+          </a:prstGeom>
+        </p:spPr>
+      </p:pic>
+      <p:sp>
+        <p:nvSpPr>
+          <p:cNvPr id="62" name="Rectangle 61"/>
           <p:cNvSpPr/>
           <p:nvPr/>
         </p:nvSpPr>
         <p:spPr>
           <a:xfrm>
-            <a:off x="1990613" y="4921103"/>
-            <a:ext cx="616024" cy="257174"/>
-          </a:xfrm>
-          <a:prstGeom prst="flowChartProcess">
+            <a:off x="12572245" y="1922272"/>
+            <a:ext cx="1066630" cy="533155"/>
+          </a:xfrm>
+          <a:prstGeom prst="rect">
             <a:avLst/>
           </a:prstGeom>
-        </p:spPr>
-        <p:style>
-          <a:lnRef idx="2">
-            <a:schemeClr val="accent1">
-              <a:shade val="50000"/>
-            </a:schemeClr>
-          </a:lnRef>
-          <a:fillRef idx="1">
-            <a:schemeClr val="accent1"/>
-          </a:fillRef>
-          <a:effectRef idx="0">
-            <a:schemeClr val="accent1"/>
-          </a:effectRef>
-          <a:fontRef idx="minor">
-            <a:schemeClr val="lt1"/>
-          </a:fontRef>
-        </p:style>
-        <p:txBody>
-          <a:bodyPr rtlCol="0" anchor="ctr"/>
-          <a:lstStyle/>
-          <a:p>
-            <a:pPr algn="ctr"/>
-            <a:r>
-              <a:rPr lang="en-GB" sz="1013" dirty="0"/>
-              <a:t>Notice </a:t>
-            </a:r>
-            <a:r>
-              <a:rPr lang="en-GB" sz="1013" dirty="0" err="1"/>
-              <a:t>Mgmt</a:t>
-            </a:r>
-            <a:endParaRPr lang="en-GB" sz="1013" dirty="0"/>
-          </a:p>
-        </p:txBody>
-      </p:sp>
-      <p:sp>
-        <p:nvSpPr>
-          <p:cNvPr id="18" name="Flowchart: Process 17"/>
+          <a:noFill/>
+        </p:spPr>
+        <p:txBody>
+          <a:bodyPr wrap="none" lIns="132076" tIns="66038" rIns="132076" bIns="66038">
+            <a:spAutoFit/>
+          </a:bodyPr>
+          <a:lstStyle/>
+          <a:p>
+            <a:pPr algn="ctr" defTabSz="1320759"/>
+            <a:r>
+              <a:rPr lang="en-US" sz="2598" dirty="0">
+                <a:ln w="0"/>
+                <a:solidFill>
+                  <a:prstClr val="white"/>
+                </a:solidFill>
+                <a:effectLst>
+                  <a:outerShdw blurRad="38100" dist="19050" dir="2700000" algn="tl" rotWithShape="0">
+                    <a:prstClr val="black">
+                      <a:alpha val="40000"/>
+                    </a:prstClr>
+                  </a:outerShdw>
+                </a:effectLst>
+                <a:latin typeface="Eras Light ITC" panose="020B0402030504020804" pitchFamily="34" charset="0"/>
+              </a:rPr>
+              <a:t>Result</a:t>
+            </a:r>
+          </a:p>
+        </p:txBody>
+      </p:sp>
+      <p:sp>
+        <p:nvSpPr>
+          <p:cNvPr id="69" name="Rectangle 68"/>
           <p:cNvSpPr/>
           <p:nvPr/>
         </p:nvSpPr>
         <p:spPr>
           <a:xfrm>
-            <a:off x="1990614" y="4567239"/>
-            <a:ext cx="616024" cy="257174"/>
-          </a:xfrm>
-          <a:prstGeom prst="flowChartProcess">
+            <a:off x="7854093" y="4283562"/>
+            <a:ext cx="1576386" cy="533155"/>
+          </a:xfrm>
+          <a:prstGeom prst="rect">
             <a:avLst/>
           </a:prstGeom>
-        </p:spPr>
-        <p:style>
-          <a:lnRef idx="2">
-            <a:schemeClr val="accent1">
-              <a:shade val="50000"/>
-            </a:schemeClr>
-          </a:lnRef>
-          <a:fillRef idx="1">
-            <a:schemeClr val="accent1"/>
-          </a:fillRef>
-          <a:effectRef idx="0">
-            <a:schemeClr val="accent1"/>
-          </a:effectRef>
-          <a:fontRef idx="minor">
-            <a:schemeClr val="lt1"/>
-          </a:fontRef>
-        </p:style>
-        <p:txBody>
-          <a:bodyPr rtlCol="0" anchor="ctr"/>
-          <a:lstStyle/>
-          <a:p>
-            <a:pPr algn="ctr"/>
-            <a:r>
-              <a:rPr lang="en-GB" sz="1013" dirty="0"/>
-              <a:t>User </a:t>
-            </a:r>
-            <a:r>
-              <a:rPr lang="en-GB" sz="1013" dirty="0" err="1"/>
-              <a:t>Mgmt</a:t>
-            </a:r>
-            <a:endParaRPr lang="en-GB" sz="1013" dirty="0"/>
-          </a:p>
-        </p:txBody>
-      </p:sp>
-      <p:sp>
-        <p:nvSpPr>
-          <p:cNvPr id="20" name="Flowchart: Process 19"/>
+          <a:noFill/>
+        </p:spPr>
+        <p:txBody>
+          <a:bodyPr wrap="none" lIns="132076" tIns="66038" rIns="132076" bIns="66038">
+            <a:spAutoFit/>
+          </a:bodyPr>
+          <a:lstStyle/>
+          <a:p>
+            <a:pPr algn="ctr" defTabSz="1320759"/>
+            <a:r>
+              <a:rPr lang="en-US" sz="2598" dirty="0">
+                <a:ln w="0"/>
+                <a:solidFill>
+                  <a:prstClr val="black">
+                    <a:lumMod val="75000"/>
+                    <a:lumOff val="25000"/>
+                  </a:prstClr>
+                </a:solidFill>
+                <a:effectLst>
+                  <a:outerShdw blurRad="38100" dist="19050" dir="2700000" algn="tl" rotWithShape="0">
+                    <a:prstClr val="black">
+                      <a:alpha val="40000"/>
+                    </a:prstClr>
+                  </a:outerShdw>
+                </a:effectLst>
+                <a:latin typeface="Eras Light ITC" panose="020B0402030504020804" pitchFamily="34" charset="0"/>
+              </a:rPr>
+              <a:t>Database</a:t>
+            </a:r>
+          </a:p>
+        </p:txBody>
+      </p:sp>
+      <p:sp>
+        <p:nvSpPr>
+          <p:cNvPr id="70" name="Rectangle 69"/>
           <p:cNvSpPr/>
           <p:nvPr/>
         </p:nvSpPr>
         <p:spPr>
           <a:xfrm>
-            <a:off x="1990613" y="6344539"/>
-            <a:ext cx="616024" cy="257174"/>
-          </a:xfrm>
-          <a:prstGeom prst="flowChartProcess">
+            <a:off x="12402681" y="5129052"/>
+            <a:ext cx="1372804" cy="533155"/>
+          </a:xfrm>
+          <a:prstGeom prst="rect">
             <a:avLst/>
           </a:prstGeom>
-        </p:spPr>
-        <p:style>
-          <a:lnRef idx="2">
-            <a:schemeClr val="accent1">
-              <a:shade val="50000"/>
-            </a:schemeClr>
-          </a:lnRef>
-          <a:fillRef idx="1">
-            <a:schemeClr val="accent1"/>
-          </a:fillRef>
-          <a:effectRef idx="0">
-            <a:schemeClr val="accent1"/>
-          </a:effectRef>
-          <a:fontRef idx="minor">
-            <a:schemeClr val="lt1"/>
-          </a:fontRef>
-        </p:style>
-        <p:txBody>
-          <a:bodyPr rtlCol="0" anchor="ctr"/>
-          <a:lstStyle/>
-          <a:p>
-            <a:pPr algn="ctr"/>
-            <a:r>
-              <a:rPr lang="en-GB" sz="1013" dirty="0"/>
-              <a:t>View</a:t>
-            </a:r>
-            <a:endParaRPr lang="en-GB" sz="1013" dirty="0"/>
-          </a:p>
-        </p:txBody>
-      </p:sp>
-      <p:sp>
-        <p:nvSpPr>
-          <p:cNvPr id="21" name="Flowchart: Process 20"/>
+          <a:noFill/>
+        </p:spPr>
+        <p:txBody>
+          <a:bodyPr wrap="none" lIns="132076" tIns="66038" rIns="132076" bIns="66038">
+            <a:spAutoFit/>
+          </a:bodyPr>
+          <a:lstStyle/>
+          <a:p>
+            <a:pPr algn="ctr" defTabSz="1320759"/>
+            <a:r>
+              <a:rPr lang="en-US" sz="2598" dirty="0">
+                <a:ln w="0"/>
+                <a:solidFill>
+                  <a:prstClr val="white"/>
+                </a:solidFill>
+                <a:effectLst>
+                  <a:outerShdw blurRad="38100" dist="19050" dir="2700000" algn="tl" rotWithShape="0">
+                    <a:prstClr val="black">
+                      <a:alpha val="40000"/>
+                    </a:prstClr>
+                  </a:outerShdw>
+                </a:effectLst>
+                <a:latin typeface="Eras Light ITC" panose="020B0402030504020804" pitchFamily="34" charset="0"/>
+              </a:rPr>
+              <a:t>Statistics</a:t>
+            </a:r>
+          </a:p>
+        </p:txBody>
+      </p:sp>
+      <p:sp>
+        <p:nvSpPr>
+          <p:cNvPr id="71" name="Rectangle 70"/>
           <p:cNvSpPr/>
           <p:nvPr/>
         </p:nvSpPr>
         <p:spPr>
           <a:xfrm>
-            <a:off x="1990613" y="5632821"/>
-            <a:ext cx="616024" cy="257174"/>
-          </a:xfrm>
-          <a:prstGeom prst="flowChartProcess">
+            <a:off x="3370220" y="1941543"/>
+            <a:ext cx="1451351" cy="533155"/>
+          </a:xfrm>
+          <a:prstGeom prst="rect">
             <a:avLst/>
           </a:prstGeom>
-        </p:spPr>
-        <p:style>
-          <a:lnRef idx="2">
-            <a:schemeClr val="accent1">
-              <a:shade val="50000"/>
-            </a:schemeClr>
-          </a:lnRef>
-          <a:fillRef idx="1">
-            <a:schemeClr val="accent1"/>
-          </a:fillRef>
-          <a:effectRef idx="0">
-            <a:schemeClr val="accent1"/>
-          </a:effectRef>
-          <a:fontRef idx="minor">
-            <a:schemeClr val="lt1"/>
-          </a:fontRef>
-        </p:style>
-        <p:txBody>
-          <a:bodyPr rtlCol="0" anchor="ctr"/>
-          <a:lstStyle/>
-          <a:p>
-            <a:pPr algn="ctr"/>
-            <a:r>
-              <a:rPr lang="en-GB" sz="1013" dirty="0"/>
-              <a:t>Profile </a:t>
-            </a:r>
-          </a:p>
-          <a:p>
-            <a:pPr algn="ctr"/>
-            <a:r>
-              <a:rPr lang="en-GB" sz="1013" dirty="0" err="1"/>
-              <a:t>Mgmt</a:t>
-            </a:r>
-            <a:endParaRPr lang="en-GB" sz="1013" dirty="0"/>
-          </a:p>
-        </p:txBody>
-      </p:sp>
-      <p:sp>
-        <p:nvSpPr>
-          <p:cNvPr id="22" name="Flowchart: Process 21"/>
+          <a:noFill/>
+        </p:spPr>
+        <p:txBody>
+          <a:bodyPr wrap="none" lIns="132076" tIns="66038" rIns="132076" bIns="66038">
+            <a:spAutoFit/>
+          </a:bodyPr>
+          <a:lstStyle/>
+          <a:p>
+            <a:pPr algn="ctr" defTabSz="1320759"/>
+            <a:r>
+              <a:rPr lang="en-US" sz="2598" dirty="0">
+                <a:ln w="0"/>
+                <a:solidFill>
+                  <a:prstClr val="white"/>
+                </a:solidFill>
+                <a:effectLst>
+                  <a:outerShdw blurRad="38100" dist="19050" dir="2700000" algn="tl" rotWithShape="0">
+                    <a:prstClr val="black">
+                      <a:alpha val="40000"/>
+                    </a:prstClr>
+                  </a:outerShdw>
+                </a:effectLst>
+                <a:latin typeface="Eras Light ITC" panose="020B0402030504020804" pitchFamily="34" charset="0"/>
+              </a:rPr>
+              <a:t>Students</a:t>
+            </a:r>
+          </a:p>
+        </p:txBody>
+      </p:sp>
+      <p:sp>
+        <p:nvSpPr>
+          <p:cNvPr id="72" name="Rectangle 71"/>
           <p:cNvSpPr/>
           <p:nvPr/>
         </p:nvSpPr>
         <p:spPr>
           <a:xfrm>
-            <a:off x="1990613" y="5984694"/>
-            <a:ext cx="616024" cy="257174"/>
-          </a:xfrm>
-          <a:prstGeom prst="flowChartProcess">
+            <a:off x="2978735" y="2951125"/>
+            <a:ext cx="2259264" cy="932944"/>
+          </a:xfrm>
+          <a:prstGeom prst="rect">
             <a:avLst/>
           </a:prstGeom>
-        </p:spPr>
-        <p:style>
-          <a:lnRef idx="2">
-            <a:schemeClr val="accent1">
-              <a:shade val="50000"/>
-            </a:schemeClr>
-          </a:lnRef>
-          <a:fillRef idx="1">
-            <a:schemeClr val="accent1"/>
-          </a:fillRef>
-          <a:effectRef idx="0">
-            <a:schemeClr val="accent1"/>
-          </a:effectRef>
-          <a:fontRef idx="minor">
-            <a:schemeClr val="lt1"/>
-          </a:fontRef>
-        </p:style>
-        <p:txBody>
-          <a:bodyPr rtlCol="0" anchor="ctr"/>
-          <a:lstStyle/>
-          <a:p>
-            <a:pPr algn="ctr"/>
-            <a:r>
-              <a:rPr lang="en-GB" sz="1013" dirty="0"/>
-              <a:t>Class Test </a:t>
-            </a:r>
-          </a:p>
-          <a:p>
-            <a:pPr algn="ctr"/>
-            <a:r>
-              <a:rPr lang="en-GB" sz="1013" dirty="0" err="1"/>
-              <a:t>Mgmt</a:t>
-            </a:r>
-            <a:endParaRPr lang="en-GB" sz="1013" dirty="0"/>
-          </a:p>
-        </p:txBody>
-      </p:sp>
-      <p:sp>
-        <p:nvSpPr>
-          <p:cNvPr id="27" name="Flowchart: Process 26"/>
+          <a:noFill/>
+        </p:spPr>
+        <p:txBody>
+          <a:bodyPr wrap="none" lIns="132076" tIns="66038" rIns="132076" bIns="66038">
+            <a:spAutoFit/>
+          </a:bodyPr>
+          <a:lstStyle/>
+          <a:p>
+            <a:pPr algn="ctr" defTabSz="1320759"/>
+            <a:r>
+              <a:rPr lang="en-US" sz="2598" dirty="0">
+                <a:ln w="0"/>
+                <a:solidFill>
+                  <a:prstClr val="white"/>
+                </a:solidFill>
+                <a:effectLst>
+                  <a:outerShdw blurRad="38100" dist="19050" dir="2700000" algn="tl" rotWithShape="0">
+                    <a:prstClr val="black">
+                      <a:alpha val="40000"/>
+                    </a:prstClr>
+                  </a:outerShdw>
+                </a:effectLst>
+                <a:latin typeface="Eras Light ITC" panose="020B0402030504020804" pitchFamily="34" charset="0"/>
+              </a:rPr>
+              <a:t>Administrator/</a:t>
+            </a:r>
+          </a:p>
+          <a:p>
+            <a:pPr algn="ctr" defTabSz="1320759"/>
+            <a:r>
+              <a:rPr lang="en-US" sz="2598" dirty="0">
+                <a:ln w="0"/>
+                <a:solidFill>
+                  <a:prstClr val="white"/>
+                </a:solidFill>
+                <a:effectLst>
+                  <a:outerShdw blurRad="38100" dist="19050" dir="2700000" algn="tl" rotWithShape="0">
+                    <a:prstClr val="black">
+                      <a:alpha val="40000"/>
+                    </a:prstClr>
+                  </a:outerShdw>
+                </a:effectLst>
+                <a:latin typeface="Eras Light ITC" panose="020B0402030504020804" pitchFamily="34" charset="0"/>
+              </a:rPr>
+              <a:t>Faculty</a:t>
+            </a:r>
+          </a:p>
+        </p:txBody>
+      </p:sp>
+      <p:sp>
+        <p:nvSpPr>
+          <p:cNvPr id="73" name="Rectangle 72"/>
           <p:cNvSpPr/>
           <p:nvPr/>
         </p:nvSpPr>
         <p:spPr>
           <a:xfrm>
-            <a:off x="2404288" y="3353133"/>
-            <a:ext cx="616024" cy="257174"/>
-          </a:xfrm>
-          <a:prstGeom prst="flowChartProcess">
+            <a:off x="12442756" y="3510140"/>
+            <a:ext cx="1292653" cy="533155"/>
+          </a:xfrm>
+          <a:prstGeom prst="rect">
             <a:avLst/>
           </a:prstGeom>
-        </p:spPr>
-        <p:style>
-          <a:lnRef idx="2">
-            <a:schemeClr val="accent1">
-              <a:shade val="50000"/>
-            </a:schemeClr>
-          </a:lnRef>
-          <a:fillRef idx="1">
-            <a:schemeClr val="accent1"/>
-          </a:fillRef>
-          <a:effectRef idx="0">
-            <a:schemeClr val="accent1"/>
-          </a:effectRef>
-          <a:fontRef idx="minor">
-            <a:schemeClr val="lt1"/>
-          </a:fontRef>
-        </p:style>
-        <p:txBody>
-          <a:bodyPr rtlCol="0" anchor="ctr"/>
-          <a:lstStyle/>
-          <a:p>
-            <a:pPr algn="ctr"/>
-            <a:r>
-              <a:rPr lang="en-GB" sz="1013" dirty="0"/>
-              <a:t>Students</a:t>
-            </a:r>
-            <a:endParaRPr lang="en-GB" sz="1013" dirty="0"/>
-          </a:p>
-        </p:txBody>
-      </p:sp>
-      <p:sp>
-        <p:nvSpPr>
-          <p:cNvPr id="24" name="Flowchart: Decision 23"/>
-          <p:cNvSpPr/>
-          <p:nvPr/>
-        </p:nvSpPr>
-        <p:spPr>
-          <a:xfrm>
-            <a:off x="1348673" y="3867484"/>
-            <a:ext cx="604062" cy="316983"/>
-          </a:xfrm>
-          <a:prstGeom prst="flowChartDecision">
-            <a:avLst/>
-          </a:prstGeom>
-        </p:spPr>
-        <p:style>
-          <a:lnRef idx="2">
-            <a:schemeClr val="accent1">
-              <a:shade val="50000"/>
-            </a:schemeClr>
-          </a:lnRef>
-          <a:fillRef idx="1">
-            <a:schemeClr val="accent1"/>
-          </a:fillRef>
-          <a:effectRef idx="0">
-            <a:schemeClr val="accent1"/>
-          </a:effectRef>
-          <a:fontRef idx="minor">
-            <a:schemeClr val="lt1"/>
-          </a:fontRef>
-        </p:style>
-        <p:txBody>
-          <a:bodyPr rtlCol="0" anchor="ctr"/>
-          <a:lstStyle/>
-          <a:p>
-            <a:pPr algn="ctr"/>
-            <a:r>
-              <a:rPr lang="en-GB" sz="1013" dirty="0"/>
-              <a:t>Can</a:t>
-            </a:r>
-            <a:endParaRPr lang="en-GB" sz="1013" dirty="0"/>
-          </a:p>
-        </p:txBody>
-      </p:sp>
-      <p:cxnSp>
-        <p:nvCxnSpPr>
-          <p:cNvPr id="39" name="Elbow Connector 38"/>
-          <p:cNvCxnSpPr>
-            <a:stCxn id="27" idx="2"/>
-            <a:endCxn id="24" idx="3"/>
-          </p:cNvCxnSpPr>
-          <p:nvPr/>
-        </p:nvCxnSpPr>
-        <p:spPr>
-          <a:xfrm rot="5400000">
-            <a:off x="2124685" y="3438358"/>
-            <a:ext cx="415667" cy="759565"/>
-          </a:xfrm>
-          <a:prstGeom prst="bentConnector2">
-            <a:avLst/>
-          </a:prstGeom>
-          <a:ln>
-            <a:tailEnd type="triangle"/>
-          </a:ln>
-        </p:spPr>
-        <p:style>
-          <a:lnRef idx="1">
-            <a:schemeClr val="accent1"/>
-          </a:lnRef>
-          <a:fillRef idx="0">
-            <a:schemeClr val="accent1"/>
-          </a:fillRef>
-          <a:effectRef idx="0">
-            <a:schemeClr val="accent1"/>
-          </a:effectRef>
-          <a:fontRef idx="minor">
-            <a:schemeClr val="tx1"/>
-          </a:fontRef>
-        </p:style>
-      </p:cxnSp>
-      <p:cxnSp>
-        <p:nvCxnSpPr>
-          <p:cNvPr id="43" name="Straight Arrow Connector 42"/>
-          <p:cNvCxnSpPr>
-            <a:stCxn id="29" idx="2"/>
-            <a:endCxn id="8" idx="3"/>
-          </p:cNvCxnSpPr>
-          <p:nvPr/>
-        </p:nvCxnSpPr>
-        <p:spPr>
-          <a:xfrm flipH="1">
-            <a:off x="1067576" y="3610307"/>
-            <a:ext cx="595091" cy="415667"/>
-          </a:xfrm>
-          <a:prstGeom prst="straightConnector1">
-            <a:avLst/>
-          </a:prstGeom>
-          <a:ln>
-            <a:tailEnd type="triangle"/>
-          </a:ln>
-        </p:spPr>
-        <p:style>
-          <a:lnRef idx="1">
-            <a:schemeClr val="accent1"/>
-          </a:lnRef>
-          <a:fillRef idx="0">
-            <a:schemeClr val="accent1"/>
-          </a:fillRef>
-          <a:effectRef idx="0">
-            <a:schemeClr val="accent1"/>
-          </a:effectRef>
-          <a:fontRef idx="minor">
-            <a:schemeClr val="tx1"/>
-          </a:fontRef>
-        </p:style>
-      </p:cxnSp>
-      <p:cxnSp>
-        <p:nvCxnSpPr>
-          <p:cNvPr id="45" name="Elbow Connector 44"/>
-          <p:cNvCxnSpPr>
-            <a:stCxn id="27" idx="1"/>
-            <a:endCxn id="8" idx="1"/>
-          </p:cNvCxnSpPr>
-          <p:nvPr/>
-        </p:nvCxnSpPr>
-        <p:spPr>
-          <a:xfrm rot="10800000" flipV="1">
-            <a:off x="463514" y="3481721"/>
-            <a:ext cx="1940775" cy="544254"/>
-          </a:xfrm>
-          <a:prstGeom prst="bentConnector3">
-            <a:avLst>
-              <a:gd name="adj1" fmla="val 106626"/>
-            </a:avLst>
-          </a:prstGeom>
-          <a:ln>
-            <a:tailEnd type="triangle"/>
-          </a:ln>
-        </p:spPr>
-        <p:style>
-          <a:lnRef idx="1">
-            <a:schemeClr val="accent1"/>
-          </a:lnRef>
-          <a:fillRef idx="0">
-            <a:schemeClr val="accent1"/>
-          </a:fillRef>
-          <a:effectRef idx="0">
-            <a:schemeClr val="accent1"/>
-          </a:effectRef>
-          <a:fontRef idx="minor">
-            <a:schemeClr val="tx1"/>
-          </a:fontRef>
-        </p:style>
-      </p:cxnSp>
-      <p:sp>
-        <p:nvSpPr>
-          <p:cNvPr id="29" name="Flowchart: Process 28"/>
-          <p:cNvSpPr/>
-          <p:nvPr/>
-        </p:nvSpPr>
-        <p:spPr>
-          <a:xfrm>
-            <a:off x="1354654" y="3353133"/>
-            <a:ext cx="616024" cy="257174"/>
-          </a:xfrm>
-          <a:prstGeom prst="flowChartProcess">
-            <a:avLst/>
-          </a:prstGeom>
-        </p:spPr>
-        <p:style>
-          <a:lnRef idx="2">
-            <a:schemeClr val="accent1">
-              <a:shade val="50000"/>
-            </a:schemeClr>
-          </a:lnRef>
-          <a:fillRef idx="1">
-            <a:schemeClr val="accent1"/>
-          </a:fillRef>
-          <a:effectRef idx="0">
-            <a:schemeClr val="accent1"/>
-          </a:effectRef>
-          <a:fontRef idx="minor">
-            <a:schemeClr val="lt1"/>
-          </a:fontRef>
-        </p:style>
-        <p:txBody>
-          <a:bodyPr rtlCol="0" anchor="ctr"/>
-          <a:lstStyle/>
-          <a:p>
-            <a:pPr algn="ctr"/>
-            <a:r>
-              <a:rPr lang="en-GB" sz="1013" dirty="0"/>
-              <a:t>Teacher</a:t>
-            </a:r>
-            <a:endParaRPr lang="en-GB" sz="1013" dirty="0"/>
-          </a:p>
-        </p:txBody>
-      </p:sp>
-      <p:sp>
-        <p:nvSpPr>
-          <p:cNvPr id="2" name="Flowchart: Process 1"/>
-          <p:cNvSpPr/>
-          <p:nvPr/>
-        </p:nvSpPr>
-        <p:spPr>
-          <a:xfrm>
-            <a:off x="466504" y="3353135"/>
-            <a:ext cx="616024" cy="257174"/>
-          </a:xfrm>
-          <a:prstGeom prst="flowChartProcess">
-            <a:avLst/>
-          </a:prstGeom>
-        </p:spPr>
-        <p:style>
-          <a:lnRef idx="2">
-            <a:schemeClr val="accent1">
-              <a:shade val="50000"/>
-            </a:schemeClr>
-          </a:lnRef>
-          <a:fillRef idx="1">
-            <a:schemeClr val="accent1"/>
-          </a:fillRef>
-          <a:effectRef idx="0">
-            <a:schemeClr val="accent1"/>
-          </a:effectRef>
-          <a:fontRef idx="minor">
-            <a:schemeClr val="lt1"/>
-          </a:fontRef>
-        </p:style>
-        <p:txBody>
-          <a:bodyPr rtlCol="0" anchor="ctr"/>
-          <a:lstStyle/>
-          <a:p>
-            <a:pPr algn="ctr"/>
-            <a:r>
-              <a:rPr lang="en-GB" sz="1013" dirty="0"/>
-              <a:t>Admin</a:t>
-            </a:r>
-            <a:endParaRPr lang="en-GB" sz="1013" dirty="0"/>
-          </a:p>
-        </p:txBody>
-      </p:sp>
-      <p:cxnSp>
-        <p:nvCxnSpPr>
-          <p:cNvPr id="47" name="Straight Arrow Connector 46"/>
-          <p:cNvCxnSpPr>
-            <a:stCxn id="29" idx="3"/>
-            <a:endCxn id="24" idx="0"/>
-          </p:cNvCxnSpPr>
-          <p:nvPr/>
-        </p:nvCxnSpPr>
-        <p:spPr>
-          <a:xfrm flipH="1">
-            <a:off x="1650706" y="3481722"/>
-            <a:ext cx="319974" cy="385762"/>
-          </a:xfrm>
-          <a:prstGeom prst="straightConnector1">
-            <a:avLst/>
-          </a:prstGeom>
-          <a:ln>
-            <a:tailEnd type="triangle"/>
-          </a:ln>
-        </p:spPr>
-        <p:style>
-          <a:lnRef idx="1">
-            <a:schemeClr val="accent1"/>
-          </a:lnRef>
-          <a:fillRef idx="0">
-            <a:schemeClr val="accent1"/>
-          </a:fillRef>
-          <a:effectRef idx="0">
-            <a:schemeClr val="accent1"/>
-          </a:effectRef>
-          <a:fontRef idx="minor">
-            <a:schemeClr val="tx1"/>
-          </a:fontRef>
-        </p:style>
-      </p:cxnSp>
-      <p:cxnSp>
-        <p:nvCxnSpPr>
-          <p:cNvPr id="49" name="Straight Arrow Connector 48"/>
-          <p:cNvCxnSpPr>
-            <a:stCxn id="2" idx="3"/>
-            <a:endCxn id="24" idx="1"/>
-          </p:cNvCxnSpPr>
-          <p:nvPr/>
-        </p:nvCxnSpPr>
-        <p:spPr>
-          <a:xfrm>
-            <a:off x="1082527" y="3481723"/>
-            <a:ext cx="266146" cy="544253"/>
-          </a:xfrm>
-          <a:prstGeom prst="straightConnector1">
-            <a:avLst/>
-          </a:prstGeom>
-          <a:ln>
-            <a:tailEnd type="triangle"/>
-          </a:ln>
-        </p:spPr>
-        <p:style>
-          <a:lnRef idx="1">
-            <a:schemeClr val="accent1"/>
-          </a:lnRef>
-          <a:fillRef idx="0">
-            <a:schemeClr val="accent1"/>
-          </a:fillRef>
-          <a:effectRef idx="0">
-            <a:schemeClr val="accent1"/>
-          </a:effectRef>
-          <a:fontRef idx="minor">
-            <a:schemeClr val="tx1"/>
-          </a:fontRef>
-        </p:style>
-      </p:cxnSp>
+          <a:noFill/>
+        </p:spPr>
+        <p:txBody>
+          <a:bodyPr wrap="none" lIns="132076" tIns="66038" rIns="132076" bIns="66038">
+            <a:spAutoFit/>
+          </a:bodyPr>
+          <a:lstStyle/>
+          <a:p>
+            <a:pPr algn="ctr" defTabSz="1320759"/>
+            <a:r>
+              <a:rPr lang="en-US" sz="2598" dirty="0">
+                <a:ln w="0"/>
+                <a:solidFill>
+                  <a:prstClr val="white"/>
+                </a:solidFill>
+                <a:effectLst>
+                  <a:outerShdw blurRad="38100" dist="19050" dir="2700000" algn="tl" rotWithShape="0">
+                    <a:prstClr val="black">
+                      <a:alpha val="40000"/>
+                    </a:prstClr>
+                  </a:outerShdw>
+                </a:effectLst>
+                <a:latin typeface="Eras Light ITC" panose="020B0402030504020804" pitchFamily="34" charset="0"/>
+              </a:rPr>
+              <a:t>Reports</a:t>
+            </a:r>
+          </a:p>
+        </p:txBody>
+      </p:sp>
     </p:spTree>
     <p:extLst>
       <p:ext uri="{BB962C8B-B14F-4D97-AF65-F5344CB8AC3E}">
-        <p14:creationId xmlns:p14="http://schemas.microsoft.com/office/powerpoint/2010/main" val="2996557567"/>
+        <p14:creationId xmlns:p14="http://schemas.microsoft.com/office/powerpoint/2010/main" val="3516410349"/>
       </p:ext>
     </p:extLst>
   </p:cSld>
   <p:clrMapOvr>
     <a:masterClrMapping/>
   </p:clrMapOvr>
+  <p:timing>
+    <p:tnLst>
+      <p:par>
+        <p:cTn id="1" dur="indefinite" restart="never" nodeType="tmRoot"/>
+      </p:par>
+    </p:tnLst>
+  </p:timing>
 </p:sld>
 </file>
 
@@ -3980,16 +7196,16 @@
       </p:grpSpPr>
       <p:sp>
         <p:nvSpPr>
-          <p:cNvPr id="55" name="Rounded Rectangle 54"/>
+          <p:cNvPr id="8" name="Flowchart: Decision 7"/>
           <p:cNvSpPr/>
           <p:nvPr/>
         </p:nvSpPr>
         <p:spPr>
-          <a:xfrm rot="16200000">
-            <a:off x="4297219" y="5364785"/>
-            <a:ext cx="249827" cy="1080713"/>
-          </a:xfrm>
-          <a:prstGeom prst="roundRect">
+          <a:xfrm>
+            <a:off x="5839582" y="3867484"/>
+            <a:ext cx="604062" cy="316983"/>
+          </a:xfrm>
+          <a:prstGeom prst="flowChartDecision">
             <a:avLst/>
           </a:prstGeom>
         </p:spPr>
@@ -4010,6 +7226,933 @@
           </a:fontRef>
         </p:style>
         <p:txBody>
+          <a:bodyPr rtlCol="0" anchor="ctr"/>
+          <a:lstStyle/>
+          <a:p>
+            <a:pPr algn="ctr"/>
+            <a:r>
+              <a:rPr lang="en-GB" sz="1013" dirty="0"/>
+              <a:t>Has</a:t>
+            </a:r>
+          </a:p>
+        </p:txBody>
+      </p:sp>
+      <p:cxnSp>
+        <p:nvCxnSpPr>
+          <p:cNvPr id="10" name="Straight Arrow Connector 9"/>
+          <p:cNvCxnSpPr>
+            <a:stCxn id="2" idx="2"/>
+            <a:endCxn id="8" idx="0"/>
+          </p:cNvCxnSpPr>
+          <p:nvPr/>
+        </p:nvCxnSpPr>
+        <p:spPr>
+          <a:xfrm flipH="1">
+            <a:off x="6141613" y="3610308"/>
+            <a:ext cx="8972" cy="257174"/>
+          </a:xfrm>
+          <a:prstGeom prst="straightConnector1">
+            <a:avLst/>
+          </a:prstGeom>
+          <a:ln>
+            <a:tailEnd type="triangle"/>
+          </a:ln>
+        </p:spPr>
+        <p:style>
+          <a:lnRef idx="1">
+            <a:schemeClr val="accent1"/>
+          </a:lnRef>
+          <a:fillRef idx="0">
+            <a:schemeClr val="accent1"/>
+          </a:fillRef>
+          <a:effectRef idx="0">
+            <a:schemeClr val="accent1"/>
+          </a:effectRef>
+          <a:fontRef idx="minor">
+            <a:schemeClr val="tx1"/>
+          </a:fontRef>
+        </p:style>
+      </p:cxnSp>
+      <p:sp>
+        <p:nvSpPr>
+          <p:cNvPr id="11" name="Flowchart: Process 10"/>
+          <p:cNvSpPr/>
+          <p:nvPr/>
+        </p:nvSpPr>
+        <p:spPr>
+          <a:xfrm>
+            <a:off x="5842573" y="4359904"/>
+            <a:ext cx="616024" cy="257174"/>
+          </a:xfrm>
+          <a:prstGeom prst="flowChartProcess">
+            <a:avLst/>
+          </a:prstGeom>
+        </p:spPr>
+        <p:style>
+          <a:lnRef idx="2">
+            <a:schemeClr val="accent1">
+              <a:shade val="50000"/>
+            </a:schemeClr>
+          </a:lnRef>
+          <a:fillRef idx="1">
+            <a:schemeClr val="accent1"/>
+          </a:fillRef>
+          <a:effectRef idx="0">
+            <a:schemeClr val="accent1"/>
+          </a:effectRef>
+          <a:fontRef idx="minor">
+            <a:schemeClr val="lt1"/>
+          </a:fontRef>
+        </p:style>
+        <p:txBody>
+          <a:bodyPr rtlCol="0" anchor="ctr"/>
+          <a:lstStyle/>
+          <a:p>
+            <a:pPr algn="ctr"/>
+            <a:r>
+              <a:rPr lang="en-GB" sz="900" dirty="0"/>
+              <a:t>Dashboard</a:t>
+            </a:r>
+          </a:p>
+        </p:txBody>
+      </p:sp>
+      <p:sp>
+        <p:nvSpPr>
+          <p:cNvPr id="13" name="Flowchart: Decision 12"/>
+          <p:cNvSpPr/>
+          <p:nvPr/>
+        </p:nvSpPr>
+        <p:spPr>
+          <a:xfrm>
+            <a:off x="5839582" y="4824414"/>
+            <a:ext cx="604062" cy="316983"/>
+          </a:xfrm>
+          <a:prstGeom prst="flowChartDecision">
+            <a:avLst/>
+          </a:prstGeom>
+        </p:spPr>
+        <p:style>
+          <a:lnRef idx="2">
+            <a:schemeClr val="accent1">
+              <a:shade val="50000"/>
+            </a:schemeClr>
+          </a:lnRef>
+          <a:fillRef idx="1">
+            <a:schemeClr val="accent1"/>
+          </a:fillRef>
+          <a:effectRef idx="0">
+            <a:schemeClr val="accent1"/>
+          </a:effectRef>
+          <a:fontRef idx="minor">
+            <a:schemeClr val="lt1"/>
+          </a:fontRef>
+        </p:style>
+        <p:txBody>
+          <a:bodyPr rtlCol="0" anchor="ctr"/>
+          <a:lstStyle/>
+          <a:p>
+            <a:pPr algn="ctr"/>
+            <a:r>
+              <a:rPr lang="en-GB" sz="1013" dirty="0"/>
+              <a:t>Has</a:t>
+            </a:r>
+          </a:p>
+        </p:txBody>
+      </p:sp>
+      <p:sp>
+        <p:nvSpPr>
+          <p:cNvPr id="14" name="Flowchart: Process 13"/>
+          <p:cNvSpPr/>
+          <p:nvPr/>
+        </p:nvSpPr>
+        <p:spPr>
+          <a:xfrm>
+            <a:off x="5833601" y="5366675"/>
+            <a:ext cx="616024" cy="257174"/>
+          </a:xfrm>
+          <a:prstGeom prst="flowChartProcess">
+            <a:avLst/>
+          </a:prstGeom>
+        </p:spPr>
+        <p:style>
+          <a:lnRef idx="2">
+            <a:schemeClr val="accent1">
+              <a:shade val="50000"/>
+            </a:schemeClr>
+          </a:lnRef>
+          <a:fillRef idx="1">
+            <a:schemeClr val="accent1"/>
+          </a:fillRef>
+          <a:effectRef idx="0">
+            <a:schemeClr val="accent1"/>
+          </a:effectRef>
+          <a:fontRef idx="minor">
+            <a:schemeClr val="lt1"/>
+          </a:fontRef>
+        </p:style>
+        <p:txBody>
+          <a:bodyPr rtlCol="0" anchor="ctr"/>
+          <a:lstStyle/>
+          <a:p>
+            <a:pPr algn="ctr"/>
+            <a:r>
+              <a:rPr lang="en-GB" sz="1013" dirty="0"/>
+              <a:t>Options</a:t>
+            </a:r>
+          </a:p>
+        </p:txBody>
+      </p:sp>
+      <p:sp>
+        <p:nvSpPr>
+          <p:cNvPr id="15" name="Flowchart: Decision 14"/>
+          <p:cNvSpPr/>
+          <p:nvPr/>
+        </p:nvSpPr>
+        <p:spPr>
+          <a:xfrm>
+            <a:off x="6730723" y="5336772"/>
+            <a:ext cx="604062" cy="316983"/>
+          </a:xfrm>
+          <a:prstGeom prst="flowChartDecision">
+            <a:avLst/>
+          </a:prstGeom>
+        </p:spPr>
+        <p:style>
+          <a:lnRef idx="2">
+            <a:schemeClr val="accent1">
+              <a:shade val="50000"/>
+            </a:schemeClr>
+          </a:lnRef>
+          <a:fillRef idx="1">
+            <a:schemeClr val="accent1"/>
+          </a:fillRef>
+          <a:effectRef idx="0">
+            <a:schemeClr val="accent1"/>
+          </a:effectRef>
+          <a:fontRef idx="minor">
+            <a:schemeClr val="lt1"/>
+          </a:fontRef>
+        </p:style>
+        <p:txBody>
+          <a:bodyPr rtlCol="0" anchor="ctr"/>
+          <a:lstStyle/>
+          <a:p>
+            <a:pPr algn="ctr"/>
+            <a:r>
+              <a:rPr lang="en-GB" sz="1013" dirty="0"/>
+              <a:t>Has</a:t>
+            </a:r>
+          </a:p>
+        </p:txBody>
+      </p:sp>
+      <p:sp>
+        <p:nvSpPr>
+          <p:cNvPr id="16" name="Flowchart: Process 15"/>
+          <p:cNvSpPr/>
+          <p:nvPr/>
+        </p:nvSpPr>
+        <p:spPr>
+          <a:xfrm>
+            <a:off x="7366682" y="5272976"/>
+            <a:ext cx="616024" cy="257174"/>
+          </a:xfrm>
+          <a:prstGeom prst="flowChartProcess">
+            <a:avLst/>
+          </a:prstGeom>
+        </p:spPr>
+        <p:style>
+          <a:lnRef idx="2">
+            <a:schemeClr val="accent1">
+              <a:shade val="50000"/>
+            </a:schemeClr>
+          </a:lnRef>
+          <a:fillRef idx="1">
+            <a:schemeClr val="accent1"/>
+          </a:fillRef>
+          <a:effectRef idx="0">
+            <a:schemeClr val="accent1"/>
+          </a:effectRef>
+          <a:fontRef idx="minor">
+            <a:schemeClr val="lt1"/>
+          </a:fontRef>
+        </p:style>
+        <p:txBody>
+          <a:bodyPr rtlCol="0" anchor="ctr"/>
+          <a:lstStyle/>
+          <a:p>
+            <a:pPr algn="ctr"/>
+            <a:r>
+              <a:rPr lang="en-GB" sz="1013" dirty="0"/>
+              <a:t>Subject </a:t>
+            </a:r>
+          </a:p>
+          <a:p>
+            <a:pPr algn="ctr"/>
+            <a:r>
+              <a:rPr lang="en-GB" sz="1013" dirty="0" err="1"/>
+              <a:t>Mgmt</a:t>
+            </a:r>
+            <a:endParaRPr lang="en-GB" sz="1013" dirty="0"/>
+          </a:p>
+        </p:txBody>
+      </p:sp>
+      <p:sp>
+        <p:nvSpPr>
+          <p:cNvPr id="17" name="Flowchart: Process 16"/>
+          <p:cNvSpPr/>
+          <p:nvPr/>
+        </p:nvSpPr>
+        <p:spPr>
+          <a:xfrm>
+            <a:off x="7366682" y="4921103"/>
+            <a:ext cx="616024" cy="257174"/>
+          </a:xfrm>
+          <a:prstGeom prst="flowChartProcess">
+            <a:avLst/>
+          </a:prstGeom>
+        </p:spPr>
+        <p:style>
+          <a:lnRef idx="2">
+            <a:schemeClr val="accent1">
+              <a:shade val="50000"/>
+            </a:schemeClr>
+          </a:lnRef>
+          <a:fillRef idx="1">
+            <a:schemeClr val="accent1"/>
+          </a:fillRef>
+          <a:effectRef idx="0">
+            <a:schemeClr val="accent1"/>
+          </a:effectRef>
+          <a:fontRef idx="minor">
+            <a:schemeClr val="lt1"/>
+          </a:fontRef>
+        </p:style>
+        <p:txBody>
+          <a:bodyPr rtlCol="0" anchor="ctr"/>
+          <a:lstStyle/>
+          <a:p>
+            <a:pPr algn="ctr"/>
+            <a:r>
+              <a:rPr lang="en-GB" sz="1013" dirty="0"/>
+              <a:t>Notice </a:t>
+            </a:r>
+            <a:r>
+              <a:rPr lang="en-GB" sz="1013" dirty="0" err="1"/>
+              <a:t>Mgmt</a:t>
+            </a:r>
+            <a:endParaRPr lang="en-GB" sz="1013" dirty="0"/>
+          </a:p>
+        </p:txBody>
+      </p:sp>
+      <p:sp>
+        <p:nvSpPr>
+          <p:cNvPr id="18" name="Flowchart: Process 17"/>
+          <p:cNvSpPr/>
+          <p:nvPr/>
+        </p:nvSpPr>
+        <p:spPr>
+          <a:xfrm>
+            <a:off x="7366683" y="4567239"/>
+            <a:ext cx="616024" cy="257174"/>
+          </a:xfrm>
+          <a:prstGeom prst="flowChartProcess">
+            <a:avLst/>
+          </a:prstGeom>
+        </p:spPr>
+        <p:style>
+          <a:lnRef idx="2">
+            <a:schemeClr val="accent1">
+              <a:shade val="50000"/>
+            </a:schemeClr>
+          </a:lnRef>
+          <a:fillRef idx="1">
+            <a:schemeClr val="accent1"/>
+          </a:fillRef>
+          <a:effectRef idx="0">
+            <a:schemeClr val="accent1"/>
+          </a:effectRef>
+          <a:fontRef idx="minor">
+            <a:schemeClr val="lt1"/>
+          </a:fontRef>
+        </p:style>
+        <p:txBody>
+          <a:bodyPr rtlCol="0" anchor="ctr"/>
+          <a:lstStyle/>
+          <a:p>
+            <a:pPr algn="ctr"/>
+            <a:r>
+              <a:rPr lang="en-GB" sz="1013" dirty="0"/>
+              <a:t>User </a:t>
+            </a:r>
+            <a:r>
+              <a:rPr lang="en-GB" sz="1013" dirty="0" err="1"/>
+              <a:t>Mgmt</a:t>
+            </a:r>
+            <a:endParaRPr lang="en-GB" sz="1013" dirty="0"/>
+          </a:p>
+        </p:txBody>
+      </p:sp>
+      <p:sp>
+        <p:nvSpPr>
+          <p:cNvPr id="20" name="Flowchart: Process 19"/>
+          <p:cNvSpPr/>
+          <p:nvPr/>
+        </p:nvSpPr>
+        <p:spPr>
+          <a:xfrm>
+            <a:off x="7366682" y="6344539"/>
+            <a:ext cx="616024" cy="257174"/>
+          </a:xfrm>
+          <a:prstGeom prst="flowChartProcess">
+            <a:avLst/>
+          </a:prstGeom>
+        </p:spPr>
+        <p:style>
+          <a:lnRef idx="2">
+            <a:schemeClr val="accent1">
+              <a:shade val="50000"/>
+            </a:schemeClr>
+          </a:lnRef>
+          <a:fillRef idx="1">
+            <a:schemeClr val="accent1"/>
+          </a:fillRef>
+          <a:effectRef idx="0">
+            <a:schemeClr val="accent1"/>
+          </a:effectRef>
+          <a:fontRef idx="minor">
+            <a:schemeClr val="lt1"/>
+          </a:fontRef>
+        </p:style>
+        <p:txBody>
+          <a:bodyPr rtlCol="0" anchor="ctr"/>
+          <a:lstStyle/>
+          <a:p>
+            <a:pPr algn="ctr"/>
+            <a:r>
+              <a:rPr lang="en-GB" sz="1013" dirty="0"/>
+              <a:t>View</a:t>
+            </a:r>
+          </a:p>
+        </p:txBody>
+      </p:sp>
+      <p:sp>
+        <p:nvSpPr>
+          <p:cNvPr id="21" name="Flowchart: Process 20"/>
+          <p:cNvSpPr/>
+          <p:nvPr/>
+        </p:nvSpPr>
+        <p:spPr>
+          <a:xfrm>
+            <a:off x="7366682" y="5632821"/>
+            <a:ext cx="616024" cy="257174"/>
+          </a:xfrm>
+          <a:prstGeom prst="flowChartProcess">
+            <a:avLst/>
+          </a:prstGeom>
+        </p:spPr>
+        <p:style>
+          <a:lnRef idx="2">
+            <a:schemeClr val="accent1">
+              <a:shade val="50000"/>
+            </a:schemeClr>
+          </a:lnRef>
+          <a:fillRef idx="1">
+            <a:schemeClr val="accent1"/>
+          </a:fillRef>
+          <a:effectRef idx="0">
+            <a:schemeClr val="accent1"/>
+          </a:effectRef>
+          <a:fontRef idx="minor">
+            <a:schemeClr val="lt1"/>
+          </a:fontRef>
+        </p:style>
+        <p:txBody>
+          <a:bodyPr rtlCol="0" anchor="ctr"/>
+          <a:lstStyle/>
+          <a:p>
+            <a:pPr algn="ctr"/>
+            <a:r>
+              <a:rPr lang="en-GB" sz="1013" dirty="0"/>
+              <a:t>Profile </a:t>
+            </a:r>
+          </a:p>
+          <a:p>
+            <a:pPr algn="ctr"/>
+            <a:r>
+              <a:rPr lang="en-GB" sz="1013" dirty="0" err="1"/>
+              <a:t>Mgmt</a:t>
+            </a:r>
+            <a:endParaRPr lang="en-GB" sz="1013" dirty="0"/>
+          </a:p>
+        </p:txBody>
+      </p:sp>
+      <p:sp>
+        <p:nvSpPr>
+          <p:cNvPr id="22" name="Flowchart: Process 21"/>
+          <p:cNvSpPr/>
+          <p:nvPr/>
+        </p:nvSpPr>
+        <p:spPr>
+          <a:xfrm>
+            <a:off x="7366682" y="5984694"/>
+            <a:ext cx="616024" cy="257174"/>
+          </a:xfrm>
+          <a:prstGeom prst="flowChartProcess">
+            <a:avLst/>
+          </a:prstGeom>
+        </p:spPr>
+        <p:style>
+          <a:lnRef idx="2">
+            <a:schemeClr val="accent1">
+              <a:shade val="50000"/>
+            </a:schemeClr>
+          </a:lnRef>
+          <a:fillRef idx="1">
+            <a:schemeClr val="accent1"/>
+          </a:fillRef>
+          <a:effectRef idx="0">
+            <a:schemeClr val="accent1"/>
+          </a:effectRef>
+          <a:fontRef idx="minor">
+            <a:schemeClr val="lt1"/>
+          </a:fontRef>
+        </p:style>
+        <p:txBody>
+          <a:bodyPr rtlCol="0" anchor="ctr"/>
+          <a:lstStyle/>
+          <a:p>
+            <a:pPr algn="ctr"/>
+            <a:r>
+              <a:rPr lang="en-GB" sz="1013" dirty="0"/>
+              <a:t>Class Test </a:t>
+            </a:r>
+          </a:p>
+          <a:p>
+            <a:pPr algn="ctr"/>
+            <a:r>
+              <a:rPr lang="en-GB" sz="1013" dirty="0" err="1"/>
+              <a:t>Mgmt</a:t>
+            </a:r>
+            <a:endParaRPr lang="en-GB" sz="1013" dirty="0"/>
+          </a:p>
+        </p:txBody>
+      </p:sp>
+      <p:sp>
+        <p:nvSpPr>
+          <p:cNvPr id="27" name="Flowchart: Process 26"/>
+          <p:cNvSpPr/>
+          <p:nvPr/>
+        </p:nvSpPr>
+        <p:spPr>
+          <a:xfrm>
+            <a:off x="7780357" y="3353133"/>
+            <a:ext cx="616024" cy="257174"/>
+          </a:xfrm>
+          <a:prstGeom prst="flowChartProcess">
+            <a:avLst/>
+          </a:prstGeom>
+        </p:spPr>
+        <p:style>
+          <a:lnRef idx="2">
+            <a:schemeClr val="accent1">
+              <a:shade val="50000"/>
+            </a:schemeClr>
+          </a:lnRef>
+          <a:fillRef idx="1">
+            <a:schemeClr val="accent1"/>
+          </a:fillRef>
+          <a:effectRef idx="0">
+            <a:schemeClr val="accent1"/>
+          </a:effectRef>
+          <a:fontRef idx="minor">
+            <a:schemeClr val="lt1"/>
+          </a:fontRef>
+        </p:style>
+        <p:txBody>
+          <a:bodyPr rtlCol="0" anchor="ctr"/>
+          <a:lstStyle/>
+          <a:p>
+            <a:pPr algn="ctr"/>
+            <a:r>
+              <a:rPr lang="en-GB" sz="1013" dirty="0"/>
+              <a:t>Students</a:t>
+            </a:r>
+          </a:p>
+        </p:txBody>
+      </p:sp>
+      <p:sp>
+        <p:nvSpPr>
+          <p:cNvPr id="24" name="Flowchart: Decision 23"/>
+          <p:cNvSpPr/>
+          <p:nvPr/>
+        </p:nvSpPr>
+        <p:spPr>
+          <a:xfrm>
+            <a:off x="6724742" y="3867485"/>
+            <a:ext cx="604062" cy="316983"/>
+          </a:xfrm>
+          <a:prstGeom prst="flowChartDecision">
+            <a:avLst/>
+          </a:prstGeom>
+        </p:spPr>
+        <p:style>
+          <a:lnRef idx="2">
+            <a:schemeClr val="accent1">
+              <a:shade val="50000"/>
+            </a:schemeClr>
+          </a:lnRef>
+          <a:fillRef idx="1">
+            <a:schemeClr val="accent1"/>
+          </a:fillRef>
+          <a:effectRef idx="0">
+            <a:schemeClr val="accent1"/>
+          </a:effectRef>
+          <a:fontRef idx="minor">
+            <a:schemeClr val="lt1"/>
+          </a:fontRef>
+        </p:style>
+        <p:txBody>
+          <a:bodyPr rtlCol="0" anchor="ctr"/>
+          <a:lstStyle/>
+          <a:p>
+            <a:pPr algn="ctr"/>
+            <a:r>
+              <a:rPr lang="en-GB" sz="1013" dirty="0"/>
+              <a:t>Can</a:t>
+            </a:r>
+          </a:p>
+        </p:txBody>
+      </p:sp>
+      <p:cxnSp>
+        <p:nvCxnSpPr>
+          <p:cNvPr id="39" name="Elbow Connector 38"/>
+          <p:cNvCxnSpPr>
+            <a:stCxn id="27" idx="2"/>
+            <a:endCxn id="24" idx="3"/>
+          </p:cNvCxnSpPr>
+          <p:nvPr/>
+        </p:nvCxnSpPr>
+        <p:spPr>
+          <a:xfrm rot="5400000">
+            <a:off x="7500755" y="3438359"/>
+            <a:ext cx="415667" cy="759565"/>
+          </a:xfrm>
+          <a:prstGeom prst="bentConnector2">
+            <a:avLst/>
+          </a:prstGeom>
+          <a:ln>
+            <a:tailEnd type="triangle"/>
+          </a:ln>
+        </p:spPr>
+        <p:style>
+          <a:lnRef idx="1">
+            <a:schemeClr val="accent1"/>
+          </a:lnRef>
+          <a:fillRef idx="0">
+            <a:schemeClr val="accent1"/>
+          </a:fillRef>
+          <a:effectRef idx="0">
+            <a:schemeClr val="accent1"/>
+          </a:effectRef>
+          <a:fontRef idx="minor">
+            <a:schemeClr val="tx1"/>
+          </a:fontRef>
+        </p:style>
+      </p:cxnSp>
+      <p:cxnSp>
+        <p:nvCxnSpPr>
+          <p:cNvPr id="43" name="Straight Arrow Connector 42"/>
+          <p:cNvCxnSpPr>
+            <a:stCxn id="29" idx="2"/>
+            <a:endCxn id="8" idx="3"/>
+          </p:cNvCxnSpPr>
+          <p:nvPr/>
+        </p:nvCxnSpPr>
+        <p:spPr>
+          <a:xfrm flipH="1">
+            <a:off x="6443646" y="3610308"/>
+            <a:ext cx="595091" cy="415667"/>
+          </a:xfrm>
+          <a:prstGeom prst="straightConnector1">
+            <a:avLst/>
+          </a:prstGeom>
+          <a:ln>
+            <a:tailEnd type="triangle"/>
+          </a:ln>
+        </p:spPr>
+        <p:style>
+          <a:lnRef idx="1">
+            <a:schemeClr val="accent1"/>
+          </a:lnRef>
+          <a:fillRef idx="0">
+            <a:schemeClr val="accent1"/>
+          </a:fillRef>
+          <a:effectRef idx="0">
+            <a:schemeClr val="accent1"/>
+          </a:effectRef>
+          <a:fontRef idx="minor">
+            <a:schemeClr val="tx1"/>
+          </a:fontRef>
+        </p:style>
+      </p:cxnSp>
+      <p:cxnSp>
+        <p:nvCxnSpPr>
+          <p:cNvPr id="45" name="Elbow Connector 44"/>
+          <p:cNvCxnSpPr>
+            <a:stCxn id="27" idx="1"/>
+            <a:endCxn id="8" idx="1"/>
+          </p:cNvCxnSpPr>
+          <p:nvPr/>
+        </p:nvCxnSpPr>
+        <p:spPr>
+          <a:xfrm rot="10800000" flipV="1">
+            <a:off x="5839584" y="3481721"/>
+            <a:ext cx="1940775" cy="544254"/>
+          </a:xfrm>
+          <a:prstGeom prst="bentConnector3">
+            <a:avLst>
+              <a:gd name="adj1" fmla="val 106626"/>
+            </a:avLst>
+          </a:prstGeom>
+          <a:ln>
+            <a:tailEnd type="triangle"/>
+          </a:ln>
+        </p:spPr>
+        <p:style>
+          <a:lnRef idx="1">
+            <a:schemeClr val="accent1"/>
+          </a:lnRef>
+          <a:fillRef idx="0">
+            <a:schemeClr val="accent1"/>
+          </a:fillRef>
+          <a:effectRef idx="0">
+            <a:schemeClr val="accent1"/>
+          </a:effectRef>
+          <a:fontRef idx="minor">
+            <a:schemeClr val="tx1"/>
+          </a:fontRef>
+        </p:style>
+      </p:cxnSp>
+      <p:sp>
+        <p:nvSpPr>
+          <p:cNvPr id="29" name="Flowchart: Process 28"/>
+          <p:cNvSpPr/>
+          <p:nvPr/>
+        </p:nvSpPr>
+        <p:spPr>
+          <a:xfrm>
+            <a:off x="6730723" y="3353133"/>
+            <a:ext cx="616024" cy="257174"/>
+          </a:xfrm>
+          <a:prstGeom prst="flowChartProcess">
+            <a:avLst/>
+          </a:prstGeom>
+        </p:spPr>
+        <p:style>
+          <a:lnRef idx="2">
+            <a:schemeClr val="accent1">
+              <a:shade val="50000"/>
+            </a:schemeClr>
+          </a:lnRef>
+          <a:fillRef idx="1">
+            <a:schemeClr val="accent1"/>
+          </a:fillRef>
+          <a:effectRef idx="0">
+            <a:schemeClr val="accent1"/>
+          </a:effectRef>
+          <a:fontRef idx="minor">
+            <a:schemeClr val="lt1"/>
+          </a:fontRef>
+        </p:style>
+        <p:txBody>
+          <a:bodyPr rtlCol="0" anchor="ctr"/>
+          <a:lstStyle/>
+          <a:p>
+            <a:pPr algn="ctr"/>
+            <a:r>
+              <a:rPr lang="en-GB" sz="1013" dirty="0"/>
+              <a:t>Teacher</a:t>
+            </a:r>
+          </a:p>
+        </p:txBody>
+      </p:sp>
+      <p:sp>
+        <p:nvSpPr>
+          <p:cNvPr id="2" name="Flowchart: Process 1"/>
+          <p:cNvSpPr/>
+          <p:nvPr/>
+        </p:nvSpPr>
+        <p:spPr>
+          <a:xfrm>
+            <a:off x="5842573" y="3353135"/>
+            <a:ext cx="616024" cy="257174"/>
+          </a:xfrm>
+          <a:prstGeom prst="flowChartProcess">
+            <a:avLst/>
+          </a:prstGeom>
+        </p:spPr>
+        <p:style>
+          <a:lnRef idx="2">
+            <a:schemeClr val="accent1">
+              <a:shade val="50000"/>
+            </a:schemeClr>
+          </a:lnRef>
+          <a:fillRef idx="1">
+            <a:schemeClr val="accent1"/>
+          </a:fillRef>
+          <a:effectRef idx="0">
+            <a:schemeClr val="accent1"/>
+          </a:effectRef>
+          <a:fontRef idx="minor">
+            <a:schemeClr val="lt1"/>
+          </a:fontRef>
+        </p:style>
+        <p:txBody>
+          <a:bodyPr rtlCol="0" anchor="ctr"/>
+          <a:lstStyle/>
+          <a:p>
+            <a:pPr algn="ctr"/>
+            <a:r>
+              <a:rPr lang="en-GB" sz="1013" dirty="0"/>
+              <a:t>Admin</a:t>
+            </a:r>
+          </a:p>
+        </p:txBody>
+      </p:sp>
+      <p:cxnSp>
+        <p:nvCxnSpPr>
+          <p:cNvPr id="47" name="Straight Arrow Connector 46"/>
+          <p:cNvCxnSpPr>
+            <a:stCxn id="29" idx="3"/>
+            <a:endCxn id="24" idx="0"/>
+          </p:cNvCxnSpPr>
+          <p:nvPr/>
+        </p:nvCxnSpPr>
+        <p:spPr>
+          <a:xfrm flipH="1">
+            <a:off x="7026775" y="3481722"/>
+            <a:ext cx="319974" cy="385762"/>
+          </a:xfrm>
+          <a:prstGeom prst="straightConnector1">
+            <a:avLst/>
+          </a:prstGeom>
+          <a:ln>
+            <a:tailEnd type="triangle"/>
+          </a:ln>
+        </p:spPr>
+        <p:style>
+          <a:lnRef idx="1">
+            <a:schemeClr val="accent1"/>
+          </a:lnRef>
+          <a:fillRef idx="0">
+            <a:schemeClr val="accent1"/>
+          </a:fillRef>
+          <a:effectRef idx="0">
+            <a:schemeClr val="accent1"/>
+          </a:effectRef>
+          <a:fontRef idx="minor">
+            <a:schemeClr val="tx1"/>
+          </a:fontRef>
+        </p:style>
+      </p:cxnSp>
+      <p:cxnSp>
+        <p:nvCxnSpPr>
+          <p:cNvPr id="49" name="Straight Arrow Connector 48"/>
+          <p:cNvCxnSpPr>
+            <a:stCxn id="2" idx="3"/>
+            <a:endCxn id="24" idx="1"/>
+          </p:cNvCxnSpPr>
+          <p:nvPr/>
+        </p:nvCxnSpPr>
+        <p:spPr>
+          <a:xfrm>
+            <a:off x="6458596" y="3481724"/>
+            <a:ext cx="266146" cy="544253"/>
+          </a:xfrm>
+          <a:prstGeom prst="straightConnector1">
+            <a:avLst/>
+          </a:prstGeom>
+          <a:ln>
+            <a:tailEnd type="triangle"/>
+          </a:ln>
+        </p:spPr>
+        <p:style>
+          <a:lnRef idx="1">
+            <a:schemeClr val="accent1"/>
+          </a:lnRef>
+          <a:fillRef idx="0">
+            <a:schemeClr val="accent1"/>
+          </a:fillRef>
+          <a:effectRef idx="0">
+            <a:schemeClr val="accent1"/>
+          </a:effectRef>
+          <a:fontRef idx="minor">
+            <a:schemeClr val="tx1"/>
+          </a:fontRef>
+        </p:style>
+      </p:cxnSp>
+    </p:spTree>
+    <p:extLst>
+      <p:ext uri="{BB962C8B-B14F-4D97-AF65-F5344CB8AC3E}">
+        <p14:creationId xmlns:p14="http://schemas.microsoft.com/office/powerpoint/2010/main" val="2996557567"/>
+      </p:ext>
+    </p:extLst>
+  </p:cSld>
+  <p:clrMapOvr>
+    <a:masterClrMapping/>
+  </p:clrMapOvr>
+</p:sld>
+</file>
+
+<file path=ppt/slides/slide4.xml><?xml version="1.0" encoding="utf-8"?>
+<p:sld xmlns:a="http://schemas.openxmlformats.org/drawingml/2006/main" xmlns:r="http://schemas.openxmlformats.org/officeDocument/2006/relationships" xmlns:p="http://schemas.openxmlformats.org/presentationml/2006/main">
+  <p:cSld>
+    <p:spTree>
+      <p:nvGrpSpPr>
+        <p:cNvPr id="1" name=""/>
+        <p:cNvGrpSpPr/>
+        <p:nvPr/>
+      </p:nvGrpSpPr>
+      <p:grpSpPr>
+        <a:xfrm>
+          <a:off x="0" y="0"/>
+          <a:ext cx="0" cy="0"/>
+          <a:chOff x="0" y="0"/>
+          <a:chExt cx="0" cy="0"/>
+        </a:xfrm>
+      </p:grpSpPr>
+      <p:sp>
+        <p:nvSpPr>
+          <p:cNvPr id="55" name="Rounded Rectangle 54"/>
+          <p:cNvSpPr/>
+          <p:nvPr/>
+        </p:nvSpPr>
+        <p:spPr>
+          <a:xfrm rot="16200000">
+            <a:off x="9673289" y="5364786"/>
+            <a:ext cx="249827" cy="1080713"/>
+          </a:xfrm>
+          <a:prstGeom prst="roundRect">
+            <a:avLst/>
+          </a:prstGeom>
+        </p:spPr>
+        <p:style>
+          <a:lnRef idx="2">
+            <a:schemeClr val="accent1">
+              <a:shade val="50000"/>
+            </a:schemeClr>
+          </a:lnRef>
+          <a:fillRef idx="1">
+            <a:schemeClr val="accent1"/>
+          </a:fillRef>
+          <a:effectRef idx="0">
+            <a:schemeClr val="accent1"/>
+          </a:effectRef>
+          <a:fontRef idx="minor">
+            <a:schemeClr val="lt1"/>
+          </a:fontRef>
+        </p:style>
+        <p:txBody>
           <a:bodyPr vert="vert" rtlCol="0" anchor="ctr"/>
           <a:lstStyle/>
           <a:p>
@@ -4018,7 +8161,6 @@
               <a:rPr lang="en-GB" sz="1013" dirty="0"/>
               <a:t>View Result</a:t>
             </a:r>
-            <a:endParaRPr lang="en-GB" sz="1013" dirty="0"/>
           </a:p>
         </p:txBody>
       </p:sp>
@@ -4044,7 +8186,7 @@
         </p:blipFill>
         <p:spPr>
           <a:xfrm>
-            <a:off x="712738" y="3191962"/>
+            <a:off x="6088808" y="3191963"/>
             <a:ext cx="773975" cy="773975"/>
           </a:xfrm>
           <a:prstGeom prst="rect">
@@ -4060,7 +8202,7 @@
         </p:nvSpPr>
         <p:spPr>
           <a:xfrm>
-            <a:off x="1070341" y="3494451"/>
+            <a:off x="6446411" y="3494452"/>
             <a:ext cx="1550397" cy="1550397"/>
           </a:xfrm>
           <a:prstGeom prst="irregularSeal2">
@@ -4099,7 +8241,6 @@
               <a:rPr lang="en-GB" sz="1013" dirty="0"/>
               <a:t>OCTMS</a:t>
             </a:r>
-            <a:endParaRPr lang="en-GB" sz="1013" dirty="0"/>
           </a:p>
         </p:txBody>
       </p:sp>
@@ -4111,7 +8252,7 @@
         </p:nvSpPr>
         <p:spPr>
           <a:xfrm>
-            <a:off x="2718709" y="4041621"/>
+            <a:off x="8094779" y="4041622"/>
             <a:ext cx="1072787" cy="469037"/>
           </a:xfrm>
           <a:prstGeom prst="cube">
@@ -4150,7 +8291,6 @@
               <a:rPr lang="en-GB" sz="1013" dirty="0"/>
               <a:t>Registration</a:t>
             </a:r>
-            <a:endParaRPr lang="en-GB" sz="1013" dirty="0"/>
           </a:p>
         </p:txBody>
       </p:sp>
@@ -4162,7 +8302,7 @@
         </p:nvSpPr>
         <p:spPr>
           <a:xfrm>
-            <a:off x="3813541" y="3138691"/>
+            <a:off x="9189611" y="3138692"/>
             <a:ext cx="1072787" cy="469037"/>
           </a:xfrm>
           <a:prstGeom prst="cube">
@@ -4210,7 +8350,7 @@
         </p:nvSpPr>
         <p:spPr>
           <a:xfrm>
-            <a:off x="4092759" y="4692762"/>
+            <a:off x="9468829" y="4692763"/>
             <a:ext cx="1072787" cy="469037"/>
           </a:xfrm>
           <a:prstGeom prst="cube">
@@ -4258,7 +8398,7 @@
         </p:nvSpPr>
         <p:spPr>
           <a:xfrm>
-            <a:off x="2718709" y="4692762"/>
+            <a:off x="8094779" y="4692763"/>
             <a:ext cx="1072787" cy="469037"/>
           </a:xfrm>
           <a:prstGeom prst="cube">
@@ -4309,7 +8449,7 @@
         </p:nvCxnSpPr>
         <p:spPr>
           <a:xfrm rot="5400000" flipH="1" flipV="1">
-            <a:off x="2691823" y="2508179"/>
+            <a:off x="8067893" y="2508180"/>
             <a:ext cx="198055" cy="2045377"/>
           </a:xfrm>
           <a:prstGeom prst="bentConnector2">
@@ -4345,7 +8485,7 @@
         </p:nvCxnSpPr>
         <p:spPr>
           <a:xfrm>
-            <a:off x="1486714" y="3578952"/>
+            <a:off x="6862784" y="3578953"/>
             <a:ext cx="225333" cy="282891"/>
           </a:xfrm>
           <a:prstGeom prst="straightConnector1">
@@ -4381,7 +8521,7 @@
         </p:nvCxnSpPr>
         <p:spPr>
           <a:xfrm>
-            <a:off x="2620738" y="3971411"/>
+            <a:off x="7996807" y="3971411"/>
             <a:ext cx="2067044" cy="721350"/>
           </a:xfrm>
           <a:prstGeom prst="bentConnector2">
@@ -4417,7 +8557,7 @@
         </p:nvCxnSpPr>
         <p:spPr>
           <a:xfrm rot="16200000" flipH="1">
-            <a:off x="2241753" y="4508953"/>
+            <a:off x="7617822" y="4508953"/>
             <a:ext cx="139026" cy="814886"/>
           </a:xfrm>
           <a:prstGeom prst="bentConnector4">
@@ -4455,7 +8595,7 @@
         </p:nvCxnSpPr>
         <p:spPr>
           <a:xfrm>
-            <a:off x="2373358" y="4276140"/>
+            <a:off x="7749428" y="4276140"/>
             <a:ext cx="345349" cy="58630"/>
           </a:xfrm>
           <a:prstGeom prst="straightConnector1">
@@ -4502,7 +8642,7 @@
         </p:blipFill>
         <p:spPr>
           <a:xfrm>
-            <a:off x="5500486" y="3076235"/>
+            <a:off x="10876556" y="3076236"/>
             <a:ext cx="593951" cy="593951"/>
           </a:xfrm>
           <a:prstGeom prst="rect">
@@ -4518,7 +8658,7 @@
         </p:nvGrpSpPr>
         <p:grpSpPr>
           <a:xfrm>
-            <a:off x="5577026" y="4692762"/>
+            <a:off x="10953096" y="4692762"/>
             <a:ext cx="440871" cy="401836"/>
             <a:chOff x="9914709" y="3670663"/>
             <a:chExt cx="783771" cy="714375"/>
@@ -4610,7 +8750,7 @@
         </p:nvCxnSpPr>
         <p:spPr>
           <a:xfrm>
-            <a:off x="4886325" y="3314581"/>
+            <a:off x="10262394" y="3314582"/>
             <a:ext cx="614158" cy="58629"/>
           </a:xfrm>
           <a:prstGeom prst="straightConnector1">
@@ -4646,7 +8786,7 @@
         </p:nvCxnSpPr>
         <p:spPr>
           <a:xfrm>
-            <a:off x="5797460" y="3670185"/>
+            <a:off x="11173529" y="3670186"/>
             <a:ext cx="23192" cy="1029925"/>
           </a:xfrm>
           <a:prstGeom prst="straightConnector1">
@@ -4679,7 +8819,7 @@
         </p:nvSpPr>
         <p:spPr>
           <a:xfrm rot="360944">
-            <a:off x="5916175" y="3781014"/>
+            <a:off x="11292245" y="3781014"/>
             <a:ext cx="249827" cy="859700"/>
           </a:xfrm>
           <a:prstGeom prst="roundRect">
@@ -4711,7 +8851,6 @@
               <a:rPr lang="en-GB" sz="1013" dirty="0"/>
               <a:t>Profile Manage</a:t>
             </a:r>
-            <a:endParaRPr lang="en-GB" sz="1013" dirty="0"/>
           </a:p>
         </p:txBody>
       </p:sp>
@@ -4723,7 +8862,7 @@
         </p:nvSpPr>
         <p:spPr>
           <a:xfrm rot="1004481">
-            <a:off x="6216971" y="3989174"/>
+            <a:off x="11593041" y="3989174"/>
             <a:ext cx="249827" cy="859700"/>
           </a:xfrm>
           <a:prstGeom prst="roundRect">
@@ -4755,7 +8894,6 @@
               <a:rPr lang="en-GB" sz="675" dirty="0"/>
               <a:t>Content management System</a:t>
             </a:r>
-            <a:endParaRPr lang="en-GB" sz="675" dirty="0"/>
           </a:p>
         </p:txBody>
       </p:sp>
@@ -4767,7 +8905,7 @@
         </p:nvSpPr>
         <p:spPr>
           <a:xfrm rot="8076815">
-            <a:off x="6277527" y="4807848"/>
+            <a:off x="11653597" y="4807848"/>
             <a:ext cx="249827" cy="859700"/>
           </a:xfrm>
           <a:prstGeom prst="roundRect">
@@ -4799,7 +8937,6 @@
               <a:rPr lang="en-GB" sz="675" dirty="0"/>
               <a:t>View Teacher/student information</a:t>
             </a:r>
-            <a:endParaRPr lang="en-GB" sz="675" dirty="0"/>
           </a:p>
         </p:txBody>
       </p:sp>
@@ -4811,7 +8948,7 @@
         </p:nvSpPr>
         <p:spPr>
           <a:xfrm rot="9613678">
-            <a:off x="6006301" y="5118859"/>
+            <a:off x="11382371" y="5118859"/>
             <a:ext cx="249827" cy="859700"/>
           </a:xfrm>
           <a:prstGeom prst="roundRect">
@@ -4848,7 +8985,6 @@
               <a:rPr lang="en-GB" sz="1013" dirty="0"/>
               <a:t>View Report</a:t>
             </a:r>
-            <a:endParaRPr lang="en-GB" sz="1013" dirty="0"/>
           </a:p>
         </p:txBody>
       </p:sp>
@@ -4860,7 +8996,7 @@
         </p:nvSpPr>
         <p:spPr>
           <a:xfrm rot="11284968">
-            <a:off x="5559230" y="5117711"/>
+            <a:off x="10935300" y="5117711"/>
             <a:ext cx="249827" cy="859700"/>
           </a:xfrm>
           <a:prstGeom prst="roundRect">
@@ -4892,7 +9028,6 @@
               <a:rPr lang="en-GB" sz="788" dirty="0"/>
               <a:t>Notice Generate</a:t>
             </a:r>
-            <a:endParaRPr lang="en-GB" sz="788" dirty="0"/>
           </a:p>
         </p:txBody>
       </p:sp>
@@ -4904,7 +9039,7 @@
         </p:nvSpPr>
         <p:spPr>
           <a:xfrm rot="20241776">
-            <a:off x="5341897" y="3841426"/>
+            <a:off x="10717967" y="3841426"/>
             <a:ext cx="249827" cy="859700"/>
           </a:xfrm>
           <a:prstGeom prst="roundRect">
@@ -4934,7 +9069,6 @@
               <a:rPr lang="en-GB" sz="1013" dirty="0"/>
               <a:t>Menu Permission</a:t>
             </a:r>
-            <a:endParaRPr lang="en-GB" sz="1013" dirty="0"/>
           </a:p>
         </p:txBody>
       </p:sp>
@@ -4946,7 +9080,7 @@
         </p:nvSpPr>
         <p:spPr>
           <a:xfrm rot="19277009">
-            <a:off x="5099418" y="4076558"/>
+            <a:off x="10475488" y="4076558"/>
             <a:ext cx="249827" cy="859700"/>
           </a:xfrm>
           <a:prstGeom prst="roundRect">
@@ -4989,7 +9123,7 @@
         </p:nvSpPr>
         <p:spPr>
           <a:xfrm rot="16200000">
-            <a:off x="2053440" y="5028543"/>
+            <a:off x="7429510" y="5028544"/>
             <a:ext cx="249827" cy="1080713"/>
           </a:xfrm>
           <a:prstGeom prst="roundRect">
@@ -5021,7 +9155,6 @@
               <a:rPr lang="en-GB" sz="1013" dirty="0"/>
               <a:t>View Notice</a:t>
             </a:r>
-            <a:endParaRPr lang="en-GB" sz="1013" dirty="0"/>
           </a:p>
         </p:txBody>
       </p:sp>
@@ -5033,7 +9166,7 @@
         </p:nvSpPr>
         <p:spPr>
           <a:xfrm rot="16200000">
-            <a:off x="4296262" y="4968293"/>
+            <a:off x="9672332" y="4968294"/>
             <a:ext cx="249827" cy="1080713"/>
           </a:xfrm>
           <a:prstGeom prst="roundRect">
@@ -5065,7 +9198,6 @@
               <a:rPr lang="en-GB" sz="1013" dirty="0"/>
               <a:t>Profile Management</a:t>
             </a:r>
-            <a:endParaRPr lang="en-GB" sz="1013" dirty="0"/>
           </a:p>
         </p:txBody>
       </p:sp>
@@ -5077,7 +9209,7 @@
         </p:nvSpPr>
         <p:spPr>
           <a:xfrm rot="16200000">
-            <a:off x="2024047" y="5447371"/>
+            <a:off x="7400117" y="5447372"/>
             <a:ext cx="249827" cy="1080713"/>
           </a:xfrm>
           <a:prstGeom prst="roundRect">
@@ -5109,7 +9241,6 @@
               <a:rPr lang="en-GB" sz="1013" dirty="0"/>
               <a:t>Join Class Test</a:t>
             </a:r>
-            <a:endParaRPr lang="en-GB" sz="1013" dirty="0"/>
           </a:p>
         </p:txBody>
       </p:sp>
@@ -5124,7 +9255,7 @@
         </p:nvCxnSpPr>
         <p:spPr>
           <a:xfrm rot="5400000">
-            <a:off x="2546318" y="4793834"/>
+            <a:off x="7922388" y="4793834"/>
             <a:ext cx="282187" cy="1018120"/>
           </a:xfrm>
           <a:prstGeom prst="bentConnector5">
@@ -5164,7 +9295,7 @@
         </p:nvCxnSpPr>
         <p:spPr>
           <a:xfrm flipH="1">
-            <a:off x="4961532" y="4985909"/>
+            <a:off x="10337602" y="4985909"/>
             <a:ext cx="86755" cy="522740"/>
           </a:xfrm>
           <a:prstGeom prst="bentConnector3">
@@ -5199,7 +9330,7 @@
         </p:nvSpPr>
         <p:spPr>
           <a:xfrm rot="16200000">
-            <a:off x="4304567" y="5746873"/>
+            <a:off x="9680637" y="5746874"/>
             <a:ext cx="249827" cy="1080713"/>
           </a:xfrm>
           <a:prstGeom prst="roundRect">
@@ -5231,7 +9362,6 @@
               <a:rPr lang="en-GB" sz="1013" dirty="0"/>
               <a:t>Assign Class Test</a:t>
             </a:r>
-            <a:endParaRPr lang="en-GB" sz="1013" dirty="0"/>
           </a:p>
         </p:txBody>
       </p:sp>
@@ -5246,7 +9376,7 @@
         </p:nvCxnSpPr>
         <p:spPr>
           <a:xfrm flipH="1">
-            <a:off x="4969836" y="4985909"/>
+            <a:off x="10345905" y="4985909"/>
             <a:ext cx="78450" cy="1301320"/>
           </a:xfrm>
           <a:prstGeom prst="bentConnector3">
@@ -5284,7 +9414,7 @@
         </p:nvCxnSpPr>
         <p:spPr>
           <a:xfrm rot="16200000" flipH="1">
-            <a:off x="3167453" y="5190818"/>
+            <a:off x="8543523" y="5190818"/>
             <a:ext cx="743343" cy="685304"/>
           </a:xfrm>
           <a:prstGeom prst="bentConnector2">
@@ -5320,7 +9450,7 @@
         </p:nvCxnSpPr>
         <p:spPr>
           <a:xfrm rot="16200000" flipH="1">
-            <a:off x="3365219" y="4993052"/>
+            <a:off x="8741288" y="4993053"/>
             <a:ext cx="346850" cy="684347"/>
           </a:xfrm>
           <a:prstGeom prst="bentConnector2">
@@ -5356,7 +9486,7 @@
         </p:nvCxnSpPr>
         <p:spPr>
           <a:xfrm flipH="1">
-            <a:off x="4962488" y="4985910"/>
+            <a:off x="10338557" y="4985910"/>
             <a:ext cx="85798" cy="919232"/>
           </a:xfrm>
           <a:prstGeom prst="bentConnector3">
@@ -5394,7 +9524,7 @@
         </p:nvCxnSpPr>
         <p:spPr>
           <a:xfrm rot="5400000">
-            <a:off x="2529932" y="5321186"/>
+            <a:off x="7906002" y="5321186"/>
             <a:ext cx="825927" cy="507156"/>
           </a:xfrm>
           <a:prstGeom prst="bentConnector2">
@@ -5430,7 +9560,7 @@
         </p:nvCxnSpPr>
         <p:spPr>
           <a:xfrm>
-            <a:off x="5048286" y="4985911"/>
+            <a:off x="10424355" y="4985912"/>
             <a:ext cx="575418" cy="987231"/>
           </a:xfrm>
           <a:prstGeom prst="bentConnector4">
@@ -5469,7 +9599,7 @@
         </p:nvCxnSpPr>
         <p:spPr>
           <a:xfrm>
-            <a:off x="5048284" y="4985910"/>
+            <a:off x="10424353" y="4985911"/>
             <a:ext cx="1228336" cy="967309"/>
           </a:xfrm>
           <a:prstGeom prst="bentConnector4">
@@ -5505,7 +9635,7 @@
         </p:nvSpPr>
         <p:spPr>
           <a:xfrm rot="12537028">
-            <a:off x="5154952" y="4982684"/>
+            <a:off x="10531022" y="4982684"/>
             <a:ext cx="249827" cy="859700"/>
           </a:xfrm>
           <a:prstGeom prst="roundRect">
@@ -5537,7 +9667,6 @@
               <a:rPr lang="en-GB" sz="1013" dirty="0"/>
               <a:t>Add Subjects</a:t>
             </a:r>
-            <a:endParaRPr lang="en-GB" sz="1013" dirty="0"/>
           </a:p>
         </p:txBody>
       </p:sp>
@@ -5813,4 +9942,265 @@
     </a:ext>
   </a:extLst>
 </a:theme>
+</file>
+
+<file path=ppt/theme/theme2.xml><?xml version="1.0" encoding="utf-8"?>
+<a:theme xmlns:a="http://schemas.openxmlformats.org/drawingml/2006/main" name="1_Office Theme">
+  <a:themeElements>
+    <a:clrScheme name="Office">
+      <a:dk1>
+        <a:sysClr val="windowText" lastClr="000000"/>
+      </a:dk1>
+      <a:lt1>
+        <a:sysClr val="window" lastClr="FFFFFF"/>
+      </a:lt1>
+      <a:dk2>
+        <a:srgbClr val="44546A"/>
+      </a:dk2>
+      <a:lt2>
+        <a:srgbClr val="E7E6E6"/>
+      </a:lt2>
+      <a:accent1>
+        <a:srgbClr val="5B9BD5"/>
+      </a:accent1>
+      <a:accent2>
+        <a:srgbClr val="ED7D31"/>
+      </a:accent2>
+      <a:accent3>
+        <a:srgbClr val="A5A5A5"/>
+      </a:accent3>
+      <a:accent4>
+        <a:srgbClr val="FFC000"/>
+      </a:accent4>
+      <a:accent5>
+        <a:srgbClr val="4472C4"/>
+      </a:accent5>
+      <a:accent6>
+        <a:srgbClr val="70AD47"/>
+      </a:accent6>
+      <a:hlink>
+        <a:srgbClr val="0563C1"/>
+      </a:hlink>
+      <a:folHlink>
+        <a:srgbClr val="954F72"/>
+      </a:folHlink>
+    </a:clrScheme>
+    <a:fontScheme name="Office">
+      <a:majorFont>
+        <a:latin typeface="Calibri Light" panose="020F0302020204030204"/>
+        <a:ea typeface=""/>
+        <a:cs typeface=""/>
+        <a:font script="Jpan" typeface="游ゴシック Light"/>
+        <a:font script="Hang" typeface="맑은 고딕"/>
+        <a:font script="Hans" typeface="等线 Light"/>
+        <a:font script="Hant" typeface="新細明體"/>
+        <a:font script="Arab" typeface="Times New Roman"/>
+        <a:font script="Hebr" typeface="Times New Roman"/>
+        <a:font script="Thai" typeface="Angsana New"/>
+        <a:font script="Ethi" typeface="Nyala"/>
+        <a:font script="Beng" typeface="Vrinda"/>
+        <a:font script="Gujr" typeface="Shruti"/>
+        <a:font script="Khmr" typeface="MoolBoran"/>
+        <a:font script="Knda" typeface="Tunga"/>
+        <a:font script="Guru" typeface="Raavi"/>
+        <a:font script="Cans" typeface="Euphemia"/>
+        <a:font script="Cher" typeface="Plantagenet Cherokee"/>
+        <a:font script="Yiii" typeface="Microsoft Yi Baiti"/>
+        <a:font script="Tibt" typeface="Microsoft Himalaya"/>
+        <a:font script="Thaa" typeface="MV Boli"/>
+        <a:font script="Deva" typeface="Mangal"/>
+        <a:font script="Telu" typeface="Gautami"/>
+        <a:font script="Taml" typeface="Latha"/>
+        <a:font script="Syrc" typeface="Estrangelo Edessa"/>
+        <a:font script="Orya" typeface="Kalinga"/>
+        <a:font script="Mlym" typeface="Kartika"/>
+        <a:font script="Laoo" typeface="DokChampa"/>
+        <a:font script="Sinh" typeface="Iskoola Pota"/>
+        <a:font script="Mong" typeface="Mongolian Baiti"/>
+        <a:font script="Viet" typeface="Times New Roman"/>
+        <a:font script="Uigh" typeface="Microsoft Uighur"/>
+        <a:font script="Geor" typeface="Sylfaen"/>
+      </a:majorFont>
+      <a:minorFont>
+        <a:latin typeface="Calibri" panose="020F0502020204030204"/>
+        <a:ea typeface=""/>
+        <a:cs typeface=""/>
+        <a:font script="Jpan" typeface="游ゴシック"/>
+        <a:font script="Hang" typeface="맑은 고딕"/>
+        <a:font script="Hans" typeface="等线"/>
+        <a:font script="Hant" typeface="新細明體"/>
+        <a:font script="Arab" typeface="Arial"/>
+        <a:font script="Hebr" typeface="Arial"/>
+        <a:font script="Thai" typeface="Cordia New"/>
+        <a:font script="Ethi" typeface="Nyala"/>
+        <a:font script="Beng" typeface="Vrinda"/>
+        <a:font script="Gujr" typeface="Shruti"/>
+        <a:font script="Khmr" typeface="DaunPenh"/>
+        <a:font script="Knda" typeface="Tunga"/>
+        <a:font script="Guru" typeface="Raavi"/>
+        <a:font script="Cans" typeface="Euphemia"/>
+        <a:font script="Cher" typeface="Plantagenet Cherokee"/>
+        <a:font script="Yiii" typeface="Microsoft Yi Baiti"/>
+        <a:font script="Tibt" typeface="Microsoft Himalaya"/>
+        <a:font script="Thaa" typeface="MV Boli"/>
+        <a:font script="Deva" typeface="Mangal"/>
+        <a:font script="Telu" typeface="Gautami"/>
+        <a:font script="Taml" typeface="Latha"/>
+        <a:font script="Syrc" typeface="Estrangelo Edessa"/>
+        <a:font script="Orya" typeface="Kalinga"/>
+        <a:font script="Mlym" typeface="Kartika"/>
+        <a:font script="Laoo" typeface="DokChampa"/>
+        <a:font script="Sinh" typeface="Iskoola Pota"/>
+        <a:font script="Mong" typeface="Mongolian Baiti"/>
+        <a:font script="Viet" typeface="Arial"/>
+        <a:font script="Uigh" typeface="Microsoft Uighur"/>
+        <a:font script="Geor" typeface="Sylfaen"/>
+      </a:minorFont>
+    </a:fontScheme>
+    <a:fmtScheme name="Office">
+      <a:fillStyleLst>
+        <a:solidFill>
+          <a:schemeClr val="phClr"/>
+        </a:solidFill>
+        <a:gradFill rotWithShape="1">
+          <a:gsLst>
+            <a:gs pos="0">
+              <a:schemeClr val="phClr">
+                <a:lumMod val="110000"/>
+                <a:satMod val="105000"/>
+                <a:tint val="67000"/>
+              </a:schemeClr>
+            </a:gs>
+            <a:gs pos="50000">
+              <a:schemeClr val="phClr">
+                <a:lumMod val="105000"/>
+                <a:satMod val="103000"/>
+                <a:tint val="73000"/>
+              </a:schemeClr>
+            </a:gs>
+            <a:gs pos="100000">
+              <a:schemeClr val="phClr">
+                <a:lumMod val="105000"/>
+                <a:satMod val="109000"/>
+                <a:tint val="81000"/>
+              </a:schemeClr>
+            </a:gs>
+          </a:gsLst>
+          <a:lin ang="5400000" scaled="0"/>
+        </a:gradFill>
+        <a:gradFill rotWithShape="1">
+          <a:gsLst>
+            <a:gs pos="0">
+              <a:schemeClr val="phClr">
+                <a:satMod val="103000"/>
+                <a:lumMod val="102000"/>
+                <a:tint val="94000"/>
+              </a:schemeClr>
+            </a:gs>
+            <a:gs pos="50000">
+              <a:schemeClr val="phClr">
+                <a:satMod val="110000"/>
+                <a:lumMod val="100000"/>
+                <a:shade val="100000"/>
+              </a:schemeClr>
+            </a:gs>
+            <a:gs pos="100000">
+              <a:schemeClr val="phClr">
+                <a:lumMod val="99000"/>
+                <a:satMod val="120000"/>
+                <a:shade val="78000"/>
+              </a:schemeClr>
+            </a:gs>
+          </a:gsLst>
+          <a:lin ang="5400000" scaled="0"/>
+        </a:gradFill>
+      </a:fillStyleLst>
+      <a:lnStyleLst>
+        <a:ln w="6350" cap="flat" cmpd="sng" algn="ctr">
+          <a:solidFill>
+            <a:schemeClr val="phClr"/>
+          </a:solidFill>
+          <a:prstDash val="solid"/>
+          <a:miter lim="800000"/>
+        </a:ln>
+        <a:ln w="12700" cap="flat" cmpd="sng" algn="ctr">
+          <a:solidFill>
+            <a:schemeClr val="phClr"/>
+          </a:solidFill>
+          <a:prstDash val="solid"/>
+          <a:miter lim="800000"/>
+        </a:ln>
+        <a:ln w="19050" cap="flat" cmpd="sng" algn="ctr">
+          <a:solidFill>
+            <a:schemeClr val="phClr"/>
+          </a:solidFill>
+          <a:prstDash val="solid"/>
+          <a:miter lim="800000"/>
+        </a:ln>
+      </a:lnStyleLst>
+      <a:effectStyleLst>
+        <a:effectStyle>
+          <a:effectLst/>
+        </a:effectStyle>
+        <a:effectStyle>
+          <a:effectLst/>
+        </a:effectStyle>
+        <a:effectStyle>
+          <a:effectLst>
+            <a:outerShdw blurRad="57150" dist="19050" dir="5400000" algn="ctr" rotWithShape="0">
+              <a:srgbClr val="000000">
+                <a:alpha val="63000"/>
+              </a:srgbClr>
+            </a:outerShdw>
+          </a:effectLst>
+        </a:effectStyle>
+      </a:effectStyleLst>
+      <a:bgFillStyleLst>
+        <a:solidFill>
+          <a:schemeClr val="phClr"/>
+        </a:solidFill>
+        <a:solidFill>
+          <a:schemeClr val="phClr">
+            <a:tint val="95000"/>
+            <a:satMod val="170000"/>
+          </a:schemeClr>
+        </a:solidFill>
+        <a:gradFill rotWithShape="1">
+          <a:gsLst>
+            <a:gs pos="0">
+              <a:schemeClr val="phClr">
+                <a:tint val="93000"/>
+                <a:satMod val="150000"/>
+                <a:shade val="98000"/>
+                <a:lumMod val="102000"/>
+              </a:schemeClr>
+            </a:gs>
+            <a:gs pos="50000">
+              <a:schemeClr val="phClr">
+                <a:tint val="98000"/>
+                <a:satMod val="130000"/>
+                <a:shade val="90000"/>
+                <a:lumMod val="103000"/>
+              </a:schemeClr>
+            </a:gs>
+            <a:gs pos="100000">
+              <a:schemeClr val="phClr">
+                <a:shade val="63000"/>
+                <a:satMod val="120000"/>
+              </a:schemeClr>
+            </a:gs>
+          </a:gsLst>
+          <a:lin ang="5400000" scaled="0"/>
+        </a:gradFill>
+      </a:bgFillStyleLst>
+    </a:fmtScheme>
+  </a:themeElements>
+  <a:objectDefaults/>
+  <a:extraClrSchemeLst/>
+  <a:extLst>
+    <a:ext uri="{05A4C25C-085E-4340-85A3-A5531E510DB2}">
+      <thm15:themeFamily xmlns:thm15="http://schemas.microsoft.com/office/thememl/2012/main" name="Office Theme" id="{62F939B6-93AF-4DB8-9C6B-D6C7DFDC589F}" vid="{4A3C46E8-61CC-4603-A589-7422A47A8E4A}"/>
+    </a:ext>
+  </a:extLst>
+</a:theme>
 </file>